--- a/docs/project.pptx
+++ b/docs/project.pptx
@@ -6,19 +6,23 @@
   </p:sldMasterIdLst>
   <p:sldIdLst>
     <p:sldId id="256" r:id="rId2"/>
-    <p:sldId id="257" r:id="rId3"/>
+    <p:sldId id="270" r:id="rId3"/>
     <p:sldId id="258" r:id="rId4"/>
-    <p:sldId id="259" r:id="rId5"/>
-    <p:sldId id="260" r:id="rId6"/>
-    <p:sldId id="261" r:id="rId7"/>
-    <p:sldId id="262" r:id="rId8"/>
-    <p:sldId id="263" r:id="rId9"/>
-    <p:sldId id="264" r:id="rId10"/>
-    <p:sldId id="265" r:id="rId11"/>
-    <p:sldId id="266" r:id="rId12"/>
-    <p:sldId id="267" r:id="rId13"/>
-    <p:sldId id="268" r:id="rId14"/>
-    <p:sldId id="269" r:id="rId15"/>
+    <p:sldId id="274" r:id="rId5"/>
+    <p:sldId id="271" r:id="rId6"/>
+    <p:sldId id="260" r:id="rId7"/>
+    <p:sldId id="261" r:id="rId8"/>
+    <p:sldId id="262" r:id="rId9"/>
+    <p:sldId id="263" r:id="rId10"/>
+    <p:sldId id="264" r:id="rId11"/>
+    <p:sldId id="276" r:id="rId12"/>
+    <p:sldId id="266" r:id="rId13"/>
+    <p:sldId id="273" r:id="rId14"/>
+    <p:sldId id="272" r:id="rId15"/>
+    <p:sldId id="275" r:id="rId16"/>
+    <p:sldId id="267" r:id="rId17"/>
+    <p:sldId id="268" r:id="rId18"/>
+    <p:sldId id="269" r:id="rId19"/>
   </p:sldIdLst>
   <p:sldSz cx="12192000" cy="6858000"/>
   <p:notesSz cx="6858000" cy="9144000"/>
@@ -117,6 +121,11 @@
       </a:defRPr>
     </a:lvl9pPr>
   </p:defaultTextStyle>
+  <p:extLst>
+    <p:ext uri="{EFAFB233-063F-42B5-8137-9DF3F51BA10A}">
+      <p15:sldGuideLst xmlns:p15="http://schemas.microsoft.com/office/powerpoint/2012/main"/>
+    </p:ext>
+  </p:extLst>
 </p:presentation>
 </file>
 
@@ -267,7 +276,7 @@
           <a:p>
             <a:fld id="{0A9A872F-D9CB-4186-9C25-671FAF4AFD83}" type="datetimeFigureOut">
               <a:rPr lang="ru-RU" smtClean="0"/>
-              <a:t>10.05.2022</a:t>
+              <a:t>15.05.2022</a:t>
             </a:fld>
             <a:endParaRPr lang="ru-RU"/>
           </a:p>
@@ -465,7 +474,7 @@
           <a:p>
             <a:fld id="{0A9A872F-D9CB-4186-9C25-671FAF4AFD83}" type="datetimeFigureOut">
               <a:rPr lang="ru-RU" smtClean="0"/>
-              <a:t>10.05.2022</a:t>
+              <a:t>15.05.2022</a:t>
             </a:fld>
             <a:endParaRPr lang="ru-RU"/>
           </a:p>
@@ -673,7 +682,7 @@
           <a:p>
             <a:fld id="{0A9A872F-D9CB-4186-9C25-671FAF4AFD83}" type="datetimeFigureOut">
               <a:rPr lang="ru-RU" smtClean="0"/>
-              <a:t>10.05.2022</a:t>
+              <a:t>15.05.2022</a:t>
             </a:fld>
             <a:endParaRPr lang="ru-RU"/>
           </a:p>
@@ -871,7 +880,7 @@
           <a:p>
             <a:fld id="{0A9A872F-D9CB-4186-9C25-671FAF4AFD83}" type="datetimeFigureOut">
               <a:rPr lang="ru-RU" smtClean="0"/>
-              <a:t>10.05.2022</a:t>
+              <a:t>15.05.2022</a:t>
             </a:fld>
             <a:endParaRPr lang="ru-RU"/>
           </a:p>
@@ -1146,7 +1155,7 @@
           <a:p>
             <a:fld id="{0A9A872F-D9CB-4186-9C25-671FAF4AFD83}" type="datetimeFigureOut">
               <a:rPr lang="ru-RU" smtClean="0"/>
-              <a:t>10.05.2022</a:t>
+              <a:t>15.05.2022</a:t>
             </a:fld>
             <a:endParaRPr lang="ru-RU"/>
           </a:p>
@@ -1411,7 +1420,7 @@
           <a:p>
             <a:fld id="{0A9A872F-D9CB-4186-9C25-671FAF4AFD83}" type="datetimeFigureOut">
               <a:rPr lang="ru-RU" smtClean="0"/>
-              <a:t>10.05.2022</a:t>
+              <a:t>15.05.2022</a:t>
             </a:fld>
             <a:endParaRPr lang="ru-RU"/>
           </a:p>
@@ -1823,7 +1832,7 @@
           <a:p>
             <a:fld id="{0A9A872F-D9CB-4186-9C25-671FAF4AFD83}" type="datetimeFigureOut">
               <a:rPr lang="ru-RU" smtClean="0"/>
-              <a:t>10.05.2022</a:t>
+              <a:t>15.05.2022</a:t>
             </a:fld>
             <a:endParaRPr lang="ru-RU"/>
           </a:p>
@@ -1964,7 +1973,7 @@
           <a:p>
             <a:fld id="{0A9A872F-D9CB-4186-9C25-671FAF4AFD83}" type="datetimeFigureOut">
               <a:rPr lang="ru-RU" smtClean="0"/>
-              <a:t>10.05.2022</a:t>
+              <a:t>15.05.2022</a:t>
             </a:fld>
             <a:endParaRPr lang="ru-RU"/>
           </a:p>
@@ -2077,7 +2086,7 @@
           <a:p>
             <a:fld id="{0A9A872F-D9CB-4186-9C25-671FAF4AFD83}" type="datetimeFigureOut">
               <a:rPr lang="ru-RU" smtClean="0"/>
-              <a:t>10.05.2022</a:t>
+              <a:t>15.05.2022</a:t>
             </a:fld>
             <a:endParaRPr lang="ru-RU"/>
           </a:p>
@@ -2388,7 +2397,7 @@
           <a:p>
             <a:fld id="{0A9A872F-D9CB-4186-9C25-671FAF4AFD83}" type="datetimeFigureOut">
               <a:rPr lang="ru-RU" smtClean="0"/>
-              <a:t>10.05.2022</a:t>
+              <a:t>15.05.2022</a:t>
             </a:fld>
             <a:endParaRPr lang="ru-RU"/>
           </a:p>
@@ -2676,7 +2685,7 @@
           <a:p>
             <a:fld id="{0A9A872F-D9CB-4186-9C25-671FAF4AFD83}" type="datetimeFigureOut">
               <a:rPr lang="ru-RU" smtClean="0"/>
-              <a:t>10.05.2022</a:t>
+              <a:t>15.05.2022</a:t>
             </a:fld>
             <a:endParaRPr lang="ru-RU"/>
           </a:p>
@@ -2917,7 +2926,7 @@
           <a:p>
             <a:fld id="{0A9A872F-D9CB-4186-9C25-671FAF4AFD83}" type="datetimeFigureOut">
               <a:rPr lang="ru-RU" smtClean="0"/>
-              <a:t>10.05.2022</a:t>
+              <a:t>15.05.2022</a:t>
             </a:fld>
             <a:endParaRPr lang="ru-RU"/>
           </a:p>
@@ -3357,7 +3366,7 @@
           <a:p>
             <a:r>
               <a:rPr lang="en-US" dirty="0"/>
-              <a:t>Universal Modular Platform based on Cdm8 processor</a:t>
+              <a:t>Modular Platform based on Cdm8 processor</a:t>
             </a:r>
             <a:endParaRPr lang="ru-RU" dirty="0"/>
           </a:p>
@@ -3447,7 +3456,7 @@
           <p:cNvPr id="2" name="Заголовок 1">
             <a:extLst>
               <a:ext uri="{FF2B5EF4-FFF2-40B4-BE49-F238E27FC236}">
-                <a16:creationId xmlns:a16="http://schemas.microsoft.com/office/drawing/2014/main" id="{C5114581-AED5-4F9E-0992-B2B3D01CA422}"/>
+                <a16:creationId xmlns:a16="http://schemas.microsoft.com/office/drawing/2014/main" id="{814D474C-90BE-0440-D452-4921A1FF90A2}"/>
               </a:ext>
             </a:extLst>
           </p:cNvPr>
@@ -3464,46 +3473,52 @@
           <a:lstStyle/>
           <a:p>
             <a:r>
-              <a:rPr lang="en-US" dirty="0" err="1"/>
-              <a:t>Cocomake</a:t>
-            </a:r>
-            <a:r>
               <a:rPr lang="en-US" dirty="0"/>
-              <a:t> settings</a:t>
+              <a:t>Scheme</a:t>
             </a:r>
             <a:endParaRPr lang="ru-RU" dirty="0"/>
           </a:p>
         </p:txBody>
       </p:sp>
-      <p:sp>
-        <p:nvSpPr>
-          <p:cNvPr id="3" name="Объект 2">
-            <a:extLst>
-              <a:ext uri="{FF2B5EF4-FFF2-40B4-BE49-F238E27FC236}">
-                <a16:creationId xmlns:a16="http://schemas.microsoft.com/office/drawing/2014/main" id="{4B51FF1E-1D09-1053-2887-FC0B9B0437EC}"/>
-              </a:ext>
-            </a:extLst>
-          </p:cNvPr>
-          <p:cNvSpPr>
-            <a:spLocks noGrp="1"/>
-          </p:cNvSpPr>
+      <p:pic>
+        <p:nvPicPr>
+          <p:cNvPr id="5" name="Объект 4">
+            <a:extLst>
+              <a:ext uri="{FF2B5EF4-FFF2-40B4-BE49-F238E27FC236}">
+                <a16:creationId xmlns:a16="http://schemas.microsoft.com/office/drawing/2014/main" id="{F9CD4709-E1EA-C0DF-51D1-C10FE13F5B36}"/>
+              </a:ext>
+            </a:extLst>
+          </p:cNvPr>
+          <p:cNvPicPr>
+            <a:picLocks noGrp="1" noChangeAspect="1"/>
+          </p:cNvPicPr>
           <p:nvPr>
             <p:ph idx="1"/>
           </p:nvPr>
-        </p:nvSpPr>
-        <p:spPr/>
-        <p:txBody>
-          <a:bodyPr/>
-          <a:lstStyle/>
-          <a:p>
-            <a:endParaRPr lang="ru-RU"/>
-          </a:p>
-        </p:txBody>
-      </p:sp>
+        </p:nvPicPr>
+        <p:blipFill>
+          <a:blip r:embed="rId2">
+            <a:extLst>
+              <a:ext uri="{28A0092B-C50C-407E-A947-70E740481C1C}">
+                <a14:useLocalDpi xmlns:a14="http://schemas.microsoft.com/office/drawing/2010/main" val="0"/>
+              </a:ext>
+            </a:extLst>
+          </a:blip>
+          <a:stretch>
+            <a:fillRect/>
+          </a:stretch>
+        </p:blipFill>
+        <p:spPr>
+          <a:xfrm>
+            <a:off x="4521306" y="1836511"/>
+            <a:ext cx="4673388" cy="4351338"/>
+          </a:xfrm>
+        </p:spPr>
+      </p:pic>
     </p:spTree>
     <p:extLst>
       <p:ext uri="{BB962C8B-B14F-4D97-AF65-F5344CB8AC3E}">
-        <p14:creationId xmlns:p14="http://schemas.microsoft.com/office/powerpoint/2010/main" val="2387970381"/>
+        <p14:creationId xmlns:p14="http://schemas.microsoft.com/office/powerpoint/2010/main" val="2234971504"/>
       </p:ext>
     </p:extLst>
   </p:cSld>
@@ -3535,7 +3550,7 @@
           <p:cNvPr id="2" name="Заголовок 1">
             <a:extLst>
               <a:ext uri="{FF2B5EF4-FFF2-40B4-BE49-F238E27FC236}">
-                <a16:creationId xmlns:a16="http://schemas.microsoft.com/office/drawing/2014/main" id="{05C9C41D-AFAB-99FF-2F53-1DCD8EFB3F04}"/>
+                <a16:creationId xmlns:a16="http://schemas.microsoft.com/office/drawing/2014/main" id="{A6C966C2-D473-BFA0-F80F-AE502BB565D2}"/>
               </a:ext>
             </a:extLst>
           </p:cNvPr>
@@ -3551,43 +3566,49 @@
           <a:bodyPr/>
           <a:lstStyle/>
           <a:p>
-            <a:r>
-              <a:rPr lang="en-US" dirty="0"/>
-              <a:t>Programs structure</a:t>
-            </a:r>
-            <a:endParaRPr lang="ru-RU" dirty="0"/>
-          </a:p>
-        </p:txBody>
-      </p:sp>
-      <p:sp>
-        <p:nvSpPr>
-          <p:cNvPr id="3" name="Объект 2">
-            <a:extLst>
-              <a:ext uri="{FF2B5EF4-FFF2-40B4-BE49-F238E27FC236}">
-                <a16:creationId xmlns:a16="http://schemas.microsoft.com/office/drawing/2014/main" id="{C8091D6B-8624-8E03-1598-5E1ABCE38CAC}"/>
-              </a:ext>
-            </a:extLst>
-          </p:cNvPr>
-          <p:cNvSpPr>
-            <a:spLocks noGrp="1"/>
-          </p:cNvSpPr>
+            <a:endParaRPr lang="ru-RU"/>
+          </a:p>
+        </p:txBody>
+      </p:sp>
+      <p:pic>
+        <p:nvPicPr>
+          <p:cNvPr id="5" name="Объект 4">
+            <a:extLst>
+              <a:ext uri="{FF2B5EF4-FFF2-40B4-BE49-F238E27FC236}">
+                <a16:creationId xmlns:a16="http://schemas.microsoft.com/office/drawing/2014/main" id="{B7B5B3EA-16C5-7586-9E42-3A7923685E37}"/>
+              </a:ext>
+            </a:extLst>
+          </p:cNvPr>
+          <p:cNvPicPr>
+            <a:picLocks noGrp="1" noChangeAspect="1"/>
+          </p:cNvPicPr>
           <p:nvPr>
             <p:ph idx="1"/>
           </p:nvPr>
-        </p:nvSpPr>
-        <p:spPr/>
-        <p:txBody>
-          <a:bodyPr/>
-          <a:lstStyle/>
-          <a:p>
-            <a:endParaRPr lang="ru-RU"/>
-          </a:p>
-        </p:txBody>
-      </p:sp>
+        </p:nvPicPr>
+        <p:blipFill>
+          <a:blip r:embed="rId2">
+            <a:extLst>
+              <a:ext uri="{28A0092B-C50C-407E-A947-70E740481C1C}">
+                <a14:useLocalDpi xmlns:a14="http://schemas.microsoft.com/office/drawing/2010/main" val="0"/>
+              </a:ext>
+            </a:extLst>
+          </a:blip>
+          <a:stretch>
+            <a:fillRect/>
+          </a:stretch>
+        </p:blipFill>
+        <p:spPr>
+          <a:xfrm>
+            <a:off x="2683230" y="1825625"/>
+            <a:ext cx="6825539" cy="4351338"/>
+          </a:xfrm>
+        </p:spPr>
+      </p:pic>
     </p:spTree>
     <p:extLst>
       <p:ext uri="{BB962C8B-B14F-4D97-AF65-F5344CB8AC3E}">
-        <p14:creationId xmlns:p14="http://schemas.microsoft.com/office/powerpoint/2010/main" val="1605070855"/>
+        <p14:creationId xmlns:p14="http://schemas.microsoft.com/office/powerpoint/2010/main" val="1899531169"/>
       </p:ext>
     </p:extLst>
   </p:cSld>
@@ -3619,7 +3640,7 @@
           <p:cNvPr id="2" name="Заголовок 1">
             <a:extLst>
               <a:ext uri="{FF2B5EF4-FFF2-40B4-BE49-F238E27FC236}">
-                <a16:creationId xmlns:a16="http://schemas.microsoft.com/office/drawing/2014/main" id="{C8E8CF20-FD76-276E-C3CC-6DD5F95FB5DA}"/>
+                <a16:creationId xmlns:a16="http://schemas.microsoft.com/office/drawing/2014/main" id="{05C9C41D-AFAB-99FF-2F53-1DCD8EFB3F04}"/>
               </a:ext>
             </a:extLst>
           </p:cNvPr>
@@ -3637,7 +3658,7 @@
           <a:p>
             <a:r>
               <a:rPr lang="en-US" dirty="0"/>
-              <a:t>Code samples</a:t>
+              <a:t>Programs structure</a:t>
             </a:r>
             <a:endParaRPr lang="ru-RU" dirty="0"/>
           </a:p>
@@ -3648,7 +3669,7 @@
           <p:cNvPr id="3" name="Объект 2">
             <a:extLst>
               <a:ext uri="{FF2B5EF4-FFF2-40B4-BE49-F238E27FC236}">
-                <a16:creationId xmlns:a16="http://schemas.microsoft.com/office/drawing/2014/main" id="{10484030-C5C9-AE5D-92F1-A645820660BC}"/>
+                <a16:creationId xmlns:a16="http://schemas.microsoft.com/office/drawing/2014/main" id="{C8091D6B-8624-8E03-1598-5E1ABCE38CAC}"/>
               </a:ext>
             </a:extLst>
           </p:cNvPr>
@@ -3671,7 +3692,7 @@
     </p:spTree>
     <p:extLst>
       <p:ext uri="{BB962C8B-B14F-4D97-AF65-F5344CB8AC3E}">
-        <p14:creationId xmlns:p14="http://schemas.microsoft.com/office/powerpoint/2010/main" val="2300410717"/>
+        <p14:creationId xmlns:p14="http://schemas.microsoft.com/office/powerpoint/2010/main" val="1605070855"/>
       </p:ext>
     </p:extLst>
   </p:cSld>
@@ -3703,7 +3724,7 @@
           <p:cNvPr id="2" name="Заголовок 1">
             <a:extLst>
               <a:ext uri="{FF2B5EF4-FFF2-40B4-BE49-F238E27FC236}">
-                <a16:creationId xmlns:a16="http://schemas.microsoft.com/office/drawing/2014/main" id="{3E10851A-69BE-3873-4CB5-6B27539ECCA7}"/>
+                <a16:creationId xmlns:a16="http://schemas.microsoft.com/office/drawing/2014/main" id="{0EC127A8-3F59-69DB-749A-017BFD78A27C}"/>
               </a:ext>
             </a:extLst>
           </p:cNvPr>
@@ -3721,11 +3742,7 @@
           <a:p>
             <a:r>
               <a:rPr lang="en-US" dirty="0"/>
-              <a:t>Switch to </a:t>
-            </a:r>
-            <a:r>
-              <a:rPr lang="en-US" dirty="0" err="1"/>
-              <a:t>logisim</a:t>
+              <a:t>Battleship Game</a:t>
             </a:r>
             <a:endParaRPr lang="ru-RU" dirty="0"/>
           </a:p>
@@ -3736,7 +3753,7 @@
           <p:cNvPr id="3" name="Объект 2">
             <a:extLst>
               <a:ext uri="{FF2B5EF4-FFF2-40B4-BE49-F238E27FC236}">
-                <a16:creationId xmlns:a16="http://schemas.microsoft.com/office/drawing/2014/main" id="{39FB5322-CCEE-F2E2-5921-6A8A23A1DF57}"/>
+                <a16:creationId xmlns:a16="http://schemas.microsoft.com/office/drawing/2014/main" id="{26AFD551-0C90-3FCB-18F1-E57AEA53966A}"/>
               </a:ext>
             </a:extLst>
           </p:cNvPr>
@@ -3752,14 +3769,30 @@
           <a:bodyPr/>
           <a:lstStyle/>
           <a:p>
-            <a:endParaRPr lang="ru-RU"/>
+            <a:r>
+              <a:rPr lang="en-US" dirty="0"/>
+              <a:t>Soviet/Russian variant</a:t>
+            </a:r>
+          </a:p>
+          <a:p>
+            <a:r>
+              <a:rPr lang="en-US" dirty="0"/>
+              <a:t>Involves a lot of graphics</a:t>
+            </a:r>
+          </a:p>
+          <a:p>
+            <a:r>
+              <a:rPr lang="en-US" dirty="0"/>
+              <a:t>Uses a lot of memory</a:t>
+            </a:r>
+            <a:endParaRPr lang="ru-RU" dirty="0"/>
           </a:p>
         </p:txBody>
       </p:sp>
     </p:spTree>
     <p:extLst>
       <p:ext uri="{BB962C8B-B14F-4D97-AF65-F5344CB8AC3E}">
-        <p14:creationId xmlns:p14="http://schemas.microsoft.com/office/powerpoint/2010/main" val="722721471"/>
+        <p14:creationId xmlns:p14="http://schemas.microsoft.com/office/powerpoint/2010/main" val="2193172744"/>
       </p:ext>
     </p:extLst>
   </p:cSld>
@@ -3791,6 +3824,395 @@
           <p:cNvPr id="2" name="Заголовок 1">
             <a:extLst>
               <a:ext uri="{FF2B5EF4-FFF2-40B4-BE49-F238E27FC236}">
+                <a16:creationId xmlns:a16="http://schemas.microsoft.com/office/drawing/2014/main" id="{B5271B3B-BDEE-88EA-0A87-4066CAD722DC}"/>
+              </a:ext>
+            </a:extLst>
+          </p:cNvPr>
+          <p:cNvSpPr>
+            <a:spLocks noGrp="1"/>
+          </p:cNvSpPr>
+          <p:nvPr>
+            <p:ph type="title"/>
+          </p:nvPr>
+        </p:nvSpPr>
+        <p:spPr/>
+        <p:txBody>
+          <a:bodyPr/>
+          <a:lstStyle/>
+          <a:p>
+            <a:r>
+              <a:rPr lang="en-US" dirty="0"/>
+              <a:t>AI</a:t>
+            </a:r>
+            <a:endParaRPr lang="ru-RU" dirty="0"/>
+          </a:p>
+        </p:txBody>
+      </p:sp>
+      <p:sp>
+        <p:nvSpPr>
+          <p:cNvPr id="3" name="Объект 2">
+            <a:extLst>
+              <a:ext uri="{FF2B5EF4-FFF2-40B4-BE49-F238E27FC236}">
+                <a16:creationId xmlns:a16="http://schemas.microsoft.com/office/drawing/2014/main" id="{6E05E879-96D9-D792-0B4A-66E64DF9F89A}"/>
+              </a:ext>
+            </a:extLst>
+          </p:cNvPr>
+          <p:cNvSpPr>
+            <a:spLocks noGrp="1"/>
+          </p:cNvSpPr>
+          <p:nvPr>
+            <p:ph idx="1"/>
+          </p:nvPr>
+        </p:nvSpPr>
+        <p:spPr/>
+        <p:txBody>
+          <a:bodyPr/>
+          <a:lstStyle/>
+          <a:p>
+            <a:r>
+              <a:rPr lang="en-US" dirty="0"/>
+              <a:t>Good AI</a:t>
+            </a:r>
+          </a:p>
+          <a:p>
+            <a:r>
+              <a:rPr lang="en-US" dirty="0"/>
+              <a:t>*picture*</a:t>
+            </a:r>
+            <a:endParaRPr lang="ru-RU" dirty="0"/>
+          </a:p>
+        </p:txBody>
+      </p:sp>
+    </p:spTree>
+    <p:extLst>
+      <p:ext uri="{BB962C8B-B14F-4D97-AF65-F5344CB8AC3E}">
+        <p14:creationId xmlns:p14="http://schemas.microsoft.com/office/powerpoint/2010/main" val="3691521762"/>
+      </p:ext>
+    </p:extLst>
+  </p:cSld>
+  <p:clrMapOvr>
+    <a:masterClrMapping/>
+  </p:clrMapOvr>
+</p:sld>
+</file>
+
+<file path=ppt/slides/slide15.xml><?xml version="1.0" encoding="utf-8"?>
+<p:sld xmlns:a="http://schemas.openxmlformats.org/drawingml/2006/main" xmlns:r="http://schemas.openxmlformats.org/officeDocument/2006/relationships" xmlns:p="http://schemas.openxmlformats.org/presentationml/2006/main">
+  <p:cSld>
+    <p:spTree>
+      <p:nvGrpSpPr>
+        <p:cNvPr id="1" name=""/>
+        <p:cNvGrpSpPr/>
+        <p:nvPr/>
+      </p:nvGrpSpPr>
+      <p:grpSpPr>
+        <a:xfrm>
+          <a:off x="0" y="0"/>
+          <a:ext cx="0" cy="0"/>
+          <a:chOff x="0" y="0"/>
+          <a:chExt cx="0" cy="0"/>
+        </a:xfrm>
+      </p:grpSpPr>
+      <p:sp>
+        <p:nvSpPr>
+          <p:cNvPr id="2" name="Заголовок 1">
+            <a:extLst>
+              <a:ext uri="{FF2B5EF4-FFF2-40B4-BE49-F238E27FC236}">
+                <a16:creationId xmlns:a16="http://schemas.microsoft.com/office/drawing/2014/main" id="{E5369BBF-17FB-CFBC-9397-29EEDEBF7E5F}"/>
+              </a:ext>
+            </a:extLst>
+          </p:cNvPr>
+          <p:cNvSpPr>
+            <a:spLocks noGrp="1"/>
+          </p:cNvSpPr>
+          <p:nvPr>
+            <p:ph type="title"/>
+          </p:nvPr>
+        </p:nvSpPr>
+        <p:spPr/>
+        <p:txBody>
+          <a:bodyPr/>
+          <a:lstStyle/>
+          <a:p>
+            <a:r>
+              <a:rPr lang="en-US" dirty="0"/>
+              <a:t>C preprocessor	</a:t>
+            </a:r>
+            <a:endParaRPr lang="ru-RU" dirty="0"/>
+          </a:p>
+        </p:txBody>
+      </p:sp>
+      <p:sp>
+        <p:nvSpPr>
+          <p:cNvPr id="3" name="Объект 2">
+            <a:extLst>
+              <a:ext uri="{FF2B5EF4-FFF2-40B4-BE49-F238E27FC236}">
+                <a16:creationId xmlns:a16="http://schemas.microsoft.com/office/drawing/2014/main" id="{90016320-AF29-4AB0-C394-E3F6D530397A}"/>
+              </a:ext>
+            </a:extLst>
+          </p:cNvPr>
+          <p:cNvSpPr>
+            <a:spLocks noGrp="1"/>
+          </p:cNvSpPr>
+          <p:nvPr>
+            <p:ph idx="1"/>
+          </p:nvPr>
+        </p:nvSpPr>
+        <p:spPr/>
+        <p:txBody>
+          <a:bodyPr/>
+          <a:lstStyle/>
+          <a:p>
+            <a:r>
+              <a:rPr lang="en-US" dirty="0"/>
+              <a:t>Common constants</a:t>
+            </a:r>
+          </a:p>
+          <a:p>
+            <a:r>
+              <a:rPr lang="en-US" dirty="0"/>
+              <a:t>Libraries</a:t>
+            </a:r>
+            <a:endParaRPr lang="ru-RU" dirty="0"/>
+          </a:p>
+        </p:txBody>
+      </p:sp>
+      <p:pic>
+        <p:nvPicPr>
+          <p:cNvPr id="4" name="Рисунок 3">
+            <a:extLst>
+              <a:ext uri="{FF2B5EF4-FFF2-40B4-BE49-F238E27FC236}">
+                <a16:creationId xmlns:a16="http://schemas.microsoft.com/office/drawing/2014/main" id="{DBA3E7D1-F405-F863-25FC-0D44F2D02384}"/>
+              </a:ext>
+            </a:extLst>
+          </p:cNvPr>
+          <p:cNvPicPr>
+            <a:picLocks noChangeAspect="1"/>
+          </p:cNvPicPr>
+          <p:nvPr/>
+        </p:nvPicPr>
+        <p:blipFill rotWithShape="1">
+          <a:blip r:embed="rId2"/>
+          <a:srcRect l="9079" b="20550"/>
+          <a:stretch/>
+        </p:blipFill>
+        <p:spPr>
+          <a:xfrm>
+            <a:off x="4733925" y="2163081"/>
+            <a:ext cx="6772275" cy="3201081"/>
+          </a:xfrm>
+          <a:prstGeom prst="rect">
+            <a:avLst/>
+          </a:prstGeom>
+        </p:spPr>
+      </p:pic>
+    </p:spTree>
+    <p:extLst>
+      <p:ext uri="{BB962C8B-B14F-4D97-AF65-F5344CB8AC3E}">
+        <p14:creationId xmlns:p14="http://schemas.microsoft.com/office/powerpoint/2010/main" val="2540069007"/>
+      </p:ext>
+    </p:extLst>
+  </p:cSld>
+  <p:clrMapOvr>
+    <a:masterClrMapping/>
+  </p:clrMapOvr>
+</p:sld>
+</file>
+
+<file path=ppt/slides/slide16.xml><?xml version="1.0" encoding="utf-8"?>
+<p:sld xmlns:a="http://schemas.openxmlformats.org/drawingml/2006/main" xmlns:r="http://schemas.openxmlformats.org/officeDocument/2006/relationships" xmlns:p="http://schemas.openxmlformats.org/presentationml/2006/main">
+  <p:cSld>
+    <p:spTree>
+      <p:nvGrpSpPr>
+        <p:cNvPr id="1" name=""/>
+        <p:cNvGrpSpPr/>
+        <p:nvPr/>
+      </p:nvGrpSpPr>
+      <p:grpSpPr>
+        <a:xfrm>
+          <a:off x="0" y="0"/>
+          <a:ext cx="0" cy="0"/>
+          <a:chOff x="0" y="0"/>
+          <a:chExt cx="0" cy="0"/>
+        </a:xfrm>
+      </p:grpSpPr>
+      <p:sp>
+        <p:nvSpPr>
+          <p:cNvPr id="2" name="Заголовок 1">
+            <a:extLst>
+              <a:ext uri="{FF2B5EF4-FFF2-40B4-BE49-F238E27FC236}">
+                <a16:creationId xmlns:a16="http://schemas.microsoft.com/office/drawing/2014/main" id="{C8E8CF20-FD76-276E-C3CC-6DD5F95FB5DA}"/>
+              </a:ext>
+            </a:extLst>
+          </p:cNvPr>
+          <p:cNvSpPr>
+            <a:spLocks noGrp="1"/>
+          </p:cNvSpPr>
+          <p:nvPr>
+            <p:ph type="title"/>
+          </p:nvPr>
+        </p:nvSpPr>
+        <p:spPr/>
+        <p:txBody>
+          <a:bodyPr/>
+          <a:lstStyle/>
+          <a:p>
+            <a:r>
+              <a:rPr lang="en-US" dirty="0"/>
+              <a:t>Code samples</a:t>
+            </a:r>
+            <a:endParaRPr lang="ru-RU" dirty="0"/>
+          </a:p>
+        </p:txBody>
+      </p:sp>
+      <p:sp>
+        <p:nvSpPr>
+          <p:cNvPr id="3" name="Объект 2">
+            <a:extLst>
+              <a:ext uri="{FF2B5EF4-FFF2-40B4-BE49-F238E27FC236}">
+                <a16:creationId xmlns:a16="http://schemas.microsoft.com/office/drawing/2014/main" id="{10484030-C5C9-AE5D-92F1-A645820660BC}"/>
+              </a:ext>
+            </a:extLst>
+          </p:cNvPr>
+          <p:cNvSpPr>
+            <a:spLocks noGrp="1"/>
+          </p:cNvSpPr>
+          <p:nvPr>
+            <p:ph idx="1"/>
+          </p:nvPr>
+        </p:nvSpPr>
+        <p:spPr/>
+        <p:txBody>
+          <a:bodyPr/>
+          <a:lstStyle/>
+          <a:p>
+            <a:endParaRPr lang="ru-RU" dirty="0"/>
+          </a:p>
+        </p:txBody>
+      </p:sp>
+    </p:spTree>
+    <p:extLst>
+      <p:ext uri="{BB962C8B-B14F-4D97-AF65-F5344CB8AC3E}">
+        <p14:creationId xmlns:p14="http://schemas.microsoft.com/office/powerpoint/2010/main" val="2300410717"/>
+      </p:ext>
+    </p:extLst>
+  </p:cSld>
+  <p:clrMapOvr>
+    <a:masterClrMapping/>
+  </p:clrMapOvr>
+</p:sld>
+</file>
+
+<file path=ppt/slides/slide17.xml><?xml version="1.0" encoding="utf-8"?>
+<p:sld xmlns:a="http://schemas.openxmlformats.org/drawingml/2006/main" xmlns:r="http://schemas.openxmlformats.org/officeDocument/2006/relationships" xmlns:p="http://schemas.openxmlformats.org/presentationml/2006/main">
+  <p:cSld>
+    <p:spTree>
+      <p:nvGrpSpPr>
+        <p:cNvPr id="1" name=""/>
+        <p:cNvGrpSpPr/>
+        <p:nvPr/>
+      </p:nvGrpSpPr>
+      <p:grpSpPr>
+        <a:xfrm>
+          <a:off x="0" y="0"/>
+          <a:ext cx="0" cy="0"/>
+          <a:chOff x="0" y="0"/>
+          <a:chExt cx="0" cy="0"/>
+        </a:xfrm>
+      </p:grpSpPr>
+      <p:sp>
+        <p:nvSpPr>
+          <p:cNvPr id="2" name="Заголовок 1">
+            <a:extLst>
+              <a:ext uri="{FF2B5EF4-FFF2-40B4-BE49-F238E27FC236}">
+                <a16:creationId xmlns:a16="http://schemas.microsoft.com/office/drawing/2014/main" id="{3E10851A-69BE-3873-4CB5-6B27539ECCA7}"/>
+              </a:ext>
+            </a:extLst>
+          </p:cNvPr>
+          <p:cNvSpPr>
+            <a:spLocks noGrp="1"/>
+          </p:cNvSpPr>
+          <p:nvPr>
+            <p:ph type="title"/>
+          </p:nvPr>
+        </p:nvSpPr>
+        <p:spPr/>
+        <p:txBody>
+          <a:bodyPr/>
+          <a:lstStyle/>
+          <a:p>
+            <a:r>
+              <a:rPr lang="en-US" dirty="0"/>
+              <a:t>Switch to </a:t>
+            </a:r>
+            <a:r>
+              <a:rPr lang="en-US" dirty="0" err="1"/>
+              <a:t>logisim</a:t>
+            </a:r>
+            <a:endParaRPr lang="ru-RU" dirty="0"/>
+          </a:p>
+        </p:txBody>
+      </p:sp>
+      <p:sp>
+        <p:nvSpPr>
+          <p:cNvPr id="3" name="Объект 2">
+            <a:extLst>
+              <a:ext uri="{FF2B5EF4-FFF2-40B4-BE49-F238E27FC236}">
+                <a16:creationId xmlns:a16="http://schemas.microsoft.com/office/drawing/2014/main" id="{39FB5322-CCEE-F2E2-5921-6A8A23A1DF57}"/>
+              </a:ext>
+            </a:extLst>
+          </p:cNvPr>
+          <p:cNvSpPr>
+            <a:spLocks noGrp="1"/>
+          </p:cNvSpPr>
+          <p:nvPr>
+            <p:ph idx="1"/>
+          </p:nvPr>
+        </p:nvSpPr>
+        <p:spPr/>
+        <p:txBody>
+          <a:bodyPr/>
+          <a:lstStyle/>
+          <a:p>
+            <a:endParaRPr lang="ru-RU"/>
+          </a:p>
+        </p:txBody>
+      </p:sp>
+    </p:spTree>
+    <p:extLst>
+      <p:ext uri="{BB962C8B-B14F-4D97-AF65-F5344CB8AC3E}">
+        <p14:creationId xmlns:p14="http://schemas.microsoft.com/office/powerpoint/2010/main" val="722721471"/>
+      </p:ext>
+    </p:extLst>
+  </p:cSld>
+  <p:clrMapOvr>
+    <a:masterClrMapping/>
+  </p:clrMapOvr>
+</p:sld>
+</file>
+
+<file path=ppt/slides/slide18.xml><?xml version="1.0" encoding="utf-8"?>
+<p:sld xmlns:a="http://schemas.openxmlformats.org/drawingml/2006/main" xmlns:r="http://schemas.openxmlformats.org/officeDocument/2006/relationships" xmlns:p="http://schemas.openxmlformats.org/presentationml/2006/main">
+  <p:cSld>
+    <p:spTree>
+      <p:nvGrpSpPr>
+        <p:cNvPr id="1" name=""/>
+        <p:cNvGrpSpPr/>
+        <p:nvPr/>
+      </p:nvGrpSpPr>
+      <p:grpSpPr>
+        <a:xfrm>
+          <a:off x="0" y="0"/>
+          <a:ext cx="0" cy="0"/>
+          <a:chOff x="0" y="0"/>
+          <a:chExt cx="0" cy="0"/>
+        </a:xfrm>
+      </p:grpSpPr>
+      <p:sp>
+        <p:nvSpPr>
+          <p:cNvPr id="2" name="Заголовок 1">
+            <a:extLst>
+              <a:ext uri="{FF2B5EF4-FFF2-40B4-BE49-F238E27FC236}">
                 <a16:creationId xmlns:a16="http://schemas.microsoft.com/office/drawing/2014/main" id="{5656E548-92E9-31CA-0260-A789155CE7F3}"/>
               </a:ext>
             </a:extLst>
@@ -3836,7 +4258,11 @@
           <a:bodyPr/>
           <a:lstStyle/>
           <a:p>
-            <a:endParaRPr lang="ru-RU"/>
+            <a:r>
+              <a:rPr lang="en-US" dirty="0"/>
+              <a:t>Great project</a:t>
+            </a:r>
+            <a:endParaRPr lang="ru-RU" dirty="0"/>
           </a:p>
         </p:txBody>
       </p:sp>
@@ -3875,7 +4301,7 @@
           <p:cNvPr id="2" name="Заголовок 1">
             <a:extLst>
               <a:ext uri="{FF2B5EF4-FFF2-40B4-BE49-F238E27FC236}">
-                <a16:creationId xmlns:a16="http://schemas.microsoft.com/office/drawing/2014/main" id="{771BECBF-13CA-6F36-DBD6-F89570900409}"/>
+                <a16:creationId xmlns:a16="http://schemas.microsoft.com/office/drawing/2014/main" id="{2D85BF7B-381B-046F-97C1-C16E2DD64CD2}"/>
               </a:ext>
             </a:extLst>
           </p:cNvPr>
@@ -3893,7 +4319,7 @@
           <a:p>
             <a:r>
               <a:rPr lang="en-US" dirty="0"/>
-              <a:t>Universal</a:t>
+              <a:t>Idea</a:t>
             </a:r>
             <a:endParaRPr lang="ru-RU" dirty="0"/>
           </a:p>
@@ -3904,7 +4330,7 @@
           <p:cNvPr id="3" name="Объект 2">
             <a:extLst>
               <a:ext uri="{FF2B5EF4-FFF2-40B4-BE49-F238E27FC236}">
-                <a16:creationId xmlns:a16="http://schemas.microsoft.com/office/drawing/2014/main" id="{C19E87E4-FE4F-111E-3E05-0E6DEFD60D2C}"/>
+                <a16:creationId xmlns:a16="http://schemas.microsoft.com/office/drawing/2014/main" id="{FF3227BF-13AD-69AB-1B87-ACBA5E823FAC}"/>
               </a:ext>
             </a:extLst>
           </p:cNvPr>
@@ -3922,7 +4348,7 @@
           <a:p>
             <a:r>
               <a:rPr lang="en-US" dirty="0"/>
-              <a:t>Can be configured to solve different tasks</a:t>
+              <a:t>In our project we deiced not to design proprietary devices, but to develop a universal platform, that have a lot of applications and can be configured to solve different tasks.</a:t>
             </a:r>
             <a:endParaRPr lang="ru-RU" dirty="0"/>
           </a:p>
@@ -3931,7 +4357,7 @@
     </p:spTree>
     <p:extLst>
       <p:ext uri="{BB962C8B-B14F-4D97-AF65-F5344CB8AC3E}">
-        <p14:creationId xmlns:p14="http://schemas.microsoft.com/office/powerpoint/2010/main" val="2638204264"/>
+        <p14:creationId xmlns:p14="http://schemas.microsoft.com/office/powerpoint/2010/main" val="1283316590"/>
       </p:ext>
     </p:extLst>
   </p:cSld>
@@ -4010,23 +4436,54 @@
           <a:p>
             <a:r>
               <a:rPr lang="en-US" dirty="0"/>
-              <a:t>Main scheme consists of modules connected only with wires with no additional </a:t>
-            </a:r>
-            <a:r>
-              <a:rPr lang="en-US" dirty="0" err="1"/>
-              <a:t>elemnts</a:t>
-            </a:r>
-            <a:endParaRPr lang="en-US" dirty="0"/>
+              <a:t>Main scheme consists of modules (devices) connected only with wires with no additional elements</a:t>
+            </a:r>
           </a:p>
           <a:p>
             <a:r>
               <a:rPr lang="en-US" dirty="0"/>
-              <a:t>Just like devices on system bus on regular pc</a:t>
+              <a:t>Just like devices on system bus of regular PC</a:t>
             </a:r>
             <a:endParaRPr lang="ru-RU" dirty="0"/>
           </a:p>
         </p:txBody>
       </p:sp>
+      <p:pic>
+        <p:nvPicPr>
+          <p:cNvPr id="5" name="Рисунок 4">
+            <a:extLst>
+              <a:ext uri="{FF2B5EF4-FFF2-40B4-BE49-F238E27FC236}">
+                <a16:creationId xmlns:a16="http://schemas.microsoft.com/office/drawing/2014/main" id="{06761420-899B-A268-51EA-B9D2B0A4AE15}"/>
+              </a:ext>
+            </a:extLst>
+          </p:cNvPr>
+          <p:cNvPicPr>
+            <a:picLocks noChangeAspect="1"/>
+          </p:cNvPicPr>
+          <p:nvPr/>
+        </p:nvPicPr>
+        <p:blipFill>
+          <a:blip r:embed="rId2">
+            <a:extLst>
+              <a:ext uri="{28A0092B-C50C-407E-A947-70E740481C1C}">
+                <a14:useLocalDpi xmlns:a14="http://schemas.microsoft.com/office/drawing/2010/main" val="0"/>
+              </a:ext>
+            </a:extLst>
+          </a:blip>
+          <a:stretch>
+            <a:fillRect/>
+          </a:stretch>
+        </p:blipFill>
+        <p:spPr>
+          <a:xfrm>
+            <a:off x="99175" y="3844581"/>
+            <a:ext cx="11993649" cy="2467319"/>
+          </a:xfrm>
+          <a:prstGeom prst="rect">
+            <a:avLst/>
+          </a:prstGeom>
+        </p:spPr>
+      </p:pic>
     </p:spTree>
     <p:extLst>
       <p:ext uri="{BB962C8B-B14F-4D97-AF65-F5344CB8AC3E}">
@@ -4062,7 +4519,7 @@
           <p:cNvPr id="2" name="Заголовок 1">
             <a:extLst>
               <a:ext uri="{FF2B5EF4-FFF2-40B4-BE49-F238E27FC236}">
-                <a16:creationId xmlns:a16="http://schemas.microsoft.com/office/drawing/2014/main" id="{9FCA4405-FCA6-EF8E-60AC-C0467F76684E}"/>
+                <a16:creationId xmlns:a16="http://schemas.microsoft.com/office/drawing/2014/main" id="{08FE5456-ECF3-6020-B2F4-987BBFBCACF2}"/>
               </a:ext>
             </a:extLst>
           </p:cNvPr>
@@ -4080,7 +4537,7 @@
           <a:p>
             <a:r>
               <a:rPr lang="en-US" dirty="0"/>
-              <a:t>Platform ?</a:t>
+              <a:t>Features of this platform</a:t>
             </a:r>
             <a:endParaRPr lang="ru-RU" dirty="0"/>
           </a:p>
@@ -4091,7 +4548,7 @@
           <p:cNvPr id="3" name="Объект 2">
             <a:extLst>
               <a:ext uri="{FF2B5EF4-FFF2-40B4-BE49-F238E27FC236}">
-                <a16:creationId xmlns:a16="http://schemas.microsoft.com/office/drawing/2014/main" id="{854741BA-EB16-D32D-8035-0170E6601679}"/>
+                <a16:creationId xmlns:a16="http://schemas.microsoft.com/office/drawing/2014/main" id="{49642DB3-6D03-D4BE-047A-42D27FE9A7C2}"/>
               </a:ext>
             </a:extLst>
           </p:cNvPr>
@@ -4107,14 +4564,79 @@
           <a:bodyPr/>
           <a:lstStyle/>
           <a:p>
-            <a:endParaRPr lang="ru-RU" dirty="0"/>
+            <a:r>
+              <a:rPr lang="en-US" dirty="0"/>
+              <a:t>Display controller</a:t>
+            </a:r>
+          </a:p>
+          <a:p>
+            <a:r>
+              <a:rPr lang="en-US" dirty="0"/>
+              <a:t>Expandable ROM and RAM</a:t>
+            </a:r>
+            <a:r>
+              <a:rPr lang="ru-RU" dirty="0"/>
+              <a:t> </a:t>
+            </a:r>
+            <a:r>
+              <a:rPr lang="en-US" dirty="0"/>
+              <a:t>both up 32 KB</a:t>
+            </a:r>
+          </a:p>
+          <a:p>
+            <a:r>
+              <a:rPr lang="en-US" dirty="0"/>
+              <a:t>A lot of other useful peripheral devices</a:t>
+            </a:r>
+          </a:p>
+          <a:p>
+            <a:pPr lvl="1"/>
+            <a:r>
+              <a:rPr lang="en-US" dirty="0"/>
+              <a:t>Joystick, Terminal, Keypad Controllers</a:t>
+            </a:r>
+          </a:p>
+          <a:p>
+            <a:pPr lvl="1"/>
+            <a:r>
+              <a:rPr lang="en-US" dirty="0"/>
+              <a:t>Interrupt Arbiter</a:t>
+            </a:r>
+          </a:p>
+          <a:p>
+            <a:pPr lvl="1"/>
+            <a:r>
+              <a:rPr lang="en-US" dirty="0"/>
+              <a:t>Random number generator</a:t>
+            </a:r>
+          </a:p>
+          <a:p>
+            <a:pPr lvl="1"/>
+            <a:r>
+              <a:rPr lang="en-US" dirty="0"/>
+              <a:t>Hex and 7-segment display drivers</a:t>
+            </a:r>
+          </a:p>
+          <a:p>
+            <a:pPr lvl="1"/>
+            <a:r>
+              <a:rPr lang="en-US" dirty="0"/>
+              <a:t>16-bit Math Coprocessor</a:t>
+            </a:r>
+          </a:p>
+          <a:p>
+            <a:pPr lvl="1"/>
+            <a:endParaRPr lang="en-US" dirty="0"/>
+          </a:p>
+          <a:p>
+            <a:endParaRPr lang="en-US" dirty="0"/>
           </a:p>
         </p:txBody>
       </p:sp>
     </p:spTree>
     <p:extLst>
       <p:ext uri="{BB962C8B-B14F-4D97-AF65-F5344CB8AC3E}">
-        <p14:creationId xmlns:p14="http://schemas.microsoft.com/office/powerpoint/2010/main" val="2526613271"/>
+        <p14:creationId xmlns:p14="http://schemas.microsoft.com/office/powerpoint/2010/main" val="3164682877"/>
       </p:ext>
     </p:extLst>
   </p:cSld>
@@ -4146,7 +4668,7 @@
           <p:cNvPr id="2" name="Заголовок 1">
             <a:extLst>
               <a:ext uri="{FF2B5EF4-FFF2-40B4-BE49-F238E27FC236}">
-                <a16:creationId xmlns:a16="http://schemas.microsoft.com/office/drawing/2014/main" id="{8026CC67-26A5-F49D-A59D-211FC94E1DD3}"/>
+                <a16:creationId xmlns:a16="http://schemas.microsoft.com/office/drawing/2014/main" id="{0106AD5A-C34C-141B-A28A-12769F77646E}"/>
               </a:ext>
             </a:extLst>
           </p:cNvPr>
@@ -4164,7 +4686,7 @@
           <a:p>
             <a:r>
               <a:rPr lang="en-US" dirty="0"/>
-              <a:t>Our approach to memory banks</a:t>
+              <a:t>Display</a:t>
             </a:r>
             <a:endParaRPr lang="ru-RU" dirty="0"/>
           </a:p>
@@ -4175,7 +4697,7 @@
           <p:cNvPr id="3" name="Объект 2">
             <a:extLst>
               <a:ext uri="{FF2B5EF4-FFF2-40B4-BE49-F238E27FC236}">
-                <a16:creationId xmlns:a16="http://schemas.microsoft.com/office/drawing/2014/main" id="{85DBA9EB-2D89-D40A-906B-BB024ECFDFE8}"/>
+                <a16:creationId xmlns:a16="http://schemas.microsoft.com/office/drawing/2014/main" id="{74CADA7F-4113-E1EE-499D-6663BEA0ABB2}"/>
               </a:ext>
             </a:extLst>
           </p:cNvPr>
@@ -4191,14 +4713,71 @@
           <a:bodyPr/>
           <a:lstStyle/>
           <a:p>
-            <a:endParaRPr lang="ru-RU" dirty="0"/>
-          </a:p>
-        </p:txBody>
-      </p:sp>
+            <a:r>
+              <a:rPr lang="en-US" dirty="0"/>
+              <a:t>32x32/30x32 pixels</a:t>
+            </a:r>
+          </a:p>
+          <a:p>
+            <a:r>
+              <a:rPr lang="en-US" dirty="0"/>
+              <a:t>1/8 colors</a:t>
+            </a:r>
+          </a:p>
+          <a:p>
+            <a:r>
+              <a:rPr lang="en-US" dirty="0"/>
+              <a:t>Double buffer ???</a:t>
+            </a:r>
+          </a:p>
+          <a:p>
+            <a:pPr marL="0" indent="0">
+              <a:buNone/>
+            </a:pPr>
+            <a:endParaRPr lang="en-US" dirty="0"/>
+          </a:p>
+        </p:txBody>
+      </p:sp>
+      <p:pic>
+        <p:nvPicPr>
+          <p:cNvPr id="5" name="Рисунок 4">
+            <a:extLst>
+              <a:ext uri="{FF2B5EF4-FFF2-40B4-BE49-F238E27FC236}">
+                <a16:creationId xmlns:a16="http://schemas.microsoft.com/office/drawing/2014/main" id="{71B7CFF7-6438-E2F4-7AB3-0F4F4AD21214}"/>
+              </a:ext>
+            </a:extLst>
+          </p:cNvPr>
+          <p:cNvPicPr>
+            <a:picLocks noChangeAspect="1"/>
+          </p:cNvPicPr>
+          <p:nvPr/>
+        </p:nvPicPr>
+        <p:blipFill>
+          <a:blip r:embed="rId2">
+            <a:extLst>
+              <a:ext uri="{28A0092B-C50C-407E-A947-70E740481C1C}">
+                <a14:useLocalDpi xmlns:a14="http://schemas.microsoft.com/office/drawing/2010/main" val="0"/>
+              </a:ext>
+            </a:extLst>
+          </a:blip>
+          <a:stretch>
+            <a:fillRect/>
+          </a:stretch>
+        </p:blipFill>
+        <p:spPr>
+          <a:xfrm>
+            <a:off x="5410459" y="1114992"/>
+            <a:ext cx="6030167" cy="4429743"/>
+          </a:xfrm>
+          <a:prstGeom prst="rect">
+            <a:avLst/>
+          </a:prstGeom>
+        </p:spPr>
+      </p:pic>
     </p:spTree>
     <p:extLst>
       <p:ext uri="{BB962C8B-B14F-4D97-AF65-F5344CB8AC3E}">
-        <p14:creationId xmlns:p14="http://schemas.microsoft.com/office/powerpoint/2010/main" val="697551656"/>
+        <p14:creationId xmlns:p14="http://schemas.microsoft.com/office/powerpoint/2010/main" val="2202224521"/>
       </p:ext>
     </p:extLst>
   </p:cSld>
@@ -4230,7 +4809,7 @@
           <p:cNvPr id="2" name="Заголовок 1">
             <a:extLst>
               <a:ext uri="{FF2B5EF4-FFF2-40B4-BE49-F238E27FC236}">
-                <a16:creationId xmlns:a16="http://schemas.microsoft.com/office/drawing/2014/main" id="{01D133F8-DE7A-76C8-B9BF-85EBF5505C35}"/>
+                <a16:creationId xmlns:a16="http://schemas.microsoft.com/office/drawing/2014/main" id="{8026CC67-26A5-F49D-A59D-211FC94E1DD3}"/>
               </a:ext>
             </a:extLst>
           </p:cNvPr>
@@ -4246,7 +4825,11 @@
           <a:bodyPr/>
           <a:lstStyle/>
           <a:p>
-            <a:endParaRPr lang="ru-RU"/>
+            <a:r>
+              <a:rPr lang="en-US" dirty="0"/>
+              <a:t>Our approach to memory banks</a:t>
+            </a:r>
+            <a:endParaRPr lang="ru-RU" dirty="0"/>
           </a:p>
         </p:txBody>
       </p:sp>
@@ -4255,7 +4838,7 @@
           <p:cNvPr id="3" name="Объект 2">
             <a:extLst>
               <a:ext uri="{FF2B5EF4-FFF2-40B4-BE49-F238E27FC236}">
-                <a16:creationId xmlns:a16="http://schemas.microsoft.com/office/drawing/2014/main" id="{D7FF9C22-0173-91B1-205A-A1580B595F47}"/>
+                <a16:creationId xmlns:a16="http://schemas.microsoft.com/office/drawing/2014/main" id="{85DBA9EB-2D89-D40A-906B-BB024ECFDFE8}"/>
               </a:ext>
             </a:extLst>
           </p:cNvPr>
@@ -4266,27 +4849,84 @@
             <p:ph idx="1"/>
           </p:nvPr>
         </p:nvSpPr>
-        <p:spPr/>
-        <p:txBody>
-          <a:bodyPr/>
+        <p:spPr>
+          <a:xfrm>
+            <a:off x="838200" y="1825625"/>
+            <a:ext cx="3363686" cy="4351338"/>
+          </a:xfrm>
+        </p:spPr>
+        <p:txBody>
+          <a:bodyPr>
+            <a:normAutofit fontScale="92500" lnSpcReduction="20000"/>
+          </a:bodyPr>
           <a:lstStyle/>
           <a:p>
             <a:r>
               <a:rPr lang="en-US" dirty="0"/>
-              <a:t>We need to produce big images -&gt; </a:t>
-            </a:r>
-            <a:r>
-              <a:rPr lang="en-US" dirty="0" err="1"/>
-              <a:t>cocomake</a:t>
+              <a:t>Banks are independent 256 bytes sections of ROM</a:t>
+            </a:r>
+          </a:p>
+          <a:p>
+            <a:r>
+              <a:rPr lang="en-US" dirty="0"/>
+              <a:t>We can jump from random place of one bank to random place of other bank</a:t>
+            </a:r>
+          </a:p>
+          <a:p>
+            <a:r>
+              <a:rPr lang="en-US" dirty="0"/>
+              <a:t>We can return from bank to the place where we had been before</a:t>
+            </a:r>
+          </a:p>
+          <a:p>
+            <a:r>
+              <a:rPr lang="en-US" dirty="0"/>
+              <a:t>Recursive calls</a:t>
             </a:r>
             <a:endParaRPr lang="ru-RU" dirty="0"/>
           </a:p>
         </p:txBody>
       </p:sp>
+      <p:pic>
+        <p:nvPicPr>
+          <p:cNvPr id="5" name="Рисунок 4">
+            <a:extLst>
+              <a:ext uri="{FF2B5EF4-FFF2-40B4-BE49-F238E27FC236}">
+                <a16:creationId xmlns:a16="http://schemas.microsoft.com/office/drawing/2014/main" id="{702AFEC7-1341-637E-2380-39112B81DF04}"/>
+              </a:ext>
+            </a:extLst>
+          </p:cNvPr>
+          <p:cNvPicPr>
+            <a:picLocks noChangeAspect="1"/>
+          </p:cNvPicPr>
+          <p:nvPr/>
+        </p:nvPicPr>
+        <p:blipFill>
+          <a:blip r:embed="rId2">
+            <a:extLst>
+              <a:ext uri="{28A0092B-C50C-407E-A947-70E740481C1C}">
+                <a14:useLocalDpi xmlns:a14="http://schemas.microsoft.com/office/drawing/2010/main" val="0"/>
+              </a:ext>
+            </a:extLst>
+          </a:blip>
+          <a:stretch>
+            <a:fillRect/>
+          </a:stretch>
+        </p:blipFill>
+        <p:spPr>
+          <a:xfrm>
+            <a:off x="6606948" y="0"/>
+            <a:ext cx="5248275" cy="6581775"/>
+          </a:xfrm>
+          <a:prstGeom prst="rect">
+            <a:avLst/>
+          </a:prstGeom>
+        </p:spPr>
+      </p:pic>
     </p:spTree>
     <p:extLst>
       <p:ext uri="{BB962C8B-B14F-4D97-AF65-F5344CB8AC3E}">
-        <p14:creationId xmlns:p14="http://schemas.microsoft.com/office/powerpoint/2010/main" val="29750948"/>
+        <p14:creationId xmlns:p14="http://schemas.microsoft.com/office/powerpoint/2010/main" val="697551656"/>
       </p:ext>
     </p:extLst>
   </p:cSld>
@@ -4318,7 +4958,7 @@
           <p:cNvPr id="2" name="Заголовок 1">
             <a:extLst>
               <a:ext uri="{FF2B5EF4-FFF2-40B4-BE49-F238E27FC236}">
-                <a16:creationId xmlns:a16="http://schemas.microsoft.com/office/drawing/2014/main" id="{3D9B5570-5D2E-CDD5-99C2-48E18F8ACFF6}"/>
+                <a16:creationId xmlns:a16="http://schemas.microsoft.com/office/drawing/2014/main" id="{01D133F8-DE7A-76C8-B9BF-85EBF5505C35}"/>
               </a:ext>
             </a:extLst>
           </p:cNvPr>
@@ -4334,43 +4974,82 @@
           <a:bodyPr/>
           <a:lstStyle/>
           <a:p>
+            <a:endParaRPr lang="ru-RU" dirty="0"/>
+          </a:p>
+        </p:txBody>
+      </p:sp>
+      <p:sp>
+        <p:nvSpPr>
+          <p:cNvPr id="3" name="Объект 2">
+            <a:extLst>
+              <a:ext uri="{FF2B5EF4-FFF2-40B4-BE49-F238E27FC236}">
+                <a16:creationId xmlns:a16="http://schemas.microsoft.com/office/drawing/2014/main" id="{D7FF9C22-0173-91B1-205A-A1580B595F47}"/>
+              </a:ext>
+            </a:extLst>
+          </p:cNvPr>
+          <p:cNvSpPr>
+            <a:spLocks noGrp="1"/>
+          </p:cNvSpPr>
+          <p:nvPr>
+            <p:ph idx="1"/>
+          </p:nvPr>
+        </p:nvSpPr>
+        <p:spPr/>
+        <p:txBody>
+          <a:bodyPr/>
+          <a:lstStyle/>
+          <a:p>
+            <a:r>
+              <a:rPr lang="en-US" dirty="0"/>
+              <a:t>We need to produce big images -&gt; </a:t>
+            </a:r>
             <a:r>
               <a:rPr lang="en-US" dirty="0" err="1"/>
               <a:t>cocomake</a:t>
             </a:r>
+            <a:endParaRPr lang="en-US" dirty="0"/>
+          </a:p>
+          <a:p>
+            <a:r>
+              <a:rPr lang="en-US" dirty="0"/>
+              <a:t>ROM image consists of continuous</a:t>
+            </a:r>
+            <a:r>
+              <a:rPr lang="ru-RU" dirty="0"/>
+              <a:t> 256 </a:t>
+            </a:r>
+            <a:r>
+              <a:rPr lang="en-US" dirty="0"/>
+              <a:t>byte modules</a:t>
+            </a:r>
+          </a:p>
+          <a:p>
+            <a:r>
+              <a:rPr lang="en-US" dirty="0" err="1"/>
+              <a:t>Cocol</a:t>
+            </a:r>
+            <a:r>
+              <a:rPr lang="en-US" dirty="0"/>
+              <a:t> (standard linker) can’t generate images larger than 256 bytes.</a:t>
+            </a:r>
+          </a:p>
+          <a:p>
+            <a:r>
+              <a:rPr lang="en-US" dirty="0"/>
+              <a:t>That’s why we developed </a:t>
+            </a:r>
+            <a:r>
+              <a:rPr lang="en-US" dirty="0" err="1"/>
+              <a:t>cocomake</a:t>
+            </a:r>
             <a:endParaRPr lang="ru-RU" dirty="0"/>
-          </a:p>
-        </p:txBody>
-      </p:sp>
-      <p:sp>
-        <p:nvSpPr>
-          <p:cNvPr id="3" name="Объект 2">
-            <a:extLst>
-              <a:ext uri="{FF2B5EF4-FFF2-40B4-BE49-F238E27FC236}">
-                <a16:creationId xmlns:a16="http://schemas.microsoft.com/office/drawing/2014/main" id="{A8B7F97E-F273-6E9D-8D34-E2F072BED5B4}"/>
-              </a:ext>
-            </a:extLst>
-          </p:cNvPr>
-          <p:cNvSpPr>
-            <a:spLocks noGrp="1"/>
-          </p:cNvSpPr>
-          <p:nvPr>
-            <p:ph idx="1"/>
-          </p:nvPr>
-        </p:nvSpPr>
-        <p:spPr/>
-        <p:txBody>
-          <a:bodyPr/>
-          <a:lstStyle/>
-          <a:p>
-            <a:endParaRPr lang="ru-RU"/>
           </a:p>
         </p:txBody>
       </p:sp>
     </p:spTree>
     <p:extLst>
       <p:ext uri="{BB962C8B-B14F-4D97-AF65-F5344CB8AC3E}">
-        <p14:creationId xmlns:p14="http://schemas.microsoft.com/office/powerpoint/2010/main" val="526346459"/>
+        <p14:creationId xmlns:p14="http://schemas.microsoft.com/office/powerpoint/2010/main" val="29750948"/>
       </p:ext>
     </p:extLst>
   </p:cSld>
@@ -4402,7 +5081,7 @@
           <p:cNvPr id="2" name="Заголовок 1">
             <a:extLst>
               <a:ext uri="{FF2B5EF4-FFF2-40B4-BE49-F238E27FC236}">
-                <a16:creationId xmlns:a16="http://schemas.microsoft.com/office/drawing/2014/main" id="{553F2F79-37D5-5E80-57BA-2B68936B086F}"/>
+                <a16:creationId xmlns:a16="http://schemas.microsoft.com/office/drawing/2014/main" id="{3D9B5570-5D2E-CDD5-99C2-48E18F8ACFF6}"/>
               </a:ext>
             </a:extLst>
           </p:cNvPr>
@@ -4420,7 +5099,7 @@
           <a:p>
             <a:r>
               <a:rPr lang="en-US" dirty="0" err="1"/>
-              <a:t>Demostation</a:t>
+              <a:t>cocomake</a:t>
             </a:r>
             <a:endParaRPr lang="ru-RU" dirty="0"/>
           </a:p>
@@ -4431,7 +5110,7 @@
           <p:cNvPr id="3" name="Объект 2">
             <a:extLst>
               <a:ext uri="{FF2B5EF4-FFF2-40B4-BE49-F238E27FC236}">
-                <a16:creationId xmlns:a16="http://schemas.microsoft.com/office/drawing/2014/main" id="{C1E7D821-0E45-A305-B21C-538FC6BA38D9}"/>
+                <a16:creationId xmlns:a16="http://schemas.microsoft.com/office/drawing/2014/main" id="{A8B7F97E-F273-6E9D-8D34-E2F072BED5B4}"/>
               </a:ext>
             </a:extLst>
           </p:cNvPr>
@@ -4447,14 +5126,62 @@
           <a:bodyPr/>
           <a:lstStyle/>
           <a:p>
-            <a:endParaRPr lang="ru-RU"/>
-          </a:p>
-        </p:txBody>
-      </p:sp>
+            <a:r>
+              <a:rPr lang="en-US" dirty="0"/>
+              <a:t>Configurable build system that can produce imager larger that 256 bytes</a:t>
+            </a:r>
+          </a:p>
+          <a:p>
+            <a:r>
+              <a:rPr lang="en-US" dirty="0"/>
+              <a:t>Incremental</a:t>
+            </a:r>
+          </a:p>
+          <a:p>
+            <a:endParaRPr lang="ru-RU" dirty="0"/>
+          </a:p>
+        </p:txBody>
+      </p:sp>
+      <p:pic>
+        <p:nvPicPr>
+          <p:cNvPr id="5" name="Рисунок 4">
+            <a:extLst>
+              <a:ext uri="{FF2B5EF4-FFF2-40B4-BE49-F238E27FC236}">
+                <a16:creationId xmlns:a16="http://schemas.microsoft.com/office/drawing/2014/main" id="{85401FBA-7D16-F69A-5B33-C567AD001E5A}"/>
+              </a:ext>
+            </a:extLst>
+          </p:cNvPr>
+          <p:cNvPicPr>
+            <a:picLocks noChangeAspect="1"/>
+          </p:cNvPicPr>
+          <p:nvPr/>
+        </p:nvPicPr>
+        <p:blipFill>
+          <a:blip r:embed="rId2">
+            <a:extLst>
+              <a:ext uri="{28A0092B-C50C-407E-A947-70E740481C1C}">
+                <a14:useLocalDpi xmlns:a14="http://schemas.microsoft.com/office/drawing/2010/main" val="0"/>
+              </a:ext>
+            </a:extLst>
+          </a:blip>
+          <a:stretch>
+            <a:fillRect/>
+          </a:stretch>
+        </p:blipFill>
+        <p:spPr>
+          <a:xfrm>
+            <a:off x="4533900" y="2276475"/>
+            <a:ext cx="6819900" cy="4581525"/>
+          </a:xfrm>
+          <a:prstGeom prst="rect">
+            <a:avLst/>
+          </a:prstGeom>
+        </p:spPr>
+      </p:pic>
     </p:spTree>
     <p:extLst>
       <p:ext uri="{BB962C8B-B14F-4D97-AF65-F5344CB8AC3E}">
-        <p14:creationId xmlns:p14="http://schemas.microsoft.com/office/powerpoint/2010/main" val="3201190602"/>
+        <p14:creationId xmlns:p14="http://schemas.microsoft.com/office/powerpoint/2010/main" val="526346459"/>
       </p:ext>
     </p:extLst>
   </p:cSld>
@@ -4486,7 +5213,7 @@
           <p:cNvPr id="2" name="Заголовок 1">
             <a:extLst>
               <a:ext uri="{FF2B5EF4-FFF2-40B4-BE49-F238E27FC236}">
-                <a16:creationId xmlns:a16="http://schemas.microsoft.com/office/drawing/2014/main" id="{814D474C-90BE-0440-D452-4921A1FF90A2}"/>
+                <a16:creationId xmlns:a16="http://schemas.microsoft.com/office/drawing/2014/main" id="{553F2F79-37D5-5E80-57BA-2B68936B086F}"/>
               </a:ext>
             </a:extLst>
           </p:cNvPr>
@@ -4503,8 +5230,8 @@
           <a:lstStyle/>
           <a:p>
             <a:r>
-              <a:rPr lang="en-US" dirty="0"/>
-              <a:t>Scheme</a:t>
+              <a:rPr lang="en-US" dirty="0" err="1"/>
+              <a:t>Demostation</a:t>
             </a:r>
             <a:endParaRPr lang="ru-RU" dirty="0"/>
           </a:p>
@@ -4515,7 +5242,7 @@
           <p:cNvPr id="3" name="Объект 2">
             <a:extLst>
               <a:ext uri="{FF2B5EF4-FFF2-40B4-BE49-F238E27FC236}">
-                <a16:creationId xmlns:a16="http://schemas.microsoft.com/office/drawing/2014/main" id="{1163119A-80FE-1237-79E7-C73C748E180B}"/>
+                <a16:creationId xmlns:a16="http://schemas.microsoft.com/office/drawing/2014/main" id="{C1E7D821-0E45-A305-B21C-538FC6BA38D9}"/>
               </a:ext>
             </a:extLst>
           </p:cNvPr>
@@ -4538,7 +5265,7 @@
     </p:spTree>
     <p:extLst>
       <p:ext uri="{BB962C8B-B14F-4D97-AF65-F5344CB8AC3E}">
-        <p14:creationId xmlns:p14="http://schemas.microsoft.com/office/powerpoint/2010/main" val="2234971504"/>
+        <p14:creationId xmlns:p14="http://schemas.microsoft.com/office/powerpoint/2010/main" val="3201190602"/>
       </p:ext>
     </p:extLst>
   </p:cSld>

--- a/docs/project.pptx
+++ b/docs/project.pptx
@@ -2,7 +2,7 @@
 <file path=ppt/presentation.xml><?xml version="1.0" encoding="utf-8"?>
 <p:presentation xmlns:a="http://schemas.openxmlformats.org/drawingml/2006/main" xmlns:r="http://schemas.openxmlformats.org/officeDocument/2006/relationships" xmlns:p="http://schemas.openxmlformats.org/presentationml/2006/main" saveSubsetFonts="1">
   <p:sldMasterIdLst>
-    <p:sldMasterId id="2147483648" r:id="rId1"/>
+    <p:sldMasterId id="2147483660" r:id="rId1"/>
   </p:sldMasterIdLst>
   <p:sldIdLst>
     <p:sldId id="256" r:id="rId2"/>
@@ -13,22 +13,23 @@
     <p:sldId id="260" r:id="rId7"/>
     <p:sldId id="261" r:id="rId8"/>
     <p:sldId id="262" r:id="rId9"/>
-    <p:sldId id="263" r:id="rId10"/>
-    <p:sldId id="264" r:id="rId11"/>
-    <p:sldId id="276" r:id="rId12"/>
-    <p:sldId id="266" r:id="rId13"/>
+    <p:sldId id="280" r:id="rId10"/>
+    <p:sldId id="278" r:id="rId11"/>
+    <p:sldId id="264" r:id="rId12"/>
+    <p:sldId id="276" r:id="rId13"/>
     <p:sldId id="273" r:id="rId14"/>
-    <p:sldId id="272" r:id="rId15"/>
-    <p:sldId id="275" r:id="rId16"/>
-    <p:sldId id="267" r:id="rId17"/>
-    <p:sldId id="268" r:id="rId18"/>
-    <p:sldId id="269" r:id="rId19"/>
+    <p:sldId id="266" r:id="rId15"/>
+    <p:sldId id="277" r:id="rId16"/>
+    <p:sldId id="272" r:id="rId17"/>
+    <p:sldId id="275" r:id="rId18"/>
+    <p:sldId id="267" r:id="rId19"/>
+    <p:sldId id="268" r:id="rId20"/>
   </p:sldIdLst>
   <p:sldSz cx="12192000" cy="6858000"/>
   <p:notesSz cx="6858000" cy="9144000"/>
   <p:defaultTextStyle>
     <a:defPPr>
-      <a:defRPr lang="ru-RU"/>
+      <a:defRPr lang="en-US"/>
     </a:defPPr>
     <a:lvl1pPr marL="0" algn="l" defTabSz="914400" rtl="0" eaLnBrk="1" latinLnBrk="0" hangingPunct="1">
       <a:defRPr sz="1800" kern="1200">
@@ -148,13 +149,7 @@
       </p:grpSpPr>
       <p:sp>
         <p:nvSpPr>
-          <p:cNvPr id="2" name="Заголовок 1">
-            <a:extLst>
-              <a:ext uri="{FF2B5EF4-FFF2-40B4-BE49-F238E27FC236}">
-                <a16:creationId xmlns:a16="http://schemas.microsoft.com/office/drawing/2014/main" id="{646F4000-AE2A-8AC9-E17B-8DE167CA49D3}"/>
-              </a:ext>
-            </a:extLst>
-          </p:cNvPr>
+          <p:cNvPr id="2" name="Title 1"/>
           <p:cNvSpPr>
             <a:spLocks noGrp="1"/>
           </p:cNvSpPr>
@@ -164,12 +159,14 @@
         </p:nvSpPr>
         <p:spPr>
           <a:xfrm>
-            <a:off x="1524000" y="1122363"/>
+            <a:off x="1524000" y="1124530"/>
             <a:ext cx="9144000" cy="2387600"/>
           </a:xfrm>
         </p:spPr>
         <p:txBody>
-          <a:bodyPr anchor="b"/>
+          <a:bodyPr anchor="b">
+            <a:normAutofit/>
+          </a:bodyPr>
           <a:lstStyle>
             <a:lvl1pPr algn="ctr">
               <a:defRPr sz="6000"/>
@@ -180,18 +177,13 @@
               <a:rPr lang="ru-RU"/>
               <a:t>Образец заголовка</a:t>
             </a:r>
-          </a:p>
-        </p:txBody>
-      </p:sp>
-      <p:sp>
-        <p:nvSpPr>
-          <p:cNvPr id="3" name="Подзаголовок 2">
-            <a:extLst>
-              <a:ext uri="{FF2B5EF4-FFF2-40B4-BE49-F238E27FC236}">
-                <a16:creationId xmlns:a16="http://schemas.microsoft.com/office/drawing/2014/main" id="{CCDB9113-76FE-58F3-2B03-A937DAEB6DF6}"/>
-              </a:ext>
-            </a:extLst>
-          </p:cNvPr>
+            <a:endParaRPr lang="en-US" dirty="0"/>
+          </a:p>
+        </p:txBody>
+      </p:sp>
+      <p:sp>
+        <p:nvSpPr>
+          <p:cNvPr id="3" name="Subtitle 2"/>
           <p:cNvSpPr>
             <a:spLocks noGrp="1"/>
           </p:cNvSpPr>
@@ -206,43 +198,52 @@
           </a:xfrm>
         </p:spPr>
         <p:txBody>
-          <a:bodyPr/>
+          <a:bodyPr>
+            <a:normAutofit/>
+          </a:bodyPr>
           <a:lstStyle>
             <a:lvl1pPr marL="0" indent="0" algn="ctr">
               <a:buNone/>
-              <a:defRPr sz="2400"/>
+              <a:defRPr sz="2400">
+                <a:solidFill>
+                  <a:schemeClr val="tx1">
+                    <a:lumMod val="75000"/>
+                    <a:lumOff val="25000"/>
+                  </a:schemeClr>
+                </a:solidFill>
+              </a:defRPr>
             </a:lvl1pPr>
             <a:lvl2pPr marL="457200" indent="0" algn="ctr">
               <a:buNone/>
-              <a:defRPr sz="2000"/>
+              <a:defRPr sz="2800"/>
             </a:lvl2pPr>
             <a:lvl3pPr marL="914400" indent="0" algn="ctr">
               <a:buNone/>
-              <a:defRPr sz="1800"/>
+              <a:defRPr sz="2400"/>
             </a:lvl3pPr>
             <a:lvl4pPr marL="1371600" indent="0" algn="ctr">
               <a:buNone/>
-              <a:defRPr sz="1600"/>
+              <a:defRPr sz="2000"/>
             </a:lvl4pPr>
             <a:lvl5pPr marL="1828800" indent="0" algn="ctr">
               <a:buNone/>
-              <a:defRPr sz="1600"/>
+              <a:defRPr sz="2000"/>
             </a:lvl5pPr>
             <a:lvl6pPr marL="2286000" indent="0" algn="ctr">
               <a:buNone/>
-              <a:defRPr sz="1600"/>
+              <a:defRPr sz="2000"/>
             </a:lvl6pPr>
             <a:lvl7pPr marL="2743200" indent="0" algn="ctr">
               <a:buNone/>
-              <a:defRPr sz="1600"/>
+              <a:defRPr sz="2000"/>
             </a:lvl7pPr>
             <a:lvl8pPr marL="3200400" indent="0" algn="ctr">
               <a:buNone/>
-              <a:defRPr sz="1600"/>
+              <a:defRPr sz="2000"/>
             </a:lvl8pPr>
             <a:lvl9pPr marL="3657600" indent="0" algn="ctr">
               <a:buNone/>
-              <a:defRPr sz="1600"/>
+              <a:defRPr sz="2000"/>
             </a:lvl9pPr>
           </a:lstStyle>
           <a:p>
@@ -250,18 +251,13 @@
               <a:rPr lang="ru-RU"/>
               <a:t>Образец подзаголовка</a:t>
             </a:r>
-          </a:p>
-        </p:txBody>
-      </p:sp>
-      <p:sp>
-        <p:nvSpPr>
-          <p:cNvPr id="4" name="Дата 3">
-            <a:extLst>
-              <a:ext uri="{FF2B5EF4-FFF2-40B4-BE49-F238E27FC236}">
-                <a16:creationId xmlns:a16="http://schemas.microsoft.com/office/drawing/2014/main" id="{ADEDD78E-21AF-D6DC-A77F-BAC995AFBD17}"/>
-              </a:ext>
-            </a:extLst>
-          </p:cNvPr>
+            <a:endParaRPr lang="en-US" dirty="0"/>
+          </a:p>
+        </p:txBody>
+      </p:sp>
+      <p:sp>
+        <p:nvSpPr>
+          <p:cNvPr id="4" name="Date Placeholder 3"/>
           <p:cNvSpPr>
             <a:spLocks noGrp="1"/>
           </p:cNvSpPr>
@@ -276,7 +272,7 @@
           <a:p>
             <a:fld id="{0A9A872F-D9CB-4186-9C25-671FAF4AFD83}" type="datetimeFigureOut">
               <a:rPr lang="ru-RU" smtClean="0"/>
-              <a:t>15.05.2022</a:t>
+              <a:t>16.05.2022</a:t>
             </a:fld>
             <a:endParaRPr lang="ru-RU"/>
           </a:p>
@@ -284,13 +280,7 @@
       </p:sp>
       <p:sp>
         <p:nvSpPr>
-          <p:cNvPr id="5" name="Нижний колонтитул 4">
-            <a:extLst>
-              <a:ext uri="{FF2B5EF4-FFF2-40B4-BE49-F238E27FC236}">
-                <a16:creationId xmlns:a16="http://schemas.microsoft.com/office/drawing/2014/main" id="{0779B42C-B2CB-6694-1608-22AED30A0651}"/>
-              </a:ext>
-            </a:extLst>
-          </p:cNvPr>
+          <p:cNvPr id="5" name="Footer Placeholder 4"/>
           <p:cNvSpPr>
             <a:spLocks noGrp="1"/>
           </p:cNvSpPr>
@@ -309,13 +299,7 @@
       </p:sp>
       <p:sp>
         <p:nvSpPr>
-          <p:cNvPr id="6" name="Номер слайда 5">
-            <a:extLst>
-              <a:ext uri="{FF2B5EF4-FFF2-40B4-BE49-F238E27FC236}">
-                <a16:creationId xmlns:a16="http://schemas.microsoft.com/office/drawing/2014/main" id="{5C85C9D8-EE67-AC40-E6DF-5B2D459F8A3F}"/>
-              </a:ext>
-            </a:extLst>
-          </p:cNvPr>
+          <p:cNvPr id="6" name="Slide Number Placeholder 5"/>
           <p:cNvSpPr>
             <a:spLocks noGrp="1"/>
           </p:cNvSpPr>
@@ -339,7 +323,7 @@
     </p:spTree>
     <p:extLst>
       <p:ext uri="{BB962C8B-B14F-4D97-AF65-F5344CB8AC3E}">
-        <p14:creationId xmlns:p14="http://schemas.microsoft.com/office/powerpoint/2010/main" val="3723611402"/>
+        <p14:creationId xmlns:p14="http://schemas.microsoft.com/office/powerpoint/2010/main" val="3862435522"/>
       </p:ext>
     </p:extLst>
   </p:cSld>
@@ -368,13 +352,7 @@
       </p:grpSpPr>
       <p:sp>
         <p:nvSpPr>
-          <p:cNvPr id="2" name="Заголовок 1">
-            <a:extLst>
-              <a:ext uri="{FF2B5EF4-FFF2-40B4-BE49-F238E27FC236}">
-                <a16:creationId xmlns:a16="http://schemas.microsoft.com/office/drawing/2014/main" id="{81E38759-0A10-ED00-3241-6672223A574D}"/>
-              </a:ext>
-            </a:extLst>
-          </p:cNvPr>
+          <p:cNvPr id="2" name="Title 1"/>
           <p:cNvSpPr>
             <a:spLocks noGrp="1"/>
           </p:cNvSpPr>
@@ -391,18 +369,13 @@
               <a:rPr lang="ru-RU"/>
               <a:t>Образец заголовка</a:t>
             </a:r>
-          </a:p>
-        </p:txBody>
-      </p:sp>
-      <p:sp>
-        <p:nvSpPr>
-          <p:cNvPr id="3" name="Вертикальный текст 2">
-            <a:extLst>
-              <a:ext uri="{FF2B5EF4-FFF2-40B4-BE49-F238E27FC236}">
-                <a16:creationId xmlns:a16="http://schemas.microsoft.com/office/drawing/2014/main" id="{579EE896-CAB1-87C1-30DE-9A73F523C983}"/>
-              </a:ext>
-            </a:extLst>
-          </p:cNvPr>
+            <a:endParaRPr lang="en-US"/>
+          </a:p>
+        </p:txBody>
+      </p:sp>
+      <p:sp>
+        <p:nvSpPr>
+          <p:cNvPr id="3" name="Vertical Text Placeholder 2"/>
           <p:cNvSpPr>
             <a:spLocks noGrp="1"/>
           </p:cNvSpPr>
@@ -448,18 +421,13 @@
               <a:rPr lang="ru-RU"/>
               <a:t>Пятый уровень</a:t>
             </a:r>
-          </a:p>
-        </p:txBody>
-      </p:sp>
-      <p:sp>
-        <p:nvSpPr>
-          <p:cNvPr id="4" name="Дата 3">
-            <a:extLst>
-              <a:ext uri="{FF2B5EF4-FFF2-40B4-BE49-F238E27FC236}">
-                <a16:creationId xmlns:a16="http://schemas.microsoft.com/office/drawing/2014/main" id="{E2F2820D-0E1D-AD70-ED87-380549B16D7B}"/>
-              </a:ext>
-            </a:extLst>
-          </p:cNvPr>
+            <a:endParaRPr lang="en-US" dirty="0"/>
+          </a:p>
+        </p:txBody>
+      </p:sp>
+      <p:sp>
+        <p:nvSpPr>
+          <p:cNvPr id="4" name="Date Placeholder 3"/>
           <p:cNvSpPr>
             <a:spLocks noGrp="1"/>
           </p:cNvSpPr>
@@ -474,7 +442,7 @@
           <a:p>
             <a:fld id="{0A9A872F-D9CB-4186-9C25-671FAF4AFD83}" type="datetimeFigureOut">
               <a:rPr lang="ru-RU" smtClean="0"/>
-              <a:t>15.05.2022</a:t>
+              <a:t>16.05.2022</a:t>
             </a:fld>
             <a:endParaRPr lang="ru-RU"/>
           </a:p>
@@ -482,13 +450,7 @@
       </p:sp>
       <p:sp>
         <p:nvSpPr>
-          <p:cNvPr id="5" name="Нижний колонтитул 4">
-            <a:extLst>
-              <a:ext uri="{FF2B5EF4-FFF2-40B4-BE49-F238E27FC236}">
-                <a16:creationId xmlns:a16="http://schemas.microsoft.com/office/drawing/2014/main" id="{1833A4A5-2F3C-AFDF-C81D-130683535ECB}"/>
-              </a:ext>
-            </a:extLst>
-          </p:cNvPr>
+          <p:cNvPr id="5" name="Footer Placeholder 4"/>
           <p:cNvSpPr>
             <a:spLocks noGrp="1"/>
           </p:cNvSpPr>
@@ -507,13 +469,7 @@
       </p:sp>
       <p:sp>
         <p:nvSpPr>
-          <p:cNvPr id="6" name="Номер слайда 5">
-            <a:extLst>
-              <a:ext uri="{FF2B5EF4-FFF2-40B4-BE49-F238E27FC236}">
-                <a16:creationId xmlns:a16="http://schemas.microsoft.com/office/drawing/2014/main" id="{7F5C9BE2-247E-3431-D68A-ED37DC511143}"/>
-              </a:ext>
-            </a:extLst>
-          </p:cNvPr>
+          <p:cNvPr id="6" name="Slide Number Placeholder 5"/>
           <p:cNvSpPr>
             <a:spLocks noGrp="1"/>
           </p:cNvSpPr>
@@ -537,7 +493,7 @@
     </p:spTree>
     <p:extLst>
       <p:ext uri="{BB962C8B-B14F-4D97-AF65-F5344CB8AC3E}">
-        <p14:creationId xmlns:p14="http://schemas.microsoft.com/office/powerpoint/2010/main" val="565053413"/>
+        <p14:creationId xmlns:p14="http://schemas.microsoft.com/office/powerpoint/2010/main" val="3464202883"/>
       </p:ext>
     </p:extLst>
   </p:cSld>
@@ -566,13 +522,7 @@
       </p:grpSpPr>
       <p:sp>
         <p:nvSpPr>
-          <p:cNvPr id="2" name="Вертикальный заголовок 1">
-            <a:extLst>
-              <a:ext uri="{FF2B5EF4-FFF2-40B4-BE49-F238E27FC236}">
-                <a16:creationId xmlns:a16="http://schemas.microsoft.com/office/drawing/2014/main" id="{666E73B5-EE96-0959-FD9C-31DD789B64DF}"/>
-              </a:ext>
-            </a:extLst>
-          </p:cNvPr>
+          <p:cNvPr id="2" name="Vertical Title 1"/>
           <p:cNvSpPr>
             <a:spLocks noGrp="1"/>
           </p:cNvSpPr>
@@ -582,7 +532,7 @@
         </p:nvSpPr>
         <p:spPr>
           <a:xfrm>
-            <a:off x="8724900" y="365125"/>
+            <a:off x="8724900" y="360362"/>
             <a:ext cx="2628900" cy="5811838"/>
           </a:xfrm>
         </p:spPr>
@@ -594,18 +544,13 @@
               <a:rPr lang="ru-RU"/>
               <a:t>Образец заголовка</a:t>
             </a:r>
-          </a:p>
-        </p:txBody>
-      </p:sp>
-      <p:sp>
-        <p:nvSpPr>
-          <p:cNvPr id="3" name="Вертикальный текст 2">
-            <a:extLst>
-              <a:ext uri="{FF2B5EF4-FFF2-40B4-BE49-F238E27FC236}">
-                <a16:creationId xmlns:a16="http://schemas.microsoft.com/office/drawing/2014/main" id="{EE55AD25-8D98-4AD6-D313-5264DC6BEF34}"/>
-              </a:ext>
-            </a:extLst>
-          </p:cNvPr>
+            <a:endParaRPr lang="en-US"/>
+          </a:p>
+        </p:txBody>
+      </p:sp>
+      <p:sp>
+        <p:nvSpPr>
+          <p:cNvPr id="3" name="Vertical Text Placeholder 2"/>
           <p:cNvSpPr>
             <a:spLocks noGrp="1"/>
           </p:cNvSpPr>
@@ -615,8 +560,8 @@
         </p:nvSpPr>
         <p:spPr>
           <a:xfrm>
-            <a:off x="838200" y="365125"/>
-            <a:ext cx="7734300" cy="5811838"/>
+            <a:off x="838200" y="360362"/>
+            <a:ext cx="7734300" cy="5811837"/>
           </a:xfrm>
         </p:spPr>
         <p:txBody>
@@ -656,18 +601,13 @@
               <a:rPr lang="ru-RU"/>
               <a:t>Пятый уровень</a:t>
             </a:r>
-          </a:p>
-        </p:txBody>
-      </p:sp>
-      <p:sp>
-        <p:nvSpPr>
-          <p:cNvPr id="4" name="Дата 3">
-            <a:extLst>
-              <a:ext uri="{FF2B5EF4-FFF2-40B4-BE49-F238E27FC236}">
-                <a16:creationId xmlns:a16="http://schemas.microsoft.com/office/drawing/2014/main" id="{7D7CD467-DBBD-00A1-75EB-89E4189FDD40}"/>
-              </a:ext>
-            </a:extLst>
-          </p:cNvPr>
+            <a:endParaRPr lang="en-US"/>
+          </a:p>
+        </p:txBody>
+      </p:sp>
+      <p:sp>
+        <p:nvSpPr>
+          <p:cNvPr id="4" name="Date Placeholder 3"/>
           <p:cNvSpPr>
             <a:spLocks noGrp="1"/>
           </p:cNvSpPr>
@@ -682,7 +622,7 @@
           <a:p>
             <a:fld id="{0A9A872F-D9CB-4186-9C25-671FAF4AFD83}" type="datetimeFigureOut">
               <a:rPr lang="ru-RU" smtClean="0"/>
-              <a:t>15.05.2022</a:t>
+              <a:t>16.05.2022</a:t>
             </a:fld>
             <a:endParaRPr lang="ru-RU"/>
           </a:p>
@@ -690,13 +630,7 @@
       </p:sp>
       <p:sp>
         <p:nvSpPr>
-          <p:cNvPr id="5" name="Нижний колонтитул 4">
-            <a:extLst>
-              <a:ext uri="{FF2B5EF4-FFF2-40B4-BE49-F238E27FC236}">
-                <a16:creationId xmlns:a16="http://schemas.microsoft.com/office/drawing/2014/main" id="{648DD551-40C9-F959-5E53-3729D6992927}"/>
-              </a:ext>
-            </a:extLst>
-          </p:cNvPr>
+          <p:cNvPr id="5" name="Footer Placeholder 4"/>
           <p:cNvSpPr>
             <a:spLocks noGrp="1"/>
           </p:cNvSpPr>
@@ -715,13 +649,7 @@
       </p:sp>
       <p:sp>
         <p:nvSpPr>
-          <p:cNvPr id="6" name="Номер слайда 5">
-            <a:extLst>
-              <a:ext uri="{FF2B5EF4-FFF2-40B4-BE49-F238E27FC236}">
-                <a16:creationId xmlns:a16="http://schemas.microsoft.com/office/drawing/2014/main" id="{8F85739E-0B6D-A185-91CF-D745CFE1ACEA}"/>
-              </a:ext>
-            </a:extLst>
-          </p:cNvPr>
+          <p:cNvPr id="6" name="Slide Number Placeholder 5"/>
           <p:cNvSpPr>
             <a:spLocks noGrp="1"/>
           </p:cNvSpPr>
@@ -745,7 +673,7 @@
     </p:spTree>
     <p:extLst>
       <p:ext uri="{BB962C8B-B14F-4D97-AF65-F5344CB8AC3E}">
-        <p14:creationId xmlns:p14="http://schemas.microsoft.com/office/powerpoint/2010/main" val="860975313"/>
+        <p14:creationId xmlns:p14="http://schemas.microsoft.com/office/powerpoint/2010/main" val="1538342982"/>
       </p:ext>
     </p:extLst>
   </p:cSld>
@@ -774,13 +702,7 @@
       </p:grpSpPr>
       <p:sp>
         <p:nvSpPr>
-          <p:cNvPr id="2" name="Заголовок 1">
-            <a:extLst>
-              <a:ext uri="{FF2B5EF4-FFF2-40B4-BE49-F238E27FC236}">
-                <a16:creationId xmlns:a16="http://schemas.microsoft.com/office/drawing/2014/main" id="{A82410E2-9FB7-83B6-FCB0-C07CF1BE2B99}"/>
-              </a:ext>
-            </a:extLst>
-          </p:cNvPr>
+          <p:cNvPr id="2" name="Title 1"/>
           <p:cNvSpPr>
             <a:spLocks noGrp="1"/>
           </p:cNvSpPr>
@@ -797,18 +719,13 @@
               <a:rPr lang="ru-RU"/>
               <a:t>Образец заголовка</a:t>
             </a:r>
-          </a:p>
-        </p:txBody>
-      </p:sp>
-      <p:sp>
-        <p:nvSpPr>
-          <p:cNvPr id="3" name="Объект 2">
-            <a:extLst>
-              <a:ext uri="{FF2B5EF4-FFF2-40B4-BE49-F238E27FC236}">
-                <a16:creationId xmlns:a16="http://schemas.microsoft.com/office/drawing/2014/main" id="{4767341E-3F22-4303-B948-E62605F3496B}"/>
-              </a:ext>
-            </a:extLst>
-          </p:cNvPr>
+            <a:endParaRPr lang="en-US" dirty="0"/>
+          </a:p>
+        </p:txBody>
+      </p:sp>
+      <p:sp>
+        <p:nvSpPr>
+          <p:cNvPr id="3" name="Content Placeholder 2"/>
           <p:cNvSpPr>
             <a:spLocks noGrp="1"/>
           </p:cNvSpPr>
@@ -854,18 +771,13 @@
               <a:rPr lang="ru-RU"/>
               <a:t>Пятый уровень</a:t>
             </a:r>
-          </a:p>
-        </p:txBody>
-      </p:sp>
-      <p:sp>
-        <p:nvSpPr>
-          <p:cNvPr id="4" name="Дата 3">
-            <a:extLst>
-              <a:ext uri="{FF2B5EF4-FFF2-40B4-BE49-F238E27FC236}">
-                <a16:creationId xmlns:a16="http://schemas.microsoft.com/office/drawing/2014/main" id="{9F8C31C2-C120-E328-9C04-21A77B13941A}"/>
-              </a:ext>
-            </a:extLst>
-          </p:cNvPr>
+            <a:endParaRPr lang="en-US" dirty="0"/>
+          </a:p>
+        </p:txBody>
+      </p:sp>
+      <p:sp>
+        <p:nvSpPr>
+          <p:cNvPr id="4" name="Date Placeholder 3"/>
           <p:cNvSpPr>
             <a:spLocks noGrp="1"/>
           </p:cNvSpPr>
@@ -880,7 +792,7 @@
           <a:p>
             <a:fld id="{0A9A872F-D9CB-4186-9C25-671FAF4AFD83}" type="datetimeFigureOut">
               <a:rPr lang="ru-RU" smtClean="0"/>
-              <a:t>15.05.2022</a:t>
+              <a:t>16.05.2022</a:t>
             </a:fld>
             <a:endParaRPr lang="ru-RU"/>
           </a:p>
@@ -888,13 +800,7 @@
       </p:sp>
       <p:sp>
         <p:nvSpPr>
-          <p:cNvPr id="5" name="Нижний колонтитул 4">
-            <a:extLst>
-              <a:ext uri="{FF2B5EF4-FFF2-40B4-BE49-F238E27FC236}">
-                <a16:creationId xmlns:a16="http://schemas.microsoft.com/office/drawing/2014/main" id="{E6D3FE0D-63AD-0053-03C9-07283A0B4DB4}"/>
-              </a:ext>
-            </a:extLst>
-          </p:cNvPr>
+          <p:cNvPr id="5" name="Footer Placeholder 4"/>
           <p:cNvSpPr>
             <a:spLocks noGrp="1"/>
           </p:cNvSpPr>
@@ -913,13 +819,7 @@
       </p:sp>
       <p:sp>
         <p:nvSpPr>
-          <p:cNvPr id="6" name="Номер слайда 5">
-            <a:extLst>
-              <a:ext uri="{FF2B5EF4-FFF2-40B4-BE49-F238E27FC236}">
-                <a16:creationId xmlns:a16="http://schemas.microsoft.com/office/drawing/2014/main" id="{696B086F-30CC-1874-27EE-475A74600F14}"/>
-              </a:ext>
-            </a:extLst>
-          </p:cNvPr>
+          <p:cNvPr id="6" name="Slide Number Placeholder 5"/>
           <p:cNvSpPr>
             <a:spLocks noGrp="1"/>
           </p:cNvSpPr>
@@ -943,7 +843,7 @@
     </p:spTree>
     <p:extLst>
       <p:ext uri="{BB962C8B-B14F-4D97-AF65-F5344CB8AC3E}">
-        <p14:creationId xmlns:p14="http://schemas.microsoft.com/office/powerpoint/2010/main" val="4135183728"/>
+        <p14:creationId xmlns:p14="http://schemas.microsoft.com/office/powerpoint/2010/main" val="807710164"/>
       </p:ext>
     </p:extLst>
   </p:cSld>
@@ -972,13 +872,7 @@
       </p:grpSpPr>
       <p:sp>
         <p:nvSpPr>
-          <p:cNvPr id="2" name="Заголовок 1">
-            <a:extLst>
-              <a:ext uri="{FF2B5EF4-FFF2-40B4-BE49-F238E27FC236}">
-                <a16:creationId xmlns:a16="http://schemas.microsoft.com/office/drawing/2014/main" id="{F13E5DF4-A640-AE36-2D19-483D9DE3D2AF}"/>
-              </a:ext>
-            </a:extLst>
-          </p:cNvPr>
+          <p:cNvPr id="2" name="Title 1"/>
           <p:cNvSpPr>
             <a:spLocks noGrp="1"/>
           </p:cNvSpPr>
@@ -988,15 +882,17 @@
         </p:nvSpPr>
         <p:spPr>
           <a:xfrm>
-            <a:off x="831850" y="1709738"/>
-            <a:ext cx="10515600" cy="2852737"/>
-          </a:xfrm>
-        </p:spPr>
-        <p:txBody>
-          <a:bodyPr anchor="b"/>
+            <a:off x="831850" y="1712423"/>
+            <a:ext cx="10515600" cy="2851208"/>
+          </a:xfrm>
+        </p:spPr>
+        <p:txBody>
+          <a:bodyPr anchor="b">
+            <a:normAutofit/>
+          </a:bodyPr>
           <a:lstStyle>
             <a:lvl1pPr>
-              <a:defRPr sz="6000"/>
+              <a:defRPr sz="6000" b="0"/>
             </a:lvl1pPr>
           </a:lstStyle>
           <a:p>
@@ -1004,18 +900,13 @@
               <a:rPr lang="ru-RU"/>
               <a:t>Образец заголовка</a:t>
             </a:r>
-          </a:p>
-        </p:txBody>
-      </p:sp>
-      <p:sp>
-        <p:nvSpPr>
-          <p:cNvPr id="3" name="Текст 2">
-            <a:extLst>
-              <a:ext uri="{FF2B5EF4-FFF2-40B4-BE49-F238E27FC236}">
-                <a16:creationId xmlns:a16="http://schemas.microsoft.com/office/drawing/2014/main" id="{63B6B79F-47B5-B6EE-7472-A864D94A04E4}"/>
-              </a:ext>
-            </a:extLst>
-          </p:cNvPr>
+            <a:endParaRPr lang="en-US" dirty="0"/>
+          </a:p>
+        </p:txBody>
+      </p:sp>
+      <p:sp>
+        <p:nvSpPr>
+          <p:cNvPr id="3" name="Text Placeholder 2"/>
           <p:cNvSpPr>
             <a:spLocks noGrp="1"/>
           </p:cNvSpPr>
@@ -1025,26 +916,29 @@
         </p:nvSpPr>
         <p:spPr>
           <a:xfrm>
-            <a:off x="831850" y="4589463"/>
+            <a:off x="831850" y="4552633"/>
             <a:ext cx="10515600" cy="1500187"/>
           </a:xfrm>
         </p:spPr>
         <p:txBody>
-          <a:bodyPr/>
+          <a:bodyPr anchor="t">
+            <a:normAutofit/>
+          </a:bodyPr>
           <a:lstStyle>
             <a:lvl1pPr marL="0" indent="0">
               <a:buNone/>
               <a:defRPr sz="2400">
                 <a:solidFill>
                   <a:schemeClr val="tx1">
-                    <a:tint val="75000"/>
+                    <a:lumMod val="75000"/>
+                    <a:lumOff val="25000"/>
                   </a:schemeClr>
                 </a:solidFill>
               </a:defRPr>
             </a:lvl1pPr>
             <a:lvl2pPr marL="457200" indent="0">
               <a:buNone/>
-              <a:defRPr sz="2000">
+              <a:defRPr sz="1800">
                 <a:solidFill>
                   <a:schemeClr val="tx1">
                     <a:tint val="75000"/>
@@ -1054,7 +948,7 @@
             </a:lvl2pPr>
             <a:lvl3pPr marL="914400" indent="0">
               <a:buNone/>
-              <a:defRPr sz="1800">
+              <a:defRPr sz="1600">
                 <a:solidFill>
                   <a:schemeClr val="tx1">
                     <a:tint val="75000"/>
@@ -1064,7 +958,7 @@
             </a:lvl3pPr>
             <a:lvl4pPr marL="1371600" indent="0">
               <a:buNone/>
-              <a:defRPr sz="1600">
+              <a:defRPr sz="1400">
                 <a:solidFill>
                   <a:schemeClr val="tx1">
                     <a:tint val="75000"/>
@@ -1074,7 +968,7 @@
             </a:lvl4pPr>
             <a:lvl5pPr marL="1828800" indent="0">
               <a:buNone/>
-              <a:defRPr sz="1600">
+              <a:defRPr sz="1400">
                 <a:solidFill>
                   <a:schemeClr val="tx1">
                     <a:tint val="75000"/>
@@ -1084,7 +978,7 @@
             </a:lvl5pPr>
             <a:lvl6pPr marL="2286000" indent="0">
               <a:buNone/>
-              <a:defRPr sz="1600">
+              <a:defRPr sz="1400">
                 <a:solidFill>
                   <a:schemeClr val="tx1">
                     <a:tint val="75000"/>
@@ -1094,7 +988,7 @@
             </a:lvl6pPr>
             <a:lvl7pPr marL="2743200" indent="0">
               <a:buNone/>
-              <a:defRPr sz="1600">
+              <a:defRPr sz="1400">
                 <a:solidFill>
                   <a:schemeClr val="tx1">
                     <a:tint val="75000"/>
@@ -1104,7 +998,7 @@
             </a:lvl7pPr>
             <a:lvl8pPr marL="3200400" indent="0">
               <a:buNone/>
-              <a:defRPr sz="1600">
+              <a:defRPr sz="1400">
                 <a:solidFill>
                   <a:schemeClr val="tx1">
                     <a:tint val="75000"/>
@@ -1114,7 +1008,7 @@
             </a:lvl8pPr>
             <a:lvl9pPr marL="3657600" indent="0">
               <a:buNone/>
-              <a:defRPr sz="1600">
+              <a:defRPr sz="1400">
                 <a:solidFill>
                   <a:schemeClr val="tx1">
                     <a:tint val="75000"/>
@@ -1134,13 +1028,7 @@
       </p:sp>
       <p:sp>
         <p:nvSpPr>
-          <p:cNvPr id="4" name="Дата 3">
-            <a:extLst>
-              <a:ext uri="{FF2B5EF4-FFF2-40B4-BE49-F238E27FC236}">
-                <a16:creationId xmlns:a16="http://schemas.microsoft.com/office/drawing/2014/main" id="{4A603C6F-0155-6F63-7330-5F3C2879B50C}"/>
-              </a:ext>
-            </a:extLst>
-          </p:cNvPr>
+          <p:cNvPr id="4" name="Date Placeholder 3"/>
           <p:cNvSpPr>
             <a:spLocks noGrp="1"/>
           </p:cNvSpPr>
@@ -1155,7 +1043,7 @@
           <a:p>
             <a:fld id="{0A9A872F-D9CB-4186-9C25-671FAF4AFD83}" type="datetimeFigureOut">
               <a:rPr lang="ru-RU" smtClean="0"/>
-              <a:t>15.05.2022</a:t>
+              <a:t>16.05.2022</a:t>
             </a:fld>
             <a:endParaRPr lang="ru-RU"/>
           </a:p>
@@ -1163,13 +1051,7 @@
       </p:sp>
       <p:sp>
         <p:nvSpPr>
-          <p:cNvPr id="5" name="Нижний колонтитул 4">
-            <a:extLst>
-              <a:ext uri="{FF2B5EF4-FFF2-40B4-BE49-F238E27FC236}">
-                <a16:creationId xmlns:a16="http://schemas.microsoft.com/office/drawing/2014/main" id="{521A4C9A-7708-99BD-C90E-0002A9E5C8EA}"/>
-              </a:ext>
-            </a:extLst>
-          </p:cNvPr>
+          <p:cNvPr id="5" name="Footer Placeholder 4"/>
           <p:cNvSpPr>
             <a:spLocks noGrp="1"/>
           </p:cNvSpPr>
@@ -1188,13 +1070,7 @@
       </p:sp>
       <p:sp>
         <p:nvSpPr>
-          <p:cNvPr id="6" name="Номер слайда 5">
-            <a:extLst>
-              <a:ext uri="{FF2B5EF4-FFF2-40B4-BE49-F238E27FC236}">
-                <a16:creationId xmlns:a16="http://schemas.microsoft.com/office/drawing/2014/main" id="{1BA34469-2E6A-D31E-6220-8661D051C9B6}"/>
-              </a:ext>
-            </a:extLst>
-          </p:cNvPr>
+          <p:cNvPr id="6" name="Slide Number Placeholder 5"/>
           <p:cNvSpPr>
             <a:spLocks noGrp="1"/>
           </p:cNvSpPr>
@@ -1218,7 +1094,7 @@
     </p:spTree>
     <p:extLst>
       <p:ext uri="{BB962C8B-B14F-4D97-AF65-F5344CB8AC3E}">
-        <p14:creationId xmlns:p14="http://schemas.microsoft.com/office/powerpoint/2010/main" val="1014989558"/>
+        <p14:creationId xmlns:p14="http://schemas.microsoft.com/office/powerpoint/2010/main" val="2131815226"/>
       </p:ext>
     </p:extLst>
   </p:cSld>
@@ -1247,13 +1123,7 @@
       </p:grpSpPr>
       <p:sp>
         <p:nvSpPr>
-          <p:cNvPr id="2" name="Заголовок 1">
-            <a:extLst>
-              <a:ext uri="{FF2B5EF4-FFF2-40B4-BE49-F238E27FC236}">
-                <a16:creationId xmlns:a16="http://schemas.microsoft.com/office/drawing/2014/main" id="{4CFC246F-1529-5F1D-ABD3-CF9AB0508352}"/>
-              </a:ext>
-            </a:extLst>
-          </p:cNvPr>
+          <p:cNvPr id="2" name="Title 1"/>
           <p:cNvSpPr>
             <a:spLocks noGrp="1"/>
           </p:cNvSpPr>
@@ -1270,18 +1140,13 @@
               <a:rPr lang="ru-RU"/>
               <a:t>Образец заголовка</a:t>
             </a:r>
-          </a:p>
-        </p:txBody>
-      </p:sp>
-      <p:sp>
-        <p:nvSpPr>
-          <p:cNvPr id="3" name="Объект 2">
-            <a:extLst>
-              <a:ext uri="{FF2B5EF4-FFF2-40B4-BE49-F238E27FC236}">
-                <a16:creationId xmlns:a16="http://schemas.microsoft.com/office/drawing/2014/main" id="{61AF2586-6959-A170-A442-7229D9E456DD}"/>
-              </a:ext>
-            </a:extLst>
-          </p:cNvPr>
+            <a:endParaRPr lang="en-US" dirty="0"/>
+          </a:p>
+        </p:txBody>
+      </p:sp>
+      <p:sp>
+        <p:nvSpPr>
+          <p:cNvPr id="3" name="Content Placeholder 2"/>
           <p:cNvSpPr>
             <a:spLocks noGrp="1"/>
           </p:cNvSpPr>
@@ -1291,8 +1156,8 @@
         </p:nvSpPr>
         <p:spPr>
           <a:xfrm>
-            <a:off x="838200" y="1825625"/>
-            <a:ext cx="5181600" cy="4351338"/>
+            <a:off x="845127" y="1828800"/>
+            <a:ext cx="5181600" cy="4351337"/>
           </a:xfrm>
         </p:spPr>
         <p:txBody>
@@ -1332,18 +1197,13 @@
               <a:rPr lang="ru-RU"/>
               <a:t>Пятый уровень</a:t>
             </a:r>
-          </a:p>
-        </p:txBody>
-      </p:sp>
-      <p:sp>
-        <p:nvSpPr>
-          <p:cNvPr id="4" name="Объект 3">
-            <a:extLst>
-              <a:ext uri="{FF2B5EF4-FFF2-40B4-BE49-F238E27FC236}">
-                <a16:creationId xmlns:a16="http://schemas.microsoft.com/office/drawing/2014/main" id="{47FDAA9A-DB01-32AD-C9D6-4B51FAC033C5}"/>
-              </a:ext>
-            </a:extLst>
-          </p:cNvPr>
+            <a:endParaRPr lang="en-US" dirty="0"/>
+          </a:p>
+        </p:txBody>
+      </p:sp>
+      <p:sp>
+        <p:nvSpPr>
+          <p:cNvPr id="4" name="Content Placeholder 3"/>
           <p:cNvSpPr>
             <a:spLocks noGrp="1"/>
           </p:cNvSpPr>
@@ -1353,8 +1213,8 @@
         </p:nvSpPr>
         <p:spPr>
           <a:xfrm>
-            <a:off x="6172200" y="1825625"/>
-            <a:ext cx="5181600" cy="4351338"/>
+            <a:off x="6172200" y="1828800"/>
+            <a:ext cx="5181600" cy="4351337"/>
           </a:xfrm>
         </p:spPr>
         <p:txBody>
@@ -1394,18 +1254,13 @@
               <a:rPr lang="ru-RU"/>
               <a:t>Пятый уровень</a:t>
             </a:r>
-          </a:p>
-        </p:txBody>
-      </p:sp>
-      <p:sp>
-        <p:nvSpPr>
-          <p:cNvPr id="5" name="Дата 4">
-            <a:extLst>
-              <a:ext uri="{FF2B5EF4-FFF2-40B4-BE49-F238E27FC236}">
-                <a16:creationId xmlns:a16="http://schemas.microsoft.com/office/drawing/2014/main" id="{C1665FCF-5C6C-0641-1F4B-C160BBA53CCC}"/>
-              </a:ext>
-            </a:extLst>
-          </p:cNvPr>
+            <a:endParaRPr lang="en-US" dirty="0"/>
+          </a:p>
+        </p:txBody>
+      </p:sp>
+      <p:sp>
+        <p:nvSpPr>
+          <p:cNvPr id="5" name="Date Placeholder 4"/>
           <p:cNvSpPr>
             <a:spLocks noGrp="1"/>
           </p:cNvSpPr>
@@ -1420,7 +1275,7 @@
           <a:p>
             <a:fld id="{0A9A872F-D9CB-4186-9C25-671FAF4AFD83}" type="datetimeFigureOut">
               <a:rPr lang="ru-RU" smtClean="0"/>
-              <a:t>15.05.2022</a:t>
+              <a:t>16.05.2022</a:t>
             </a:fld>
             <a:endParaRPr lang="ru-RU"/>
           </a:p>
@@ -1428,13 +1283,7 @@
       </p:sp>
       <p:sp>
         <p:nvSpPr>
-          <p:cNvPr id="6" name="Нижний колонтитул 5">
-            <a:extLst>
-              <a:ext uri="{FF2B5EF4-FFF2-40B4-BE49-F238E27FC236}">
-                <a16:creationId xmlns:a16="http://schemas.microsoft.com/office/drawing/2014/main" id="{B8A564DC-DEC9-1172-CD6E-A6C5A3B78C48}"/>
-              </a:ext>
-            </a:extLst>
-          </p:cNvPr>
+          <p:cNvPr id="6" name="Footer Placeholder 5"/>
           <p:cNvSpPr>
             <a:spLocks noGrp="1"/>
           </p:cNvSpPr>
@@ -1453,13 +1302,7 @@
       </p:sp>
       <p:sp>
         <p:nvSpPr>
-          <p:cNvPr id="7" name="Номер слайда 6">
-            <a:extLst>
-              <a:ext uri="{FF2B5EF4-FFF2-40B4-BE49-F238E27FC236}">
-                <a16:creationId xmlns:a16="http://schemas.microsoft.com/office/drawing/2014/main" id="{0445E049-E25A-D720-9C16-51466A8AD028}"/>
-              </a:ext>
-            </a:extLst>
-          </p:cNvPr>
+          <p:cNvPr id="7" name="Slide Number Placeholder 6"/>
           <p:cNvSpPr>
             <a:spLocks noGrp="1"/>
           </p:cNvSpPr>
@@ -1483,7 +1326,7 @@
     </p:spTree>
     <p:extLst>
       <p:ext uri="{BB962C8B-B14F-4D97-AF65-F5344CB8AC3E}">
-        <p14:creationId xmlns:p14="http://schemas.microsoft.com/office/powerpoint/2010/main" val="2701171381"/>
+        <p14:creationId xmlns:p14="http://schemas.microsoft.com/office/powerpoint/2010/main" val="2025658324"/>
       </p:ext>
     </p:extLst>
   </p:cSld>
@@ -1494,7 +1337,7 @@
 </file>
 
 <file path=ppt/slideLayouts/slideLayout5.xml><?xml version="1.0" encoding="utf-8"?>
-<p:sldLayout xmlns:a="http://schemas.openxmlformats.org/drawingml/2006/main" xmlns:r="http://schemas.openxmlformats.org/officeDocument/2006/relationships" xmlns:p="http://schemas.openxmlformats.org/presentationml/2006/main" type="twoTxTwoObj" preserve="1">
+<p:sldLayout xmlns:a="http://schemas.openxmlformats.org/drawingml/2006/main" xmlns:r="http://schemas.openxmlformats.org/officeDocument/2006/relationships" xmlns:p="http://schemas.openxmlformats.org/presentationml/2006/main" preserve="1">
   <p:cSld name="Сравнение">
     <p:spTree>
       <p:nvGrpSpPr>
@@ -1512,63 +1355,29 @@
       </p:grpSpPr>
       <p:sp>
         <p:nvSpPr>
-          <p:cNvPr id="2" name="Заголовок 1">
-            <a:extLst>
-              <a:ext uri="{FF2B5EF4-FFF2-40B4-BE49-F238E27FC236}">
-                <a16:creationId xmlns:a16="http://schemas.microsoft.com/office/drawing/2014/main" id="{05B340C1-862F-75AD-B9A5-2C65430A820F}"/>
-              </a:ext>
-            </a:extLst>
-          </p:cNvPr>
-          <p:cNvSpPr>
-            <a:spLocks noGrp="1"/>
-          </p:cNvSpPr>
-          <p:nvPr>
-            <p:ph type="title"/>
+          <p:cNvPr id="3" name="Text Placeholder 2"/>
+          <p:cNvSpPr>
+            <a:spLocks noGrp="1"/>
+          </p:cNvSpPr>
+          <p:nvPr>
+            <p:ph type="body" idx="1"/>
           </p:nvPr>
         </p:nvSpPr>
         <p:spPr>
           <a:xfrm>
-            <a:off x="839788" y="365125"/>
-            <a:ext cx="10515600" cy="1325563"/>
-          </a:xfrm>
-        </p:spPr>
-        <p:txBody>
-          <a:bodyPr/>
-          <a:lstStyle/>
-          <a:p>
-            <a:r>
-              <a:rPr lang="ru-RU"/>
-              <a:t>Образец заголовка</a:t>
-            </a:r>
-          </a:p>
-        </p:txBody>
-      </p:sp>
-      <p:sp>
-        <p:nvSpPr>
-          <p:cNvPr id="3" name="Текст 2">
-            <a:extLst>
-              <a:ext uri="{FF2B5EF4-FFF2-40B4-BE49-F238E27FC236}">
-                <a16:creationId xmlns:a16="http://schemas.microsoft.com/office/drawing/2014/main" id="{BD145683-6237-E74E-5AF2-CEC2CAAFB790}"/>
-              </a:ext>
-            </a:extLst>
-          </p:cNvPr>
-          <p:cNvSpPr>
-            <a:spLocks noGrp="1"/>
-          </p:cNvSpPr>
-          <p:nvPr>
-            <p:ph type="body" idx="1"/>
-          </p:nvPr>
-        </p:nvSpPr>
-        <p:spPr>
-          <a:xfrm>
-            <a:off x="839788" y="1681163"/>
-            <a:ext cx="5157787" cy="823912"/>
-          </a:xfrm>
-        </p:spPr>
-        <p:txBody>
-          <a:bodyPr anchor="b"/>
+            <a:off x="845127" y="1681850"/>
+            <a:ext cx="5156200" cy="825699"/>
+          </a:xfrm>
+        </p:spPr>
+        <p:txBody>
+          <a:bodyPr anchor="b">
+            <a:normAutofit/>
+          </a:bodyPr>
           <a:lstStyle>
             <a:lvl1pPr marL="0" indent="0">
+              <a:spcBef>
+                <a:spcPts val="0"/>
+              </a:spcBef>
               <a:buNone/>
               <a:defRPr sz="2400" b="1"/>
             </a:lvl1pPr>
@@ -1616,13 +1425,7 @@
       </p:sp>
       <p:sp>
         <p:nvSpPr>
-          <p:cNvPr id="4" name="Объект 3">
-            <a:extLst>
-              <a:ext uri="{FF2B5EF4-FFF2-40B4-BE49-F238E27FC236}">
-                <a16:creationId xmlns:a16="http://schemas.microsoft.com/office/drawing/2014/main" id="{E4F4824C-F51C-B089-C508-84C1C8989C05}"/>
-              </a:ext>
-            </a:extLst>
-          </p:cNvPr>
+          <p:cNvPr id="4" name="Content Placeholder 3"/>
           <p:cNvSpPr>
             <a:spLocks noGrp="1"/>
           </p:cNvSpPr>
@@ -1632,8 +1435,8 @@
         </p:nvSpPr>
         <p:spPr>
           <a:xfrm>
-            <a:off x="839788" y="2505075"/>
-            <a:ext cx="5157787" cy="3684588"/>
+            <a:off x="845127" y="2507550"/>
+            <a:ext cx="5156200" cy="3680525"/>
           </a:xfrm>
         </p:spPr>
         <p:txBody>
@@ -1673,18 +1476,13 @@
               <a:rPr lang="ru-RU"/>
               <a:t>Пятый уровень</a:t>
             </a:r>
-          </a:p>
-        </p:txBody>
-      </p:sp>
-      <p:sp>
-        <p:nvSpPr>
-          <p:cNvPr id="5" name="Текст 4">
-            <a:extLst>
-              <a:ext uri="{FF2B5EF4-FFF2-40B4-BE49-F238E27FC236}">
-                <a16:creationId xmlns:a16="http://schemas.microsoft.com/office/drawing/2014/main" id="{C8BA1454-6062-9C06-0806-F022837D7AF0}"/>
-              </a:ext>
-            </a:extLst>
-          </p:cNvPr>
+            <a:endParaRPr lang="en-US" dirty="0"/>
+          </a:p>
+        </p:txBody>
+      </p:sp>
+      <p:sp>
+        <p:nvSpPr>
+          <p:cNvPr id="5" name="Text Placeholder 4"/>
           <p:cNvSpPr>
             <a:spLocks noGrp="1"/>
           </p:cNvSpPr>
@@ -1694,14 +1492,17 @@
         </p:nvSpPr>
         <p:spPr>
           <a:xfrm>
-            <a:off x="6172200" y="1681163"/>
-            <a:ext cx="5183188" cy="823912"/>
+            <a:off x="6172200" y="1681851"/>
+            <a:ext cx="5181601" cy="825698"/>
           </a:xfrm>
         </p:spPr>
         <p:txBody>
           <a:bodyPr anchor="b"/>
           <a:lstStyle>
             <a:lvl1pPr marL="0" indent="0">
+              <a:spcBef>
+                <a:spcPts val="0"/>
+              </a:spcBef>
               <a:buNone/>
               <a:defRPr sz="2400" b="1"/>
             </a:lvl1pPr>
@@ -1749,13 +1550,7 @@
       </p:sp>
       <p:sp>
         <p:nvSpPr>
-          <p:cNvPr id="6" name="Объект 5">
-            <a:extLst>
-              <a:ext uri="{FF2B5EF4-FFF2-40B4-BE49-F238E27FC236}">
-                <a16:creationId xmlns:a16="http://schemas.microsoft.com/office/drawing/2014/main" id="{3F0D5B73-1342-05B7-29AF-21FD236917B8}"/>
-              </a:ext>
-            </a:extLst>
-          </p:cNvPr>
+          <p:cNvPr id="6" name="Content Placeholder 5"/>
           <p:cNvSpPr>
             <a:spLocks noGrp="1"/>
           </p:cNvSpPr>
@@ -1765,8 +1560,8 @@
         </p:nvSpPr>
         <p:spPr>
           <a:xfrm>
-            <a:off x="6172200" y="2505075"/>
-            <a:ext cx="5183188" cy="3684588"/>
+            <a:off x="6172200" y="2507550"/>
+            <a:ext cx="5181601" cy="3680525"/>
           </a:xfrm>
         </p:spPr>
         <p:txBody>
@@ -1806,18 +1601,13 @@
               <a:rPr lang="ru-RU"/>
               <a:t>Пятый уровень</a:t>
             </a:r>
-          </a:p>
-        </p:txBody>
-      </p:sp>
-      <p:sp>
-        <p:nvSpPr>
-          <p:cNvPr id="7" name="Дата 6">
-            <a:extLst>
-              <a:ext uri="{FF2B5EF4-FFF2-40B4-BE49-F238E27FC236}">
-                <a16:creationId xmlns:a16="http://schemas.microsoft.com/office/drawing/2014/main" id="{44A1008E-9A63-C4AE-F5EA-43350BACD8D3}"/>
-              </a:ext>
-            </a:extLst>
-          </p:cNvPr>
+            <a:endParaRPr lang="en-US"/>
+          </a:p>
+        </p:txBody>
+      </p:sp>
+      <p:sp>
+        <p:nvSpPr>
+          <p:cNvPr id="7" name="Date Placeholder 6"/>
           <p:cNvSpPr>
             <a:spLocks noGrp="1"/>
           </p:cNvSpPr>
@@ -1832,7 +1622,7 @@
           <a:p>
             <a:fld id="{0A9A872F-D9CB-4186-9C25-671FAF4AFD83}" type="datetimeFigureOut">
               <a:rPr lang="ru-RU" smtClean="0"/>
-              <a:t>15.05.2022</a:t>
+              <a:t>16.05.2022</a:t>
             </a:fld>
             <a:endParaRPr lang="ru-RU"/>
           </a:p>
@@ -1840,13 +1630,7 @@
       </p:sp>
       <p:sp>
         <p:nvSpPr>
-          <p:cNvPr id="8" name="Нижний колонтитул 7">
-            <a:extLst>
-              <a:ext uri="{FF2B5EF4-FFF2-40B4-BE49-F238E27FC236}">
-                <a16:creationId xmlns:a16="http://schemas.microsoft.com/office/drawing/2014/main" id="{2E01739D-C0B3-A66F-9BB2-2A7BEBB916DE}"/>
-              </a:ext>
-            </a:extLst>
-          </p:cNvPr>
+          <p:cNvPr id="8" name="Footer Placeholder 7"/>
           <p:cNvSpPr>
             <a:spLocks noGrp="1"/>
           </p:cNvSpPr>
@@ -1865,13 +1649,7 @@
       </p:sp>
       <p:sp>
         <p:nvSpPr>
-          <p:cNvPr id="9" name="Номер слайда 8">
-            <a:extLst>
-              <a:ext uri="{FF2B5EF4-FFF2-40B4-BE49-F238E27FC236}">
-                <a16:creationId xmlns:a16="http://schemas.microsoft.com/office/drawing/2014/main" id="{4155C73F-A2D3-5681-2267-FEECEEB518D6}"/>
-              </a:ext>
-            </a:extLst>
-          </p:cNvPr>
+          <p:cNvPr id="9" name="Slide Number Placeholder 8"/>
           <p:cNvSpPr>
             <a:spLocks noGrp="1"/>
           </p:cNvSpPr>
@@ -1892,10 +1670,33 @@
           </a:p>
         </p:txBody>
       </p:sp>
+      <p:sp>
+        <p:nvSpPr>
+          <p:cNvPr id="10" name="Title 9"/>
+          <p:cNvSpPr>
+            <a:spLocks noGrp="1"/>
+          </p:cNvSpPr>
+          <p:nvPr>
+            <p:ph type="title"/>
+          </p:nvPr>
+        </p:nvSpPr>
+        <p:spPr/>
+        <p:txBody>
+          <a:bodyPr/>
+          <a:lstStyle/>
+          <a:p>
+            <a:r>
+              <a:rPr lang="ru-RU"/>
+              <a:t>Образец заголовка</a:t>
+            </a:r>
+            <a:endParaRPr lang="en-US" dirty="0"/>
+          </a:p>
+        </p:txBody>
+      </p:sp>
     </p:spTree>
     <p:extLst>
       <p:ext uri="{BB962C8B-B14F-4D97-AF65-F5344CB8AC3E}">
-        <p14:creationId xmlns:p14="http://schemas.microsoft.com/office/powerpoint/2010/main" val="25814995"/>
+        <p14:creationId xmlns:p14="http://schemas.microsoft.com/office/powerpoint/2010/main" val="2392606487"/>
       </p:ext>
     </p:extLst>
   </p:cSld>
@@ -1906,7 +1707,7 @@
 </file>
 
 <file path=ppt/slideLayouts/slideLayout6.xml><?xml version="1.0" encoding="utf-8"?>
-<p:sldLayout xmlns:a="http://schemas.openxmlformats.org/drawingml/2006/main" xmlns:r="http://schemas.openxmlformats.org/officeDocument/2006/relationships" xmlns:p="http://schemas.openxmlformats.org/presentationml/2006/main" type="titleOnly" preserve="1">
+<p:sldLayout xmlns:a="http://schemas.openxmlformats.org/drawingml/2006/main" xmlns:r="http://schemas.openxmlformats.org/officeDocument/2006/relationships" xmlns:p="http://schemas.openxmlformats.org/presentationml/2006/main" preserve="1">
   <p:cSld name="Только заголовок">
     <p:spTree>
       <p:nvGrpSpPr>
@@ -1924,41 +1725,7 @@
       </p:grpSpPr>
       <p:sp>
         <p:nvSpPr>
-          <p:cNvPr id="2" name="Заголовок 1">
-            <a:extLst>
-              <a:ext uri="{FF2B5EF4-FFF2-40B4-BE49-F238E27FC236}">
-                <a16:creationId xmlns:a16="http://schemas.microsoft.com/office/drawing/2014/main" id="{DF305116-FF1D-E61E-1360-6CD55C60B53A}"/>
-              </a:ext>
-            </a:extLst>
-          </p:cNvPr>
-          <p:cNvSpPr>
-            <a:spLocks noGrp="1"/>
-          </p:cNvSpPr>
-          <p:nvPr>
-            <p:ph type="title"/>
-          </p:nvPr>
-        </p:nvSpPr>
-        <p:spPr/>
-        <p:txBody>
-          <a:bodyPr/>
-          <a:lstStyle/>
-          <a:p>
-            <a:r>
-              <a:rPr lang="ru-RU"/>
-              <a:t>Образец заголовка</a:t>
-            </a:r>
-          </a:p>
-        </p:txBody>
-      </p:sp>
-      <p:sp>
-        <p:nvSpPr>
-          <p:cNvPr id="3" name="Дата 2">
-            <a:extLst>
-              <a:ext uri="{FF2B5EF4-FFF2-40B4-BE49-F238E27FC236}">
-                <a16:creationId xmlns:a16="http://schemas.microsoft.com/office/drawing/2014/main" id="{637573F5-148C-1D90-A43F-F0692DAF3569}"/>
-              </a:ext>
-            </a:extLst>
-          </p:cNvPr>
+          <p:cNvPr id="3" name="Date Placeholder 2"/>
           <p:cNvSpPr>
             <a:spLocks noGrp="1"/>
           </p:cNvSpPr>
@@ -1973,7 +1740,7 @@
           <a:p>
             <a:fld id="{0A9A872F-D9CB-4186-9C25-671FAF4AFD83}" type="datetimeFigureOut">
               <a:rPr lang="ru-RU" smtClean="0"/>
-              <a:t>15.05.2022</a:t>
+              <a:t>16.05.2022</a:t>
             </a:fld>
             <a:endParaRPr lang="ru-RU"/>
           </a:p>
@@ -1981,13 +1748,7 @@
       </p:sp>
       <p:sp>
         <p:nvSpPr>
-          <p:cNvPr id="4" name="Нижний колонтитул 3">
-            <a:extLst>
-              <a:ext uri="{FF2B5EF4-FFF2-40B4-BE49-F238E27FC236}">
-                <a16:creationId xmlns:a16="http://schemas.microsoft.com/office/drawing/2014/main" id="{73C8C8D4-D015-808E-AB13-2105DCB5F251}"/>
-              </a:ext>
-            </a:extLst>
-          </p:cNvPr>
+          <p:cNvPr id="4" name="Footer Placeholder 3"/>
           <p:cNvSpPr>
             <a:spLocks noGrp="1"/>
           </p:cNvSpPr>
@@ -2006,13 +1767,7 @@
       </p:sp>
       <p:sp>
         <p:nvSpPr>
-          <p:cNvPr id="5" name="Номер слайда 4">
-            <a:extLst>
-              <a:ext uri="{FF2B5EF4-FFF2-40B4-BE49-F238E27FC236}">
-                <a16:creationId xmlns:a16="http://schemas.microsoft.com/office/drawing/2014/main" id="{C9EE5A5F-3C2B-7F91-64DA-D702235F5CED}"/>
-              </a:ext>
-            </a:extLst>
-          </p:cNvPr>
+          <p:cNvPr id="5" name="Slide Number Placeholder 4"/>
           <p:cNvSpPr>
             <a:spLocks noGrp="1"/>
           </p:cNvSpPr>
@@ -2033,10 +1788,33 @@
           </a:p>
         </p:txBody>
       </p:sp>
+      <p:sp>
+        <p:nvSpPr>
+          <p:cNvPr id="6" name="Title 5"/>
+          <p:cNvSpPr>
+            <a:spLocks noGrp="1"/>
+          </p:cNvSpPr>
+          <p:nvPr>
+            <p:ph type="title"/>
+          </p:nvPr>
+        </p:nvSpPr>
+        <p:spPr/>
+        <p:txBody>
+          <a:bodyPr/>
+          <a:lstStyle/>
+          <a:p>
+            <a:r>
+              <a:rPr lang="ru-RU"/>
+              <a:t>Образец заголовка</a:t>
+            </a:r>
+            <a:endParaRPr lang="en-US"/>
+          </a:p>
+        </p:txBody>
+      </p:sp>
     </p:spTree>
     <p:extLst>
       <p:ext uri="{BB962C8B-B14F-4D97-AF65-F5344CB8AC3E}">
-        <p14:creationId xmlns:p14="http://schemas.microsoft.com/office/powerpoint/2010/main" val="441118431"/>
+        <p14:creationId xmlns:p14="http://schemas.microsoft.com/office/powerpoint/2010/main" val="364025765"/>
       </p:ext>
     </p:extLst>
   </p:cSld>
@@ -2065,13 +1843,7 @@
       </p:grpSpPr>
       <p:sp>
         <p:nvSpPr>
-          <p:cNvPr id="2" name="Дата 1">
-            <a:extLst>
-              <a:ext uri="{FF2B5EF4-FFF2-40B4-BE49-F238E27FC236}">
-                <a16:creationId xmlns:a16="http://schemas.microsoft.com/office/drawing/2014/main" id="{3923755A-FABB-5B40-F14E-A28E29100F73}"/>
-              </a:ext>
-            </a:extLst>
-          </p:cNvPr>
+          <p:cNvPr id="2" name="Date Placeholder 1"/>
           <p:cNvSpPr>
             <a:spLocks noGrp="1"/>
           </p:cNvSpPr>
@@ -2086,7 +1858,7 @@
           <a:p>
             <a:fld id="{0A9A872F-D9CB-4186-9C25-671FAF4AFD83}" type="datetimeFigureOut">
               <a:rPr lang="ru-RU" smtClean="0"/>
-              <a:t>15.05.2022</a:t>
+              <a:t>16.05.2022</a:t>
             </a:fld>
             <a:endParaRPr lang="ru-RU"/>
           </a:p>
@@ -2094,13 +1866,7 @@
       </p:sp>
       <p:sp>
         <p:nvSpPr>
-          <p:cNvPr id="3" name="Нижний колонтитул 2">
-            <a:extLst>
-              <a:ext uri="{FF2B5EF4-FFF2-40B4-BE49-F238E27FC236}">
-                <a16:creationId xmlns:a16="http://schemas.microsoft.com/office/drawing/2014/main" id="{1317B9FE-8387-8D68-97E7-4F231E6DF313}"/>
-              </a:ext>
-            </a:extLst>
-          </p:cNvPr>
+          <p:cNvPr id="3" name="Footer Placeholder 2"/>
           <p:cNvSpPr>
             <a:spLocks noGrp="1"/>
           </p:cNvSpPr>
@@ -2119,13 +1885,7 @@
       </p:sp>
       <p:sp>
         <p:nvSpPr>
-          <p:cNvPr id="4" name="Номер слайда 3">
-            <a:extLst>
-              <a:ext uri="{FF2B5EF4-FFF2-40B4-BE49-F238E27FC236}">
-                <a16:creationId xmlns:a16="http://schemas.microsoft.com/office/drawing/2014/main" id="{A6ABE08D-6A91-2FC6-F209-BFC73A70D318}"/>
-              </a:ext>
-            </a:extLst>
-          </p:cNvPr>
+          <p:cNvPr id="4" name="Slide Number Placeholder 3"/>
           <p:cNvSpPr>
             <a:spLocks noGrp="1"/>
           </p:cNvSpPr>
@@ -2149,7 +1909,7 @@
     </p:spTree>
     <p:extLst>
       <p:ext uri="{BB962C8B-B14F-4D97-AF65-F5344CB8AC3E}">
-        <p14:creationId xmlns:p14="http://schemas.microsoft.com/office/powerpoint/2010/main" val="3343191551"/>
+        <p14:creationId xmlns:p14="http://schemas.microsoft.com/office/powerpoint/2010/main" val="741108705"/>
       </p:ext>
     </p:extLst>
   </p:cSld>
@@ -2178,13 +1938,7 @@
       </p:grpSpPr>
       <p:sp>
         <p:nvSpPr>
-          <p:cNvPr id="2" name="Заголовок 1">
-            <a:extLst>
-              <a:ext uri="{FF2B5EF4-FFF2-40B4-BE49-F238E27FC236}">
-                <a16:creationId xmlns:a16="http://schemas.microsoft.com/office/drawing/2014/main" id="{DE73F347-7FBA-8BD0-3543-EC2BDF377566}"/>
-              </a:ext>
-            </a:extLst>
-          </p:cNvPr>
+          <p:cNvPr id="2" name="Title 1"/>
           <p:cNvSpPr>
             <a:spLocks noGrp="1"/>
           </p:cNvSpPr>
@@ -2194,15 +1948,17 @@
         </p:nvSpPr>
         <p:spPr>
           <a:xfrm>
-            <a:off x="839788" y="457200"/>
-            <a:ext cx="3932237" cy="1600200"/>
-          </a:xfrm>
-        </p:spPr>
-        <p:txBody>
-          <a:bodyPr anchor="b"/>
+            <a:off x="841248" y="457200"/>
+            <a:ext cx="3931920" cy="1600197"/>
+          </a:xfrm>
+        </p:spPr>
+        <p:txBody>
+          <a:bodyPr anchor="b">
+            <a:normAutofit/>
+          </a:bodyPr>
           <a:lstStyle>
             <a:lvl1pPr>
-              <a:defRPr sz="3200"/>
+              <a:defRPr sz="3200" b="0"/>
             </a:lvl1pPr>
           </a:lstStyle>
           <a:p>
@@ -2210,18 +1966,13 @@
               <a:rPr lang="ru-RU"/>
               <a:t>Образец заголовка</a:t>
             </a:r>
-          </a:p>
-        </p:txBody>
-      </p:sp>
-      <p:sp>
-        <p:nvSpPr>
-          <p:cNvPr id="3" name="Объект 2">
-            <a:extLst>
-              <a:ext uri="{FF2B5EF4-FFF2-40B4-BE49-F238E27FC236}">
-                <a16:creationId xmlns:a16="http://schemas.microsoft.com/office/drawing/2014/main" id="{78DBCB26-1046-C071-9894-CE4B67668A56}"/>
-              </a:ext>
-            </a:extLst>
-          </p:cNvPr>
+            <a:endParaRPr lang="en-US" dirty="0"/>
+          </a:p>
+        </p:txBody>
+      </p:sp>
+      <p:sp>
+        <p:nvSpPr>
+          <p:cNvPr id="3" name="Content Placeholder 2"/>
           <p:cNvSpPr>
             <a:spLocks noGrp="1"/>
           </p:cNvSpPr>
@@ -2231,8 +1982,8 @@
         </p:nvSpPr>
         <p:spPr>
           <a:xfrm>
-            <a:off x="5183188" y="987425"/>
-            <a:ext cx="6172200" cy="4873625"/>
+            <a:off x="5181600" y="990600"/>
+            <a:ext cx="6172200" cy="4876800"/>
           </a:xfrm>
         </p:spPr>
         <p:txBody>
@@ -2300,18 +2051,13 @@
               <a:rPr lang="ru-RU"/>
               <a:t>Пятый уровень</a:t>
             </a:r>
-          </a:p>
-        </p:txBody>
-      </p:sp>
-      <p:sp>
-        <p:nvSpPr>
-          <p:cNvPr id="4" name="Текст 3">
-            <a:extLst>
-              <a:ext uri="{FF2B5EF4-FFF2-40B4-BE49-F238E27FC236}">
-                <a16:creationId xmlns:a16="http://schemas.microsoft.com/office/drawing/2014/main" id="{2DACBECF-C686-C9AA-2B6F-21EFC7B20D3D}"/>
-              </a:ext>
-            </a:extLst>
-          </p:cNvPr>
+            <a:endParaRPr lang="en-US" dirty="0"/>
+          </a:p>
+        </p:txBody>
+      </p:sp>
+      <p:sp>
+        <p:nvSpPr>
+          <p:cNvPr id="4" name="Text Placeholder 3"/>
           <p:cNvSpPr>
             <a:spLocks noGrp="1"/>
           </p:cNvSpPr>
@@ -2321,48 +2067,53 @@
         </p:nvSpPr>
         <p:spPr>
           <a:xfrm>
-            <a:off x="839788" y="2057400"/>
-            <a:ext cx="3932237" cy="3811588"/>
-          </a:xfrm>
-        </p:spPr>
-        <p:txBody>
-          <a:bodyPr/>
+            <a:off x="841248" y="2057399"/>
+            <a:ext cx="3931920" cy="3810001"/>
+          </a:xfrm>
+        </p:spPr>
+        <p:txBody>
+          <a:bodyPr>
+            <a:normAutofit/>
+          </a:bodyPr>
           <a:lstStyle>
             <a:lvl1pPr marL="0" indent="0">
+              <a:lnSpc>
+                <a:spcPct val="90000"/>
+              </a:lnSpc>
               <a:buNone/>
               <a:defRPr sz="1600"/>
             </a:lvl1pPr>
             <a:lvl2pPr marL="457200" indent="0">
               <a:buNone/>
-              <a:defRPr sz="1400"/>
+              <a:defRPr sz="1200"/>
             </a:lvl2pPr>
             <a:lvl3pPr marL="914400" indent="0">
               <a:buNone/>
-              <a:defRPr sz="1200"/>
+              <a:defRPr sz="1000"/>
             </a:lvl3pPr>
             <a:lvl4pPr marL="1371600" indent="0">
               <a:buNone/>
-              <a:defRPr sz="1000"/>
+              <a:defRPr sz="900"/>
             </a:lvl4pPr>
             <a:lvl5pPr marL="1828800" indent="0">
               <a:buNone/>
-              <a:defRPr sz="1000"/>
+              <a:defRPr sz="900"/>
             </a:lvl5pPr>
             <a:lvl6pPr marL="2286000" indent="0">
               <a:buNone/>
-              <a:defRPr sz="1000"/>
+              <a:defRPr sz="900"/>
             </a:lvl6pPr>
             <a:lvl7pPr marL="2743200" indent="0">
               <a:buNone/>
-              <a:defRPr sz="1000"/>
+              <a:defRPr sz="900"/>
             </a:lvl7pPr>
             <a:lvl8pPr marL="3200400" indent="0">
               <a:buNone/>
-              <a:defRPr sz="1000"/>
+              <a:defRPr sz="900"/>
             </a:lvl8pPr>
             <a:lvl9pPr marL="3657600" indent="0">
               <a:buNone/>
-              <a:defRPr sz="1000"/>
+              <a:defRPr sz="900"/>
             </a:lvl9pPr>
           </a:lstStyle>
           <a:p>
@@ -2376,13 +2127,7 @@
       </p:sp>
       <p:sp>
         <p:nvSpPr>
-          <p:cNvPr id="5" name="Дата 4">
-            <a:extLst>
-              <a:ext uri="{FF2B5EF4-FFF2-40B4-BE49-F238E27FC236}">
-                <a16:creationId xmlns:a16="http://schemas.microsoft.com/office/drawing/2014/main" id="{559AA393-9A91-127B-24D7-FCC16C09EAFD}"/>
-              </a:ext>
-            </a:extLst>
-          </p:cNvPr>
+          <p:cNvPr id="5" name="Date Placeholder 4"/>
           <p:cNvSpPr>
             <a:spLocks noGrp="1"/>
           </p:cNvSpPr>
@@ -2397,7 +2142,7 @@
           <a:p>
             <a:fld id="{0A9A872F-D9CB-4186-9C25-671FAF4AFD83}" type="datetimeFigureOut">
               <a:rPr lang="ru-RU" smtClean="0"/>
-              <a:t>15.05.2022</a:t>
+              <a:t>16.05.2022</a:t>
             </a:fld>
             <a:endParaRPr lang="ru-RU"/>
           </a:p>
@@ -2405,13 +2150,7 @@
       </p:sp>
       <p:sp>
         <p:nvSpPr>
-          <p:cNvPr id="6" name="Нижний колонтитул 5">
-            <a:extLst>
-              <a:ext uri="{FF2B5EF4-FFF2-40B4-BE49-F238E27FC236}">
-                <a16:creationId xmlns:a16="http://schemas.microsoft.com/office/drawing/2014/main" id="{1ADB9852-FA3B-A88E-88AC-8140E405CEE3}"/>
-              </a:ext>
-            </a:extLst>
-          </p:cNvPr>
+          <p:cNvPr id="6" name="Footer Placeholder 5"/>
           <p:cNvSpPr>
             <a:spLocks noGrp="1"/>
           </p:cNvSpPr>
@@ -2430,13 +2169,7 @@
       </p:sp>
       <p:sp>
         <p:nvSpPr>
-          <p:cNvPr id="7" name="Номер слайда 6">
-            <a:extLst>
-              <a:ext uri="{FF2B5EF4-FFF2-40B4-BE49-F238E27FC236}">
-                <a16:creationId xmlns:a16="http://schemas.microsoft.com/office/drawing/2014/main" id="{106446F5-E669-5A59-5E28-7B064C74EFB6}"/>
-              </a:ext>
-            </a:extLst>
-          </p:cNvPr>
+          <p:cNvPr id="7" name="Slide Number Placeholder 6"/>
           <p:cNvSpPr>
             <a:spLocks noGrp="1"/>
           </p:cNvSpPr>
@@ -2460,7 +2193,7 @@
     </p:spTree>
     <p:extLst>
       <p:ext uri="{BB962C8B-B14F-4D97-AF65-F5344CB8AC3E}">
-        <p14:creationId xmlns:p14="http://schemas.microsoft.com/office/powerpoint/2010/main" val="3037860551"/>
+        <p14:creationId xmlns:p14="http://schemas.microsoft.com/office/powerpoint/2010/main" val="1228387896"/>
       </p:ext>
     </p:extLst>
   </p:cSld>
@@ -2489,13 +2222,7 @@
       </p:grpSpPr>
       <p:sp>
         <p:nvSpPr>
-          <p:cNvPr id="2" name="Заголовок 1">
-            <a:extLst>
-              <a:ext uri="{FF2B5EF4-FFF2-40B4-BE49-F238E27FC236}">
-                <a16:creationId xmlns:a16="http://schemas.microsoft.com/office/drawing/2014/main" id="{935BF671-B891-97C7-1C41-E727004865BC}"/>
-              </a:ext>
-            </a:extLst>
-          </p:cNvPr>
+          <p:cNvPr id="2" name="Title 1"/>
           <p:cNvSpPr>
             <a:spLocks noGrp="1"/>
           </p:cNvSpPr>
@@ -2505,15 +2232,17 @@
         </p:nvSpPr>
         <p:spPr>
           <a:xfrm>
-            <a:off x="839788" y="457200"/>
-            <a:ext cx="3932237" cy="1600200"/>
-          </a:xfrm>
-        </p:spPr>
-        <p:txBody>
-          <a:bodyPr anchor="b"/>
+            <a:off x="841248" y="457200"/>
+            <a:ext cx="3931920" cy="1600200"/>
+          </a:xfrm>
+        </p:spPr>
+        <p:txBody>
+          <a:bodyPr anchor="b">
+            <a:normAutofit/>
+          </a:bodyPr>
           <a:lstStyle>
             <a:lvl1pPr>
-              <a:defRPr sz="3200"/>
+              <a:defRPr sz="3200" b="0"/>
             </a:lvl1pPr>
           </a:lstStyle>
           <a:p>
@@ -2521,18 +2250,13 @@
               <a:rPr lang="ru-RU"/>
               <a:t>Образец заголовка</a:t>
             </a:r>
-          </a:p>
-        </p:txBody>
-      </p:sp>
-      <p:sp>
-        <p:nvSpPr>
-          <p:cNvPr id="3" name="Рисунок 2">
-            <a:extLst>
-              <a:ext uri="{FF2B5EF4-FFF2-40B4-BE49-F238E27FC236}">
-                <a16:creationId xmlns:a16="http://schemas.microsoft.com/office/drawing/2014/main" id="{8F37FC85-AC40-EA3F-619C-7ADE4EE2E72D}"/>
-              </a:ext>
-            </a:extLst>
-          </p:cNvPr>
+            <a:endParaRPr lang="en-US" dirty="0"/>
+          </a:p>
+        </p:txBody>
+      </p:sp>
+      <p:sp>
+        <p:nvSpPr>
+          <p:cNvPr id="3" name="Picture Placeholder 2"/>
           <p:cNvSpPr>
             <a:spLocks noGrp="1"/>
           </p:cNvSpPr>
@@ -2542,8 +2266,8 @@
         </p:nvSpPr>
         <p:spPr>
           <a:xfrm>
-            <a:off x="5183188" y="987425"/>
-            <a:ext cx="6172200" cy="4873625"/>
+            <a:off x="5181600" y="990600"/>
+            <a:ext cx="6172200" cy="4876800"/>
           </a:xfrm>
         </p:spPr>
         <p:txBody>
@@ -2587,19 +2311,17 @@
             </a:lvl9pPr>
           </a:lstStyle>
           <a:p>
-            <a:endParaRPr lang="ru-RU"/>
-          </a:p>
-        </p:txBody>
-      </p:sp>
-      <p:sp>
-        <p:nvSpPr>
-          <p:cNvPr id="4" name="Текст 3">
-            <a:extLst>
-              <a:ext uri="{FF2B5EF4-FFF2-40B4-BE49-F238E27FC236}">
-                <a16:creationId xmlns:a16="http://schemas.microsoft.com/office/drawing/2014/main" id="{9A56EF89-21F7-A3CF-CB28-A90403D7E6F5}"/>
-              </a:ext>
-            </a:extLst>
-          </p:cNvPr>
+            <a:r>
+              <a:rPr lang="ru-RU"/>
+              <a:t>Вставка рисунка</a:t>
+            </a:r>
+            <a:endParaRPr lang="en-US" dirty="0"/>
+          </a:p>
+        </p:txBody>
+      </p:sp>
+      <p:sp>
+        <p:nvSpPr>
+          <p:cNvPr id="4" name="Text Placeholder 3"/>
           <p:cNvSpPr>
             <a:spLocks noGrp="1"/>
           </p:cNvSpPr>
@@ -2609,48 +2331,53 @@
         </p:nvSpPr>
         <p:spPr>
           <a:xfrm>
-            <a:off x="839788" y="2057400"/>
-            <a:ext cx="3932237" cy="3811588"/>
-          </a:xfrm>
-        </p:spPr>
-        <p:txBody>
-          <a:bodyPr/>
+            <a:off x="841248" y="2057400"/>
+            <a:ext cx="3931920" cy="3810000"/>
+          </a:xfrm>
+        </p:spPr>
+        <p:txBody>
+          <a:bodyPr>
+            <a:normAutofit/>
+          </a:bodyPr>
           <a:lstStyle>
             <a:lvl1pPr marL="0" indent="0">
+              <a:lnSpc>
+                <a:spcPct val="90000"/>
+              </a:lnSpc>
               <a:buNone/>
               <a:defRPr sz="1600"/>
             </a:lvl1pPr>
             <a:lvl2pPr marL="457200" indent="0">
               <a:buNone/>
-              <a:defRPr sz="1400"/>
+              <a:defRPr sz="1200"/>
             </a:lvl2pPr>
             <a:lvl3pPr marL="914400" indent="0">
               <a:buNone/>
-              <a:defRPr sz="1200"/>
+              <a:defRPr sz="1000"/>
             </a:lvl3pPr>
             <a:lvl4pPr marL="1371600" indent="0">
               <a:buNone/>
-              <a:defRPr sz="1000"/>
+              <a:defRPr sz="900"/>
             </a:lvl4pPr>
             <a:lvl5pPr marL="1828800" indent="0">
               <a:buNone/>
-              <a:defRPr sz="1000"/>
+              <a:defRPr sz="900"/>
             </a:lvl5pPr>
             <a:lvl6pPr marL="2286000" indent="0">
               <a:buNone/>
-              <a:defRPr sz="1000"/>
+              <a:defRPr sz="900"/>
             </a:lvl6pPr>
             <a:lvl7pPr marL="2743200" indent="0">
               <a:buNone/>
-              <a:defRPr sz="1000"/>
+              <a:defRPr sz="900"/>
             </a:lvl7pPr>
             <a:lvl8pPr marL="3200400" indent="0">
               <a:buNone/>
-              <a:defRPr sz="1000"/>
+              <a:defRPr sz="900"/>
             </a:lvl8pPr>
             <a:lvl9pPr marL="3657600" indent="0">
               <a:buNone/>
-              <a:defRPr sz="1000"/>
+              <a:defRPr sz="900"/>
             </a:lvl9pPr>
           </a:lstStyle>
           <a:p>
@@ -2664,13 +2391,7 @@
       </p:sp>
       <p:sp>
         <p:nvSpPr>
-          <p:cNvPr id="5" name="Дата 4">
-            <a:extLst>
-              <a:ext uri="{FF2B5EF4-FFF2-40B4-BE49-F238E27FC236}">
-                <a16:creationId xmlns:a16="http://schemas.microsoft.com/office/drawing/2014/main" id="{B1076932-CCE4-06A4-FF5E-7CD65FAC3F23}"/>
-              </a:ext>
-            </a:extLst>
-          </p:cNvPr>
+          <p:cNvPr id="5" name="Date Placeholder 4"/>
           <p:cNvSpPr>
             <a:spLocks noGrp="1"/>
           </p:cNvSpPr>
@@ -2685,7 +2406,7 @@
           <a:p>
             <a:fld id="{0A9A872F-D9CB-4186-9C25-671FAF4AFD83}" type="datetimeFigureOut">
               <a:rPr lang="ru-RU" smtClean="0"/>
-              <a:t>15.05.2022</a:t>
+              <a:t>16.05.2022</a:t>
             </a:fld>
             <a:endParaRPr lang="ru-RU"/>
           </a:p>
@@ -2693,13 +2414,7 @@
       </p:sp>
       <p:sp>
         <p:nvSpPr>
-          <p:cNvPr id="6" name="Нижний колонтитул 5">
-            <a:extLst>
-              <a:ext uri="{FF2B5EF4-FFF2-40B4-BE49-F238E27FC236}">
-                <a16:creationId xmlns:a16="http://schemas.microsoft.com/office/drawing/2014/main" id="{82E46A6D-9ECC-29CE-8378-66754BD53323}"/>
-              </a:ext>
-            </a:extLst>
-          </p:cNvPr>
+          <p:cNvPr id="6" name="Footer Placeholder 5"/>
           <p:cNvSpPr>
             <a:spLocks noGrp="1"/>
           </p:cNvSpPr>
@@ -2718,13 +2433,7 @@
       </p:sp>
       <p:sp>
         <p:nvSpPr>
-          <p:cNvPr id="7" name="Номер слайда 6">
-            <a:extLst>
-              <a:ext uri="{FF2B5EF4-FFF2-40B4-BE49-F238E27FC236}">
-                <a16:creationId xmlns:a16="http://schemas.microsoft.com/office/drawing/2014/main" id="{E5DF04E9-C1C4-D134-2667-A062A23058AD}"/>
-              </a:ext>
-            </a:extLst>
-          </p:cNvPr>
+          <p:cNvPr id="7" name="Slide Number Placeholder 6"/>
           <p:cNvSpPr>
             <a:spLocks noGrp="1"/>
           </p:cNvSpPr>
@@ -2748,7 +2457,7 @@
     </p:spTree>
     <p:extLst>
       <p:ext uri="{BB962C8B-B14F-4D97-AF65-F5344CB8AC3E}">
-        <p14:creationId xmlns:p14="http://schemas.microsoft.com/office/powerpoint/2010/main" val="3851149914"/>
+        <p14:creationId xmlns:p14="http://schemas.microsoft.com/office/powerpoint/2010/main" val="2709799124"/>
       </p:ext>
     </p:extLst>
   </p:cSld>
@@ -2759,7 +2468,7 @@
 </file>
 
 <file path=ppt/slideMasters/slideMaster1.xml><?xml version="1.0" encoding="utf-8"?>
-<p:sldMaster xmlns:a="http://schemas.openxmlformats.org/drawingml/2006/main" xmlns:r="http://schemas.openxmlformats.org/officeDocument/2006/relationships" xmlns:p="http://schemas.openxmlformats.org/presentationml/2006/main">
+<p:sldMaster xmlns:a="http://schemas.openxmlformats.org/drawingml/2006/main" xmlns:r="http://schemas.openxmlformats.org/officeDocument/2006/relationships" xmlns:p="http://schemas.openxmlformats.org/presentationml/2006/main" preserve="1">
   <p:cSld>
     <p:bg>
       <p:bgRef idx="1001">
@@ -2782,13 +2491,7 @@
       </p:grpSpPr>
       <p:sp>
         <p:nvSpPr>
-          <p:cNvPr id="2" name="Заголовок 1">
-            <a:extLst>
-              <a:ext uri="{FF2B5EF4-FFF2-40B4-BE49-F238E27FC236}">
-                <a16:creationId xmlns:a16="http://schemas.microsoft.com/office/drawing/2014/main" id="{B9ECE87C-6C7A-DE58-DC03-FE5ED9DA4F32}"/>
-              </a:ext>
-            </a:extLst>
-          </p:cNvPr>
+          <p:cNvPr id="2" name="Title Placeholder 1"/>
           <p:cNvSpPr>
             <a:spLocks noGrp="1"/>
           </p:cNvSpPr>
@@ -2798,8 +2501,8 @@
         </p:nvSpPr>
         <p:spPr>
           <a:xfrm>
-            <a:off x="838200" y="365125"/>
-            <a:ext cx="10515600" cy="1325563"/>
+            <a:off x="845127" y="365760"/>
+            <a:ext cx="10515600" cy="1325562"/>
           </a:xfrm>
           <a:prstGeom prst="rect">
             <a:avLst/>
@@ -2815,18 +2518,13 @@
               <a:rPr lang="ru-RU"/>
               <a:t>Образец заголовка</a:t>
             </a:r>
-          </a:p>
-        </p:txBody>
-      </p:sp>
-      <p:sp>
-        <p:nvSpPr>
-          <p:cNvPr id="3" name="Текст 2">
-            <a:extLst>
-              <a:ext uri="{FF2B5EF4-FFF2-40B4-BE49-F238E27FC236}">
-                <a16:creationId xmlns:a16="http://schemas.microsoft.com/office/drawing/2014/main" id="{BB4BF58C-C650-1408-D6A5-2F0E7DE3AE21}"/>
-              </a:ext>
-            </a:extLst>
-          </p:cNvPr>
+            <a:endParaRPr lang="en-US" dirty="0"/>
+          </a:p>
+        </p:txBody>
+      </p:sp>
+      <p:sp>
+        <p:nvSpPr>
+          <p:cNvPr id="3" name="Text Placeholder 2"/>
           <p:cNvSpPr>
             <a:spLocks noGrp="1"/>
           </p:cNvSpPr>
@@ -2836,8 +2534,8 @@
         </p:nvSpPr>
         <p:spPr>
           <a:xfrm>
-            <a:off x="838200" y="1825625"/>
-            <a:ext cx="10515600" cy="4351338"/>
+            <a:off x="845127" y="1828800"/>
+            <a:ext cx="10515600" cy="4351337"/>
           </a:xfrm>
           <a:prstGeom prst="rect">
             <a:avLst/>
@@ -2882,18 +2580,13 @@
               <a:rPr lang="ru-RU"/>
               <a:t>Пятый уровень</a:t>
             </a:r>
-          </a:p>
-        </p:txBody>
-      </p:sp>
-      <p:sp>
-        <p:nvSpPr>
-          <p:cNvPr id="4" name="Дата 3">
-            <a:extLst>
-              <a:ext uri="{FF2B5EF4-FFF2-40B4-BE49-F238E27FC236}">
-                <a16:creationId xmlns:a16="http://schemas.microsoft.com/office/drawing/2014/main" id="{C8B9F091-442E-6E6A-0178-D4B34B058849}"/>
-              </a:ext>
-            </a:extLst>
-          </p:cNvPr>
+            <a:endParaRPr lang="en-US" dirty="0"/>
+          </a:p>
+        </p:txBody>
+      </p:sp>
+      <p:sp>
+        <p:nvSpPr>
+          <p:cNvPr id="4" name="Date Placeholder 3"/>
           <p:cNvSpPr>
             <a:spLocks noGrp="1"/>
           </p:cNvSpPr>
@@ -2914,7 +2607,87 @@
           <a:bodyPr vert="horz" lIns="91440" tIns="45720" rIns="91440" bIns="45720" rtlCol="0" anchor="ctr"/>
           <a:lstStyle>
             <a:lvl1pPr algn="l">
-              <a:defRPr sz="1200">
+              <a:defRPr sz="1100">
+                <a:solidFill>
+                  <a:schemeClr val="tx1">
+                    <a:lumMod val="65000"/>
+                    <a:lumOff val="35000"/>
+                  </a:schemeClr>
+                </a:solidFill>
+              </a:defRPr>
+            </a:lvl1pPr>
+          </a:lstStyle>
+          <a:p>
+            <a:fld id="{0A9A872F-D9CB-4186-9C25-671FAF4AFD83}" type="datetimeFigureOut">
+              <a:rPr lang="ru-RU" smtClean="0"/>
+              <a:t>16.05.2022</a:t>
+            </a:fld>
+            <a:endParaRPr lang="ru-RU"/>
+          </a:p>
+        </p:txBody>
+      </p:sp>
+      <p:sp>
+        <p:nvSpPr>
+          <p:cNvPr id="5" name="Footer Placeholder 4"/>
+          <p:cNvSpPr>
+            <a:spLocks noGrp="1"/>
+          </p:cNvSpPr>
+          <p:nvPr>
+            <p:ph type="ftr" sz="quarter" idx="3"/>
+          </p:nvPr>
+        </p:nvSpPr>
+        <p:spPr>
+          <a:xfrm>
+            <a:off x="4038600" y="6356350"/>
+            <a:ext cx="4114800" cy="365125"/>
+          </a:xfrm>
+          <a:prstGeom prst="rect">
+            <a:avLst/>
+          </a:prstGeom>
+        </p:spPr>
+        <p:txBody>
+          <a:bodyPr vert="horz" lIns="91440" tIns="45720" rIns="91440" bIns="45720" rtlCol="0" anchor="ctr"/>
+          <a:lstStyle>
+            <a:lvl1pPr algn="ctr">
+              <a:defRPr sz="1100">
+                <a:solidFill>
+                  <a:schemeClr val="tx1">
+                    <a:lumMod val="65000"/>
+                    <a:lumOff val="35000"/>
+                  </a:schemeClr>
+                </a:solidFill>
+              </a:defRPr>
+            </a:lvl1pPr>
+          </a:lstStyle>
+          <a:p>
+            <a:endParaRPr lang="ru-RU"/>
+          </a:p>
+        </p:txBody>
+      </p:sp>
+      <p:sp>
+        <p:nvSpPr>
+          <p:cNvPr id="6" name="Slide Number Placeholder 5"/>
+          <p:cNvSpPr>
+            <a:spLocks noGrp="1"/>
+          </p:cNvSpPr>
+          <p:nvPr>
+            <p:ph type="sldNum" sz="quarter" idx="4"/>
+          </p:nvPr>
+        </p:nvSpPr>
+        <p:spPr>
+          <a:xfrm>
+            <a:off x="8617527" y="6356350"/>
+            <a:ext cx="2743200" cy="365125"/>
+          </a:xfrm>
+          <a:prstGeom prst="rect">
+            <a:avLst/>
+          </a:prstGeom>
+        </p:spPr>
+        <p:txBody>
+          <a:bodyPr vert="horz" lIns="91440" tIns="45720" rIns="91440" bIns="45720" rtlCol="0" anchor="ctr"/>
+          <a:lstStyle>
+            <a:lvl1pPr algn="r">
+              <a:defRPr sz="1100">
                 <a:solidFill>
                   <a:schemeClr val="tx1">
                     <a:tint val="75000"/>
@@ -2924,96 +2697,6 @@
             </a:lvl1pPr>
           </a:lstStyle>
           <a:p>
-            <a:fld id="{0A9A872F-D9CB-4186-9C25-671FAF4AFD83}" type="datetimeFigureOut">
-              <a:rPr lang="ru-RU" smtClean="0"/>
-              <a:t>15.05.2022</a:t>
-            </a:fld>
-            <a:endParaRPr lang="ru-RU"/>
-          </a:p>
-        </p:txBody>
-      </p:sp>
-      <p:sp>
-        <p:nvSpPr>
-          <p:cNvPr id="5" name="Нижний колонтитул 4">
-            <a:extLst>
-              <a:ext uri="{FF2B5EF4-FFF2-40B4-BE49-F238E27FC236}">
-                <a16:creationId xmlns:a16="http://schemas.microsoft.com/office/drawing/2014/main" id="{4E5E61D8-C928-A8A9-3A14-132BDB507EFE}"/>
-              </a:ext>
-            </a:extLst>
-          </p:cNvPr>
-          <p:cNvSpPr>
-            <a:spLocks noGrp="1"/>
-          </p:cNvSpPr>
-          <p:nvPr>
-            <p:ph type="ftr" sz="quarter" idx="3"/>
-          </p:nvPr>
-        </p:nvSpPr>
-        <p:spPr>
-          <a:xfrm>
-            <a:off x="4038600" y="6356350"/>
-            <a:ext cx="4114800" cy="365125"/>
-          </a:xfrm>
-          <a:prstGeom prst="rect">
-            <a:avLst/>
-          </a:prstGeom>
-        </p:spPr>
-        <p:txBody>
-          <a:bodyPr vert="horz" lIns="91440" tIns="45720" rIns="91440" bIns="45720" rtlCol="0" anchor="ctr"/>
-          <a:lstStyle>
-            <a:lvl1pPr algn="ctr">
-              <a:defRPr sz="1200">
-                <a:solidFill>
-                  <a:schemeClr val="tx1">
-                    <a:tint val="75000"/>
-                  </a:schemeClr>
-                </a:solidFill>
-              </a:defRPr>
-            </a:lvl1pPr>
-          </a:lstStyle>
-          <a:p>
-            <a:endParaRPr lang="ru-RU"/>
-          </a:p>
-        </p:txBody>
-      </p:sp>
-      <p:sp>
-        <p:nvSpPr>
-          <p:cNvPr id="6" name="Номер слайда 5">
-            <a:extLst>
-              <a:ext uri="{FF2B5EF4-FFF2-40B4-BE49-F238E27FC236}">
-                <a16:creationId xmlns:a16="http://schemas.microsoft.com/office/drawing/2014/main" id="{67B05B13-49AF-44B5-E140-08CC274003D8}"/>
-              </a:ext>
-            </a:extLst>
-          </p:cNvPr>
-          <p:cNvSpPr>
-            <a:spLocks noGrp="1"/>
-          </p:cNvSpPr>
-          <p:nvPr>
-            <p:ph type="sldNum" sz="quarter" idx="4"/>
-          </p:nvPr>
-        </p:nvSpPr>
-        <p:spPr>
-          <a:xfrm>
-            <a:off x="8610600" y="6356350"/>
-            <a:ext cx="2743200" cy="365125"/>
-          </a:xfrm>
-          <a:prstGeom prst="rect">
-            <a:avLst/>
-          </a:prstGeom>
-        </p:spPr>
-        <p:txBody>
-          <a:bodyPr vert="horz" lIns="91440" tIns="45720" rIns="91440" bIns="45720" rtlCol="0" anchor="ctr"/>
-          <a:lstStyle>
-            <a:lvl1pPr algn="r">
-              <a:defRPr sz="1200">
-                <a:solidFill>
-                  <a:schemeClr val="tx1">
-                    <a:tint val="75000"/>
-                  </a:schemeClr>
-                </a:solidFill>
-              </a:defRPr>
-            </a:lvl1pPr>
-          </a:lstStyle>
-          <a:p>
             <a:fld id="{EC157811-4F18-4BE9-99E1-3334EA3B142F}" type="slidenum">
               <a:rPr lang="ru-RU" smtClean="0"/>
               <a:t>‹#›</a:t>
@@ -3025,23 +2708,23 @@
     </p:spTree>
     <p:extLst>
       <p:ext uri="{BB962C8B-B14F-4D97-AF65-F5344CB8AC3E}">
-        <p14:creationId xmlns:p14="http://schemas.microsoft.com/office/powerpoint/2010/main" val="3949581316"/>
+        <p14:creationId xmlns:p14="http://schemas.microsoft.com/office/powerpoint/2010/main" val="3219940367"/>
       </p:ext>
     </p:extLst>
   </p:cSld>
   <p:clrMap bg1="lt1" tx1="dk1" bg2="lt2" tx2="dk2" accent1="accent1" accent2="accent2" accent3="accent3" accent4="accent4" accent5="accent5" accent6="accent6" hlink="hlink" folHlink="folHlink"/>
   <p:sldLayoutIdLst>
-    <p:sldLayoutId id="2147483649" r:id="rId1"/>
-    <p:sldLayoutId id="2147483650" r:id="rId2"/>
-    <p:sldLayoutId id="2147483651" r:id="rId3"/>
-    <p:sldLayoutId id="2147483652" r:id="rId4"/>
-    <p:sldLayoutId id="2147483653" r:id="rId5"/>
-    <p:sldLayoutId id="2147483654" r:id="rId6"/>
-    <p:sldLayoutId id="2147483655" r:id="rId7"/>
-    <p:sldLayoutId id="2147483656" r:id="rId8"/>
-    <p:sldLayoutId id="2147483657" r:id="rId9"/>
-    <p:sldLayoutId id="2147483658" r:id="rId10"/>
-    <p:sldLayoutId id="2147483659" r:id="rId11"/>
+    <p:sldLayoutId id="2147483661" r:id="rId1"/>
+    <p:sldLayoutId id="2147483662" r:id="rId2"/>
+    <p:sldLayoutId id="2147483663" r:id="rId3"/>
+    <p:sldLayoutId id="2147483664" r:id="rId4"/>
+    <p:sldLayoutId id="2147483665" r:id="rId5"/>
+    <p:sldLayoutId id="2147483666" r:id="rId6"/>
+    <p:sldLayoutId id="2147483667" r:id="rId7"/>
+    <p:sldLayoutId id="2147483668" r:id="rId8"/>
+    <p:sldLayoutId id="2147483669" r:id="rId9"/>
+    <p:sldLayoutId id="2147483670" r:id="rId10"/>
+    <p:sldLayoutId id="2147483671" r:id="rId11"/>
   </p:sldLayoutIdLst>
   <p:txStyles>
     <p:titleStyle>
@@ -3071,8 +2754,8 @@
         <a:spcBef>
           <a:spcPts val="1000"/>
         </a:spcBef>
-        <a:buFont typeface="Arial" panose="020B0604020202020204" pitchFamily="34" charset="0"/>
-        <a:buChar char="•"/>
+        <a:buFont typeface="Wingdings 2" pitchFamily="18" charset="2"/>
+        <a:buChar char=""/>
         <a:defRPr sz="2800" kern="1200">
           <a:solidFill>
             <a:schemeClr val="tx1"/>
@@ -3089,8 +2772,8 @@
         <a:spcBef>
           <a:spcPts val="500"/>
         </a:spcBef>
-        <a:buFont typeface="Arial" panose="020B0604020202020204" pitchFamily="34" charset="0"/>
-        <a:buChar char="•"/>
+        <a:buFont typeface="Wingdings 2" pitchFamily="18" charset="2"/>
+        <a:buChar char=""/>
         <a:defRPr sz="2400" kern="1200">
           <a:solidFill>
             <a:schemeClr val="tx1"/>
@@ -3107,8 +2790,8 @@
         <a:spcBef>
           <a:spcPts val="500"/>
         </a:spcBef>
-        <a:buFont typeface="Arial" panose="020B0604020202020204" pitchFamily="34" charset="0"/>
-        <a:buChar char="•"/>
+        <a:buFont typeface="Wingdings 2" pitchFamily="18" charset="2"/>
+        <a:buChar char=""/>
         <a:defRPr sz="2000" kern="1200">
           <a:solidFill>
             <a:schemeClr val="tx1"/>
@@ -3125,8 +2808,8 @@
         <a:spcBef>
           <a:spcPts val="500"/>
         </a:spcBef>
-        <a:buFont typeface="Arial" panose="020B0604020202020204" pitchFamily="34" charset="0"/>
-        <a:buChar char="•"/>
+        <a:buFont typeface="Wingdings 2" pitchFamily="18" charset="2"/>
+        <a:buChar char=""/>
         <a:defRPr sz="1800" kern="1200">
           <a:solidFill>
             <a:schemeClr val="tx1"/>
@@ -3143,8 +2826,8 @@
         <a:spcBef>
           <a:spcPts val="500"/>
         </a:spcBef>
-        <a:buFont typeface="Arial" panose="020B0604020202020204" pitchFamily="34" charset="0"/>
-        <a:buChar char="•"/>
+        <a:buFont typeface="Wingdings 2" pitchFamily="18" charset="2"/>
+        <a:buChar char=""/>
         <a:defRPr sz="1800" kern="1200">
           <a:solidFill>
             <a:schemeClr val="tx1"/>
@@ -3155,14 +2838,11 @@
         </a:defRPr>
       </a:lvl5pPr>
       <a:lvl6pPr marL="2514600" indent="-228600" algn="l" defTabSz="914400" rtl="0" eaLnBrk="1" latinLnBrk="0" hangingPunct="1">
-        <a:lnSpc>
-          <a:spcPct val="90000"/>
-        </a:lnSpc>
         <a:spcBef>
-          <a:spcPts val="500"/>
+          <a:spcPct val="20000"/>
         </a:spcBef>
-        <a:buFont typeface="Arial" panose="020B0604020202020204" pitchFamily="34" charset="0"/>
-        <a:buChar char="•"/>
+        <a:buFont typeface="Wingdings 2" pitchFamily="18" charset="2"/>
+        <a:buChar char=""/>
         <a:defRPr sz="1800" kern="1200">
           <a:solidFill>
             <a:schemeClr val="tx1"/>
@@ -3173,14 +2853,11 @@
         </a:defRPr>
       </a:lvl6pPr>
       <a:lvl7pPr marL="2971800" indent="-228600" algn="l" defTabSz="914400" rtl="0" eaLnBrk="1" latinLnBrk="0" hangingPunct="1">
-        <a:lnSpc>
-          <a:spcPct val="90000"/>
-        </a:lnSpc>
         <a:spcBef>
-          <a:spcPts val="500"/>
+          <a:spcPct val="20000"/>
         </a:spcBef>
-        <a:buFont typeface="Arial" panose="020B0604020202020204" pitchFamily="34" charset="0"/>
-        <a:buChar char="•"/>
+        <a:buFont typeface="Wingdings 2" pitchFamily="18" charset="2"/>
+        <a:buChar char=""/>
         <a:defRPr sz="1800" kern="1200">
           <a:solidFill>
             <a:schemeClr val="tx1"/>
@@ -3191,14 +2868,11 @@
         </a:defRPr>
       </a:lvl7pPr>
       <a:lvl8pPr marL="3429000" indent="-228600" algn="l" defTabSz="914400" rtl="0" eaLnBrk="1" latinLnBrk="0" hangingPunct="1">
-        <a:lnSpc>
-          <a:spcPct val="90000"/>
-        </a:lnSpc>
         <a:spcBef>
-          <a:spcPts val="500"/>
+          <a:spcPct val="20000"/>
         </a:spcBef>
-        <a:buFont typeface="Arial" panose="020B0604020202020204" pitchFamily="34" charset="0"/>
-        <a:buChar char="•"/>
+        <a:buFont typeface="Wingdings 2" pitchFamily="18" charset="2"/>
+        <a:buChar char=""/>
         <a:defRPr sz="1800" kern="1200">
           <a:solidFill>
             <a:schemeClr val="tx1"/>
@@ -3209,14 +2883,11 @@
         </a:defRPr>
       </a:lvl8pPr>
       <a:lvl9pPr marL="3886200" indent="-228600" algn="l" defTabSz="914400" rtl="0" eaLnBrk="1" latinLnBrk="0" hangingPunct="1">
-        <a:lnSpc>
-          <a:spcPct val="90000"/>
-        </a:lnSpc>
         <a:spcBef>
-          <a:spcPts val="500"/>
+          <a:spcPct val="20000"/>
         </a:spcBef>
-        <a:buFont typeface="Arial" panose="020B0604020202020204" pitchFamily="34" charset="0"/>
-        <a:buChar char="•"/>
+        <a:buFont typeface="Wingdings 2" pitchFamily="18" charset="2"/>
+        <a:buChar char=""/>
         <a:defRPr sz="1800" kern="1200">
           <a:solidFill>
             <a:schemeClr val="tx1"/>
@@ -3229,7 +2900,7 @@
     </p:bodyStyle>
     <p:otherStyle>
       <a:defPPr>
-        <a:defRPr lang="ru-RU"/>
+        <a:defRPr lang="en-US"/>
       </a:defPPr>
       <a:lvl1pPr marL="0" algn="l" defTabSz="914400" rtl="0" eaLnBrk="1" latinLnBrk="0" hangingPunct="1">
         <a:defRPr sz="1800" kern="1200">
@@ -3421,6 +3092,55 @@
           </a:p>
         </p:txBody>
       </p:sp>
+      <p:sp>
+        <p:nvSpPr>
+          <p:cNvPr id="4" name="Прямоугольник 3">
+            <a:extLst>
+              <a:ext uri="{FF2B5EF4-FFF2-40B4-BE49-F238E27FC236}">
+                <a16:creationId xmlns:a16="http://schemas.microsoft.com/office/drawing/2014/main" id="{65C0C0CB-470F-6F3C-071C-7EFA28A13426}"/>
+              </a:ext>
+            </a:extLst>
+          </p:cNvPr>
+          <p:cNvSpPr/>
+          <p:nvPr/>
+        </p:nvSpPr>
+        <p:spPr>
+          <a:xfrm>
+            <a:off x="234042" y="-43543"/>
+            <a:ext cx="642257" cy="6945086"/>
+          </a:xfrm>
+          <a:prstGeom prst="rect">
+            <a:avLst/>
+          </a:prstGeom>
+          <a:ln>
+            <a:noFill/>
+          </a:ln>
+        </p:spPr>
+        <p:style>
+          <a:lnRef idx="2">
+            <a:schemeClr val="accent3">
+              <a:shade val="50000"/>
+            </a:schemeClr>
+          </a:lnRef>
+          <a:fillRef idx="1">
+            <a:schemeClr val="accent3"/>
+          </a:fillRef>
+          <a:effectRef idx="0">
+            <a:schemeClr val="accent3"/>
+          </a:effectRef>
+          <a:fontRef idx="minor">
+            <a:schemeClr val="lt1"/>
+          </a:fontRef>
+        </p:style>
+        <p:txBody>
+          <a:bodyPr rtlCol="0" anchor="ctr"/>
+          <a:lstStyle/>
+          <a:p>
+            <a:pPr algn="ctr"/>
+            <a:endParaRPr lang="ru-RU"/>
+          </a:p>
+        </p:txBody>
+      </p:sp>
     </p:spTree>
     <p:extLst>
       <p:ext uri="{BB962C8B-B14F-4D97-AF65-F5344CB8AC3E}">
@@ -3456,7 +3176,7 @@
           <p:cNvPr id="2" name="Заголовок 1">
             <a:extLst>
               <a:ext uri="{FF2B5EF4-FFF2-40B4-BE49-F238E27FC236}">
-                <a16:creationId xmlns:a16="http://schemas.microsoft.com/office/drawing/2014/main" id="{814D474C-90BE-0440-D452-4921A1FF90A2}"/>
+                <a16:creationId xmlns:a16="http://schemas.microsoft.com/office/drawing/2014/main" id="{B658351B-378F-67E0-6EE3-CD9E7B01A50D}"/>
               </a:ext>
             </a:extLst>
           </p:cNvPr>
@@ -3474,7 +3194,7 @@
           <a:p>
             <a:r>
               <a:rPr lang="en-US" dirty="0"/>
-              <a:t>Scheme</a:t>
+              <a:t>VS Code extension</a:t>
             </a:r>
             <a:endParaRPr lang="ru-RU" dirty="0"/>
           </a:p>
@@ -3485,7 +3205,7 @@
           <p:cNvPr id="5" name="Объект 4">
             <a:extLst>
               <a:ext uri="{FF2B5EF4-FFF2-40B4-BE49-F238E27FC236}">
-                <a16:creationId xmlns:a16="http://schemas.microsoft.com/office/drawing/2014/main" id="{F9CD4709-E1EA-C0DF-51D1-C10FE13F5B36}"/>
+                <a16:creationId xmlns:a16="http://schemas.microsoft.com/office/drawing/2014/main" id="{0BBDAD8E-F512-1DF8-0509-81A8B16D1487}"/>
               </a:ext>
             </a:extLst>
           </p:cNvPr>
@@ -3510,15 +3230,173 @@
         </p:blipFill>
         <p:spPr>
           <a:xfrm>
-            <a:off x="4521306" y="1836511"/>
-            <a:ext cx="4673388" cy="4351338"/>
-          </a:xfrm>
+            <a:off x="1204957" y="3096905"/>
+            <a:ext cx="3367042" cy="3000334"/>
+          </a:xfrm>
+          <a:prstGeom prst="rect">
+            <a:avLst/>
+          </a:prstGeom>
+          <a:ln>
+            <a:noFill/>
+          </a:ln>
+          <a:effectLst>
+            <a:outerShdw blurRad="292100" dist="139700" dir="2700000" algn="tl" rotWithShape="0">
+              <a:srgbClr val="333333">
+                <a:alpha val="65000"/>
+              </a:srgbClr>
+            </a:outerShdw>
+          </a:effectLst>
         </p:spPr>
       </p:pic>
+      <p:pic>
+        <p:nvPicPr>
+          <p:cNvPr id="7" name="Рисунок 6">
+            <a:extLst>
+              <a:ext uri="{FF2B5EF4-FFF2-40B4-BE49-F238E27FC236}">
+                <a16:creationId xmlns:a16="http://schemas.microsoft.com/office/drawing/2014/main" id="{D3571923-ED7C-9945-8FE6-EA336EA41DD6}"/>
+              </a:ext>
+            </a:extLst>
+          </p:cNvPr>
+          <p:cNvPicPr>
+            <a:picLocks noChangeAspect="1"/>
+          </p:cNvPicPr>
+          <p:nvPr/>
+        </p:nvPicPr>
+        <p:blipFill>
+          <a:blip r:embed="rId3">
+            <a:extLst>
+              <a:ext uri="{28A0092B-C50C-407E-A947-70E740481C1C}">
+                <a14:useLocalDpi xmlns:a14="http://schemas.microsoft.com/office/drawing/2010/main" val="0"/>
+              </a:ext>
+            </a:extLst>
+          </a:blip>
+          <a:stretch>
+            <a:fillRect/>
+          </a:stretch>
+        </p:blipFill>
+        <p:spPr>
+          <a:xfrm>
+            <a:off x="5746351" y="646744"/>
+            <a:ext cx="5963475" cy="5564511"/>
+          </a:xfrm>
+          <a:prstGeom prst="rect">
+            <a:avLst/>
+          </a:prstGeom>
+          <a:ln>
+            <a:noFill/>
+          </a:ln>
+          <a:effectLst>
+            <a:outerShdw blurRad="292100" dist="139700" dir="2700000" algn="tl" rotWithShape="0">
+              <a:srgbClr val="333333">
+                <a:alpha val="65000"/>
+              </a:srgbClr>
+            </a:outerShdw>
+          </a:effectLst>
+        </p:spPr>
+      </p:pic>
+      <p:sp>
+        <p:nvSpPr>
+          <p:cNvPr id="3" name="TextBox 2">
+            <a:extLst>
+              <a:ext uri="{FF2B5EF4-FFF2-40B4-BE49-F238E27FC236}">
+                <a16:creationId xmlns:a16="http://schemas.microsoft.com/office/drawing/2014/main" id="{8EDE4A8E-65A4-2C7E-48C8-9E0DF8CFFFED}"/>
+              </a:ext>
+            </a:extLst>
+          </p:cNvPr>
+          <p:cNvSpPr txBox="1"/>
+          <p:nvPr/>
+        </p:nvSpPr>
+        <p:spPr>
+          <a:xfrm>
+            <a:off x="667232" y="1817915"/>
+            <a:ext cx="3243708" cy="954107"/>
+          </a:xfrm>
+          <a:prstGeom prst="rect">
+            <a:avLst/>
+          </a:prstGeom>
+          <a:noFill/>
+        </p:spPr>
+        <p:txBody>
+          <a:bodyPr wrap="none" rtlCol="0">
+            <a:spAutoFit/>
+          </a:bodyPr>
+          <a:lstStyle/>
+          <a:p>
+            <a:pPr marL="285750" indent="-285750">
+              <a:buFont typeface="Arial" panose="020B0604020202020204" pitchFamily="34" charset="0"/>
+              <a:buChar char="•"/>
+            </a:pPr>
+            <a:r>
+              <a:rPr lang="en-US" sz="2800" dirty="0"/>
+              <a:t>Syntax Highlighting</a:t>
+            </a:r>
+          </a:p>
+          <a:p>
+            <a:pPr marL="285750" indent="-285750">
+              <a:buFont typeface="Arial" panose="020B0604020202020204" pitchFamily="34" charset="0"/>
+              <a:buChar char="•"/>
+            </a:pPr>
+            <a:r>
+              <a:rPr lang="en-US" sz="2800" dirty="0"/>
+              <a:t>Snippets</a:t>
+            </a:r>
+            <a:endParaRPr lang="ru-RU" sz="2800" dirty="0"/>
+          </a:p>
+        </p:txBody>
+      </p:sp>
+      <p:sp>
+        <p:nvSpPr>
+          <p:cNvPr id="8" name="Прямоугольник 7">
+            <a:extLst>
+              <a:ext uri="{FF2B5EF4-FFF2-40B4-BE49-F238E27FC236}">
+                <a16:creationId xmlns:a16="http://schemas.microsoft.com/office/drawing/2014/main" id="{BA93D186-CE30-F700-AD39-E190E072360A}"/>
+              </a:ext>
+            </a:extLst>
+          </p:cNvPr>
+          <p:cNvSpPr/>
+          <p:nvPr/>
+        </p:nvSpPr>
+        <p:spPr>
+          <a:xfrm rot="2700000">
+            <a:off x="172141" y="-641689"/>
+            <a:ext cx="642257" cy="2298946"/>
+          </a:xfrm>
+          <a:prstGeom prst="rect">
+            <a:avLst/>
+          </a:prstGeom>
+          <a:ln>
+            <a:noFill/>
+          </a:ln>
+        </p:spPr>
+        <p:style>
+          <a:lnRef idx="2">
+            <a:schemeClr val="accent3">
+              <a:shade val="50000"/>
+            </a:schemeClr>
+          </a:lnRef>
+          <a:fillRef idx="1">
+            <a:schemeClr val="accent3"/>
+          </a:fillRef>
+          <a:effectRef idx="0">
+            <a:schemeClr val="accent3"/>
+          </a:effectRef>
+          <a:fontRef idx="minor">
+            <a:schemeClr val="lt1"/>
+          </a:fontRef>
+        </p:style>
+        <p:txBody>
+          <a:bodyPr rtlCol="0" anchor="ctr"/>
+          <a:lstStyle/>
+          <a:p>
+            <a:pPr algn="ctr"/>
+            <a:endParaRPr lang="ru-RU"/>
+          </a:p>
+        </p:txBody>
+      </p:sp>
     </p:spTree>
     <p:extLst>
       <p:ext uri="{BB962C8B-B14F-4D97-AF65-F5344CB8AC3E}">
-        <p14:creationId xmlns:p14="http://schemas.microsoft.com/office/powerpoint/2010/main" val="2234971504"/>
+        <p14:creationId xmlns:p14="http://schemas.microsoft.com/office/powerpoint/2010/main" val="3684385643"/>
       </p:ext>
     </p:extLst>
   </p:cSld>
@@ -3550,7 +3428,7 @@
           <p:cNvPr id="2" name="Заголовок 1">
             <a:extLst>
               <a:ext uri="{FF2B5EF4-FFF2-40B4-BE49-F238E27FC236}">
-                <a16:creationId xmlns:a16="http://schemas.microsoft.com/office/drawing/2014/main" id="{A6C966C2-D473-BFA0-F80F-AE502BB565D2}"/>
+                <a16:creationId xmlns:a16="http://schemas.microsoft.com/office/drawing/2014/main" id="{814D474C-90BE-0440-D452-4921A1FF90A2}"/>
               </a:ext>
             </a:extLst>
           </p:cNvPr>
@@ -3566,7 +3444,11 @@
           <a:bodyPr/>
           <a:lstStyle/>
           <a:p>
-            <a:endParaRPr lang="ru-RU"/>
+            <a:r>
+              <a:rPr lang="en-US" dirty="0"/>
+              <a:t>Scheme</a:t>
+            </a:r>
+            <a:endParaRPr lang="ru-RU" dirty="0"/>
           </a:p>
         </p:txBody>
       </p:sp>
@@ -3575,7 +3457,7 @@
           <p:cNvPr id="5" name="Объект 4">
             <a:extLst>
               <a:ext uri="{FF2B5EF4-FFF2-40B4-BE49-F238E27FC236}">
-                <a16:creationId xmlns:a16="http://schemas.microsoft.com/office/drawing/2014/main" id="{B7B5B3EA-16C5-7586-9E42-3A7923685E37}"/>
+                <a16:creationId xmlns:a16="http://schemas.microsoft.com/office/drawing/2014/main" id="{F9CD4709-E1EA-C0DF-51D1-C10FE13F5B36}"/>
               </a:ext>
             </a:extLst>
           </p:cNvPr>
@@ -3600,15 +3482,64 @@
         </p:blipFill>
         <p:spPr>
           <a:xfrm>
-            <a:off x="2683230" y="1825625"/>
-            <a:ext cx="6825539" cy="4351338"/>
+            <a:off x="3853544" y="167191"/>
+            <a:ext cx="7006441" cy="6523617"/>
           </a:xfrm>
         </p:spPr>
       </p:pic>
+      <p:sp>
+        <p:nvSpPr>
+          <p:cNvPr id="6" name="Прямоугольник 5">
+            <a:extLst>
+              <a:ext uri="{FF2B5EF4-FFF2-40B4-BE49-F238E27FC236}">
+                <a16:creationId xmlns:a16="http://schemas.microsoft.com/office/drawing/2014/main" id="{B92E2689-168A-F730-4CCE-07F1D1EE8876}"/>
+              </a:ext>
+            </a:extLst>
+          </p:cNvPr>
+          <p:cNvSpPr/>
+          <p:nvPr/>
+        </p:nvSpPr>
+        <p:spPr>
+          <a:xfrm rot="2700000">
+            <a:off x="172141" y="-641689"/>
+            <a:ext cx="642257" cy="2298946"/>
+          </a:xfrm>
+          <a:prstGeom prst="rect">
+            <a:avLst/>
+          </a:prstGeom>
+          <a:ln>
+            <a:noFill/>
+          </a:ln>
+        </p:spPr>
+        <p:style>
+          <a:lnRef idx="2">
+            <a:schemeClr val="accent3">
+              <a:shade val="50000"/>
+            </a:schemeClr>
+          </a:lnRef>
+          <a:fillRef idx="1">
+            <a:schemeClr val="accent3"/>
+          </a:fillRef>
+          <a:effectRef idx="0">
+            <a:schemeClr val="accent3"/>
+          </a:effectRef>
+          <a:fontRef idx="minor">
+            <a:schemeClr val="lt1"/>
+          </a:fontRef>
+        </p:style>
+        <p:txBody>
+          <a:bodyPr rtlCol="0" anchor="ctr"/>
+          <a:lstStyle/>
+          <a:p>
+            <a:pPr algn="ctr"/>
+            <a:endParaRPr lang="ru-RU"/>
+          </a:p>
+        </p:txBody>
+      </p:sp>
     </p:spTree>
     <p:extLst>
       <p:ext uri="{BB962C8B-B14F-4D97-AF65-F5344CB8AC3E}">
-        <p14:creationId xmlns:p14="http://schemas.microsoft.com/office/powerpoint/2010/main" val="1899531169"/>
+        <p14:creationId xmlns:p14="http://schemas.microsoft.com/office/powerpoint/2010/main" val="2234971504"/>
       </p:ext>
     </p:extLst>
   </p:cSld>
@@ -3640,7 +3571,7 @@
           <p:cNvPr id="2" name="Заголовок 1">
             <a:extLst>
               <a:ext uri="{FF2B5EF4-FFF2-40B4-BE49-F238E27FC236}">
-                <a16:creationId xmlns:a16="http://schemas.microsoft.com/office/drawing/2014/main" id="{05C9C41D-AFAB-99FF-2F53-1DCD8EFB3F04}"/>
+                <a16:creationId xmlns:a16="http://schemas.microsoft.com/office/drawing/2014/main" id="{A6C966C2-D473-BFA0-F80F-AE502BB565D2}"/>
               </a:ext>
             </a:extLst>
           </p:cNvPr>
@@ -3656,35 +3587,90 @@
           <a:bodyPr/>
           <a:lstStyle/>
           <a:p>
-            <a:r>
-              <a:rPr lang="en-US" dirty="0"/>
-              <a:t>Programs structure</a:t>
-            </a:r>
             <a:endParaRPr lang="ru-RU" dirty="0"/>
           </a:p>
         </p:txBody>
       </p:sp>
-      <p:sp>
-        <p:nvSpPr>
-          <p:cNvPr id="3" name="Объект 2">
+      <p:pic>
+        <p:nvPicPr>
+          <p:cNvPr id="5" name="Объект 4">
             <a:extLst>
               <a:ext uri="{FF2B5EF4-FFF2-40B4-BE49-F238E27FC236}">
-                <a16:creationId xmlns:a16="http://schemas.microsoft.com/office/drawing/2014/main" id="{C8091D6B-8624-8E03-1598-5E1ABCE38CAC}"/>
+                <a16:creationId xmlns:a16="http://schemas.microsoft.com/office/drawing/2014/main" id="{B7B5B3EA-16C5-7586-9E42-3A7923685E37}"/>
               </a:ext>
             </a:extLst>
           </p:cNvPr>
-          <p:cNvSpPr>
-            <a:spLocks noGrp="1"/>
-          </p:cNvSpPr>
+          <p:cNvPicPr>
+            <a:picLocks noGrp="1" noChangeAspect="1"/>
+          </p:cNvPicPr>
           <p:nvPr>
             <p:ph idx="1"/>
           </p:nvPr>
-        </p:nvSpPr>
-        <p:spPr/>
-        <p:txBody>
-          <a:bodyPr/>
-          <a:lstStyle/>
-          <a:p>
+        </p:nvPicPr>
+        <p:blipFill>
+          <a:blip r:embed="rId2">
+            <a:extLst>
+              <a:ext uri="{28A0092B-C50C-407E-A947-70E740481C1C}">
+                <a14:useLocalDpi xmlns:a14="http://schemas.microsoft.com/office/drawing/2010/main" val="0"/>
+              </a:ext>
+            </a:extLst>
+          </a:blip>
+          <a:stretch>
+            <a:fillRect/>
+          </a:stretch>
+        </p:blipFill>
+        <p:spPr>
+          <a:xfrm>
+            <a:off x="940233" y="142155"/>
+            <a:ext cx="10311534" cy="6573689"/>
+          </a:xfrm>
+        </p:spPr>
+      </p:pic>
+      <p:sp>
+        <p:nvSpPr>
+          <p:cNvPr id="6" name="Прямоугольник 5">
+            <a:extLst>
+              <a:ext uri="{FF2B5EF4-FFF2-40B4-BE49-F238E27FC236}">
+                <a16:creationId xmlns:a16="http://schemas.microsoft.com/office/drawing/2014/main" id="{AE9C3354-487C-34B8-F7EC-6CDCDF042500}"/>
+              </a:ext>
+            </a:extLst>
+          </p:cNvPr>
+          <p:cNvSpPr/>
+          <p:nvPr/>
+        </p:nvSpPr>
+        <p:spPr>
+          <a:xfrm rot="2700000">
+            <a:off x="172141" y="-641689"/>
+            <a:ext cx="642257" cy="2298946"/>
+          </a:xfrm>
+          <a:prstGeom prst="rect">
+            <a:avLst/>
+          </a:prstGeom>
+          <a:ln>
+            <a:noFill/>
+          </a:ln>
+        </p:spPr>
+        <p:style>
+          <a:lnRef idx="2">
+            <a:schemeClr val="accent3">
+              <a:shade val="50000"/>
+            </a:schemeClr>
+          </a:lnRef>
+          <a:fillRef idx="1">
+            <a:schemeClr val="accent3"/>
+          </a:fillRef>
+          <a:effectRef idx="0">
+            <a:schemeClr val="accent3"/>
+          </a:effectRef>
+          <a:fontRef idx="minor">
+            <a:schemeClr val="lt1"/>
+          </a:fontRef>
+        </p:style>
+        <p:txBody>
+          <a:bodyPr rtlCol="0" anchor="ctr"/>
+          <a:lstStyle/>
+          <a:p>
+            <a:pPr algn="ctr"/>
             <a:endParaRPr lang="ru-RU"/>
           </a:p>
         </p:txBody>
@@ -3692,7 +3678,7 @@
     </p:spTree>
     <p:extLst>
       <p:ext uri="{BB962C8B-B14F-4D97-AF65-F5344CB8AC3E}">
-        <p14:creationId xmlns:p14="http://schemas.microsoft.com/office/powerpoint/2010/main" val="1605070855"/>
+        <p14:creationId xmlns:p14="http://schemas.microsoft.com/office/powerpoint/2010/main" val="1899531169"/>
       </p:ext>
     </p:extLst>
   </p:cSld>
@@ -3764,7 +3750,12 @@
             <p:ph idx="1"/>
           </p:nvPr>
         </p:nvSpPr>
-        <p:spPr/>
+        <p:spPr>
+          <a:xfrm>
+            <a:off x="838200" y="1825625"/>
+            <a:ext cx="4985657" cy="4351338"/>
+          </a:xfrm>
+        </p:spPr>
         <p:txBody>
           <a:bodyPr/>
           <a:lstStyle/>
@@ -3786,6 +3777,109 @@
               <a:t>Uses a lot of memory</a:t>
             </a:r>
             <a:endParaRPr lang="ru-RU" dirty="0"/>
+          </a:p>
+        </p:txBody>
+      </p:sp>
+      <p:pic>
+        <p:nvPicPr>
+          <p:cNvPr id="1030" name="Picture 6" descr="520 Battleship Game Stock Photos and Images - 123RF">
+            <a:extLst>
+              <a:ext uri="{FF2B5EF4-FFF2-40B4-BE49-F238E27FC236}">
+                <a16:creationId xmlns:a16="http://schemas.microsoft.com/office/drawing/2014/main" id="{1DBB4AEA-2230-45A7-E107-AC2A0985D876}"/>
+              </a:ext>
+            </a:extLst>
+          </p:cNvPr>
+          <p:cNvPicPr>
+            <a:picLocks noChangeAspect="1" noChangeArrowheads="1"/>
+          </p:cNvPicPr>
+          <p:nvPr/>
+        </p:nvPicPr>
+        <p:blipFill rotWithShape="1">
+          <a:blip r:embed="rId2">
+            <a:extLst>
+              <a:ext uri="{28A0092B-C50C-407E-A947-70E740481C1C}">
+                <a14:useLocalDpi xmlns:a14="http://schemas.microsoft.com/office/drawing/2010/main" val="0"/>
+              </a:ext>
+            </a:extLst>
+          </a:blip>
+          <a:srcRect l="20826" t="8475" r="27365" b="15715"/>
+          <a:stretch/>
+        </p:blipFill>
+        <p:spPr bwMode="auto">
+          <a:xfrm>
+            <a:off x="6288636" y="1133701"/>
+            <a:ext cx="4705937" cy="4590597"/>
+          </a:xfrm>
+          <a:prstGeom prst="rect">
+            <a:avLst/>
+          </a:prstGeom>
+          <a:ln>
+            <a:noFill/>
+          </a:ln>
+          <a:effectLst>
+            <a:outerShdw blurRad="292100" dist="139700" dir="2700000" algn="tl" rotWithShape="0">
+              <a:srgbClr val="333333">
+                <a:alpha val="65000"/>
+              </a:srgbClr>
+            </a:outerShdw>
+          </a:effectLst>
+          <a:extLst>
+            <a:ext uri="{909E8E84-426E-40DD-AFC4-6F175D3DCCD1}">
+              <a14:hiddenFill xmlns:a14="http://schemas.microsoft.com/office/drawing/2010/main">
+                <a:solidFill>
+                  <a:srgbClr val="FFFFFF"/>
+                </a:solidFill>
+              </a14:hiddenFill>
+            </a:ext>
+          </a:extLst>
+        </p:spPr>
+      </p:pic>
+      <p:sp>
+        <p:nvSpPr>
+          <p:cNvPr id="6" name="Прямоугольник 5">
+            <a:extLst>
+              <a:ext uri="{FF2B5EF4-FFF2-40B4-BE49-F238E27FC236}">
+                <a16:creationId xmlns:a16="http://schemas.microsoft.com/office/drawing/2014/main" id="{3FDA1F79-9DC9-3B31-3B02-7132EDB2B952}"/>
+              </a:ext>
+            </a:extLst>
+          </p:cNvPr>
+          <p:cNvSpPr/>
+          <p:nvPr/>
+        </p:nvSpPr>
+        <p:spPr>
+          <a:xfrm rot="2700000">
+            <a:off x="172141" y="-641689"/>
+            <a:ext cx="642257" cy="2298946"/>
+          </a:xfrm>
+          <a:prstGeom prst="rect">
+            <a:avLst/>
+          </a:prstGeom>
+          <a:ln>
+            <a:noFill/>
+          </a:ln>
+        </p:spPr>
+        <p:style>
+          <a:lnRef idx="2">
+            <a:schemeClr val="accent3">
+              <a:shade val="50000"/>
+            </a:schemeClr>
+          </a:lnRef>
+          <a:fillRef idx="1">
+            <a:schemeClr val="accent3"/>
+          </a:fillRef>
+          <a:effectRef idx="0">
+            <a:schemeClr val="accent3"/>
+          </a:effectRef>
+          <a:fontRef idx="minor">
+            <a:schemeClr val="lt1"/>
+          </a:fontRef>
+        </p:style>
+        <p:txBody>
+          <a:bodyPr rtlCol="0" anchor="ctr"/>
+          <a:lstStyle/>
+          <a:p>
+            <a:pPr algn="ctr"/>
+            <a:endParaRPr lang="ru-RU"/>
           </a:p>
         </p:txBody>
       </p:sp>
@@ -3824,7 +3918,7 @@
           <p:cNvPr id="2" name="Заголовок 1">
             <a:extLst>
               <a:ext uri="{FF2B5EF4-FFF2-40B4-BE49-F238E27FC236}">
-                <a16:creationId xmlns:a16="http://schemas.microsoft.com/office/drawing/2014/main" id="{B5271B3B-BDEE-88EA-0A87-4066CAD722DC}"/>
+                <a16:creationId xmlns:a16="http://schemas.microsoft.com/office/drawing/2014/main" id="{05C9C41D-AFAB-99FF-2F53-1DCD8EFB3F04}"/>
               </a:ext>
             </a:extLst>
           </p:cNvPr>
@@ -3835,58 +3929,124 @@
             <p:ph type="title"/>
           </p:nvPr>
         </p:nvSpPr>
-        <p:spPr/>
+        <p:spPr>
+          <a:xfrm>
+            <a:off x="1222720" y="953587"/>
+            <a:ext cx="2913851" cy="1325562"/>
+          </a:xfrm>
+        </p:spPr>
         <p:txBody>
           <a:bodyPr/>
           <a:lstStyle/>
           <a:p>
             <a:r>
               <a:rPr lang="en-US" dirty="0"/>
-              <a:t>AI</a:t>
+              <a:t>Programs structure</a:t>
             </a:r>
             <a:endParaRPr lang="ru-RU" dirty="0"/>
           </a:p>
         </p:txBody>
       </p:sp>
-      <p:sp>
-        <p:nvSpPr>
-          <p:cNvPr id="3" name="Объект 2">
+      <p:pic>
+        <p:nvPicPr>
+          <p:cNvPr id="5" name="Объект 4">
             <a:extLst>
               <a:ext uri="{FF2B5EF4-FFF2-40B4-BE49-F238E27FC236}">
-                <a16:creationId xmlns:a16="http://schemas.microsoft.com/office/drawing/2014/main" id="{6E05E879-96D9-D792-0B4A-66E64DF9F89A}"/>
+                <a16:creationId xmlns:a16="http://schemas.microsoft.com/office/drawing/2014/main" id="{FC7478C3-6ACD-922D-576D-7D0CA6B8F82B}"/>
               </a:ext>
             </a:extLst>
           </p:cNvPr>
-          <p:cNvSpPr>
-            <a:spLocks noGrp="1"/>
-          </p:cNvSpPr>
+          <p:cNvPicPr>
+            <a:picLocks noGrp="1" noChangeAspect="1"/>
+          </p:cNvPicPr>
           <p:nvPr>
             <p:ph idx="1"/>
           </p:nvPr>
-        </p:nvSpPr>
-        <p:spPr/>
-        <p:txBody>
-          <a:bodyPr/>
-          <a:lstStyle/>
-          <a:p>
-            <a:r>
-              <a:rPr lang="en-US" dirty="0"/>
-              <a:t>Good AI</a:t>
-            </a:r>
-          </a:p>
-          <a:p>
-            <a:r>
-              <a:rPr lang="en-US" dirty="0"/>
-              <a:t>*picture*</a:t>
-            </a:r>
-            <a:endParaRPr lang="ru-RU" dirty="0"/>
+        </p:nvPicPr>
+        <p:blipFill rotWithShape="1">
+          <a:blip r:embed="rId2">
+            <a:extLst>
+              <a:ext uri="{28A0092B-C50C-407E-A947-70E740481C1C}">
+                <a14:useLocalDpi xmlns:a14="http://schemas.microsoft.com/office/drawing/2010/main" val="0"/>
+              </a:ext>
+            </a:extLst>
+          </a:blip>
+          <a:srcRect l="5683" t="5055" r="20290" b="5507"/>
+          <a:stretch/>
+        </p:blipFill>
+        <p:spPr>
+          <a:xfrm>
+            <a:off x="5006633" y="682594"/>
+            <a:ext cx="5731325" cy="5492811"/>
+          </a:xfrm>
+          <a:prstGeom prst="rect">
+            <a:avLst/>
+          </a:prstGeom>
+          <a:ln>
+            <a:noFill/>
+          </a:ln>
+          <a:effectLst>
+            <a:outerShdw blurRad="292100" dist="139700" dir="2700000" algn="tl" rotWithShape="0">
+              <a:srgbClr val="333333">
+                <a:alpha val="65000"/>
+              </a:srgbClr>
+            </a:outerShdw>
+          </a:effectLst>
+        </p:spPr>
+      </p:pic>
+      <p:sp>
+        <p:nvSpPr>
+          <p:cNvPr id="6" name="Прямоугольник 5">
+            <a:extLst>
+              <a:ext uri="{FF2B5EF4-FFF2-40B4-BE49-F238E27FC236}">
+                <a16:creationId xmlns:a16="http://schemas.microsoft.com/office/drawing/2014/main" id="{B002D6FF-7403-83C2-0574-7A21E19988B7}"/>
+              </a:ext>
+            </a:extLst>
+          </p:cNvPr>
+          <p:cNvSpPr/>
+          <p:nvPr/>
+        </p:nvSpPr>
+        <p:spPr>
+          <a:xfrm rot="2700000">
+            <a:off x="172141" y="-641689"/>
+            <a:ext cx="642257" cy="2298946"/>
+          </a:xfrm>
+          <a:prstGeom prst="rect">
+            <a:avLst/>
+          </a:prstGeom>
+          <a:ln>
+            <a:noFill/>
+          </a:ln>
+        </p:spPr>
+        <p:style>
+          <a:lnRef idx="2">
+            <a:schemeClr val="accent3">
+              <a:shade val="50000"/>
+            </a:schemeClr>
+          </a:lnRef>
+          <a:fillRef idx="1">
+            <a:schemeClr val="accent3"/>
+          </a:fillRef>
+          <a:effectRef idx="0">
+            <a:schemeClr val="accent3"/>
+          </a:effectRef>
+          <a:fontRef idx="minor">
+            <a:schemeClr val="lt1"/>
+          </a:fontRef>
+        </p:style>
+        <p:txBody>
+          <a:bodyPr rtlCol="0" anchor="ctr"/>
+          <a:lstStyle/>
+          <a:p>
+            <a:pPr algn="ctr"/>
+            <a:endParaRPr lang="ru-RU"/>
           </a:p>
         </p:txBody>
       </p:sp>
     </p:spTree>
     <p:extLst>
       <p:ext uri="{BB962C8B-B14F-4D97-AF65-F5344CB8AC3E}">
-        <p14:creationId xmlns:p14="http://schemas.microsoft.com/office/powerpoint/2010/main" val="3691521762"/>
+        <p14:creationId xmlns:p14="http://schemas.microsoft.com/office/powerpoint/2010/main" val="1605070855"/>
       </p:ext>
     </p:extLst>
   </p:cSld>
@@ -3918,7 +4078,7 @@
           <p:cNvPr id="2" name="Заголовок 1">
             <a:extLst>
               <a:ext uri="{FF2B5EF4-FFF2-40B4-BE49-F238E27FC236}">
-                <a16:creationId xmlns:a16="http://schemas.microsoft.com/office/drawing/2014/main" id="{E5369BBF-17FB-CFBC-9397-29EEDEBF7E5F}"/>
+                <a16:creationId xmlns:a16="http://schemas.microsoft.com/office/drawing/2014/main" id="{B1D6945B-E54A-6474-B28E-0B8934D966AA}"/>
               </a:ext>
             </a:extLst>
           </p:cNvPr>
@@ -3936,42 +4096,7 @@
           <a:p>
             <a:r>
               <a:rPr lang="en-US" dirty="0"/>
-              <a:t>C preprocessor	</a:t>
-            </a:r>
-            <a:endParaRPr lang="ru-RU" dirty="0"/>
-          </a:p>
-        </p:txBody>
-      </p:sp>
-      <p:sp>
-        <p:nvSpPr>
-          <p:cNvPr id="3" name="Объект 2">
-            <a:extLst>
-              <a:ext uri="{FF2B5EF4-FFF2-40B4-BE49-F238E27FC236}">
-                <a16:creationId xmlns:a16="http://schemas.microsoft.com/office/drawing/2014/main" id="{90016320-AF29-4AB0-C394-E3F6D530397A}"/>
-              </a:ext>
-            </a:extLst>
-          </p:cNvPr>
-          <p:cNvSpPr>
-            <a:spLocks noGrp="1"/>
-          </p:cNvSpPr>
-          <p:nvPr>
-            <p:ph idx="1"/>
-          </p:nvPr>
-        </p:nvSpPr>
-        <p:spPr/>
-        <p:txBody>
-          <a:bodyPr/>
-          <a:lstStyle/>
-          <a:p>
-            <a:r>
-              <a:rPr lang="en-US" dirty="0"/>
-              <a:t>Common constants</a:t>
-            </a:r>
-          </a:p>
-          <a:p>
-            <a:r>
-              <a:rPr lang="en-US" dirty="0"/>
-              <a:t>Libraries</a:t>
+              <a:t>Game logic</a:t>
             </a:r>
             <a:endParaRPr lang="ru-RU" dirty="0"/>
           </a:p>
@@ -3979,37 +4104,92 @@
       </p:sp>
       <p:pic>
         <p:nvPicPr>
-          <p:cNvPr id="4" name="Рисунок 3">
+          <p:cNvPr id="5" name="Объект 4">
             <a:extLst>
               <a:ext uri="{FF2B5EF4-FFF2-40B4-BE49-F238E27FC236}">
-                <a16:creationId xmlns:a16="http://schemas.microsoft.com/office/drawing/2014/main" id="{DBA3E7D1-F405-F863-25FC-0D44F2D02384}"/>
+                <a16:creationId xmlns:a16="http://schemas.microsoft.com/office/drawing/2014/main" id="{820DF886-2498-6BB2-BD4B-D3AD41A110DD}"/>
               </a:ext>
             </a:extLst>
           </p:cNvPr>
           <p:cNvPicPr>
-            <a:picLocks noChangeAspect="1"/>
+            <a:picLocks noGrp="1" noChangeAspect="1"/>
           </p:cNvPicPr>
-          <p:nvPr/>
+          <p:nvPr>
+            <p:ph idx="1"/>
+          </p:nvPr>
         </p:nvPicPr>
-        <p:blipFill rotWithShape="1">
-          <a:blip r:embed="rId2"/>
-          <a:srcRect l="9079" b="20550"/>
-          <a:stretch/>
+        <p:blipFill>
+          <a:blip r:embed="rId2">
+            <a:extLst>
+              <a:ext uri="{28A0092B-C50C-407E-A947-70E740481C1C}">
+                <a14:useLocalDpi xmlns:a14="http://schemas.microsoft.com/office/drawing/2010/main" val="0"/>
+              </a:ext>
+            </a:extLst>
+          </a:blip>
+          <a:stretch>
+            <a:fillRect/>
+          </a:stretch>
         </p:blipFill>
         <p:spPr>
           <a:xfrm>
-            <a:off x="4733925" y="2163081"/>
-            <a:ext cx="6772275" cy="3201081"/>
+            <a:off x="4064783" y="177566"/>
+            <a:ext cx="7655148" cy="6502868"/>
+          </a:xfrm>
+        </p:spPr>
+      </p:pic>
+      <p:sp>
+        <p:nvSpPr>
+          <p:cNvPr id="6" name="Прямоугольник 5">
+            <a:extLst>
+              <a:ext uri="{FF2B5EF4-FFF2-40B4-BE49-F238E27FC236}">
+                <a16:creationId xmlns:a16="http://schemas.microsoft.com/office/drawing/2014/main" id="{097EF63B-E698-27AB-ABCB-04BE8F5AFDC2}"/>
+              </a:ext>
+            </a:extLst>
+          </p:cNvPr>
+          <p:cNvSpPr/>
+          <p:nvPr/>
+        </p:nvSpPr>
+        <p:spPr>
+          <a:xfrm rot="2700000">
+            <a:off x="172141" y="-641689"/>
+            <a:ext cx="642257" cy="2298946"/>
           </a:xfrm>
           <a:prstGeom prst="rect">
             <a:avLst/>
           </a:prstGeom>
-        </p:spPr>
-      </p:pic>
+          <a:ln>
+            <a:noFill/>
+          </a:ln>
+        </p:spPr>
+        <p:style>
+          <a:lnRef idx="2">
+            <a:schemeClr val="accent3">
+              <a:shade val="50000"/>
+            </a:schemeClr>
+          </a:lnRef>
+          <a:fillRef idx="1">
+            <a:schemeClr val="accent3"/>
+          </a:fillRef>
+          <a:effectRef idx="0">
+            <a:schemeClr val="accent3"/>
+          </a:effectRef>
+          <a:fontRef idx="minor">
+            <a:schemeClr val="lt1"/>
+          </a:fontRef>
+        </p:style>
+        <p:txBody>
+          <a:bodyPr rtlCol="0" anchor="ctr"/>
+          <a:lstStyle/>
+          <a:p>
+            <a:pPr algn="ctr"/>
+            <a:endParaRPr lang="ru-RU"/>
+          </a:p>
+        </p:txBody>
+      </p:sp>
     </p:spTree>
     <p:extLst>
       <p:ext uri="{BB962C8B-B14F-4D97-AF65-F5344CB8AC3E}">
-        <p14:creationId xmlns:p14="http://schemas.microsoft.com/office/powerpoint/2010/main" val="2540069007"/>
+        <p14:creationId xmlns:p14="http://schemas.microsoft.com/office/powerpoint/2010/main" val="1776785430"/>
       </p:ext>
     </p:extLst>
   </p:cSld>
@@ -4041,7 +4221,7 @@
           <p:cNvPr id="2" name="Заголовок 1">
             <a:extLst>
               <a:ext uri="{FF2B5EF4-FFF2-40B4-BE49-F238E27FC236}">
-                <a16:creationId xmlns:a16="http://schemas.microsoft.com/office/drawing/2014/main" id="{C8E8CF20-FD76-276E-C3CC-6DD5F95FB5DA}"/>
+                <a16:creationId xmlns:a16="http://schemas.microsoft.com/office/drawing/2014/main" id="{B5271B3B-BDEE-88EA-0A87-4066CAD722DC}"/>
               </a:ext>
             </a:extLst>
           </p:cNvPr>
@@ -4052,48 +4232,112 @@
             <p:ph type="title"/>
           </p:nvPr>
         </p:nvSpPr>
-        <p:spPr/>
+        <p:spPr>
+          <a:xfrm>
+            <a:off x="838200" y="347618"/>
+            <a:ext cx="10515600" cy="1325562"/>
+          </a:xfrm>
+        </p:spPr>
         <p:txBody>
           <a:bodyPr/>
           <a:lstStyle/>
           <a:p>
             <a:r>
               <a:rPr lang="en-US" dirty="0"/>
-              <a:t>Code samples</a:t>
+              <a:t>AI logic</a:t>
             </a:r>
             <a:endParaRPr lang="ru-RU" dirty="0"/>
           </a:p>
         </p:txBody>
       </p:sp>
-      <p:sp>
-        <p:nvSpPr>
-          <p:cNvPr id="3" name="Объект 2">
+      <p:pic>
+        <p:nvPicPr>
+          <p:cNvPr id="7" name="Объект 6">
             <a:extLst>
               <a:ext uri="{FF2B5EF4-FFF2-40B4-BE49-F238E27FC236}">
-                <a16:creationId xmlns:a16="http://schemas.microsoft.com/office/drawing/2014/main" id="{10484030-C5C9-AE5D-92F1-A645820660BC}"/>
+                <a16:creationId xmlns:a16="http://schemas.microsoft.com/office/drawing/2014/main" id="{C2ADDC93-4A9E-A7F3-8639-5B7516CB1BE9}"/>
               </a:ext>
             </a:extLst>
           </p:cNvPr>
-          <p:cNvSpPr>
-            <a:spLocks noGrp="1"/>
-          </p:cNvSpPr>
+          <p:cNvPicPr>
+            <a:picLocks noGrp="1" noChangeAspect="1"/>
+          </p:cNvPicPr>
           <p:nvPr>
             <p:ph idx="1"/>
           </p:nvPr>
-        </p:nvSpPr>
-        <p:spPr/>
-        <p:txBody>
-          <a:bodyPr/>
-          <a:lstStyle/>
-          <a:p>
-            <a:endParaRPr lang="ru-RU" dirty="0"/>
+        </p:nvPicPr>
+        <p:blipFill>
+          <a:blip r:embed="rId2">
+            <a:extLst>
+              <a:ext uri="{28A0092B-C50C-407E-A947-70E740481C1C}">
+                <a14:useLocalDpi xmlns:a14="http://schemas.microsoft.com/office/drawing/2010/main" val="0"/>
+              </a:ext>
+            </a:extLst>
+          </a:blip>
+          <a:stretch>
+            <a:fillRect/>
+          </a:stretch>
+        </p:blipFill>
+        <p:spPr>
+          <a:xfrm>
+            <a:off x="3048001" y="-1"/>
+            <a:ext cx="9144000" cy="6813957"/>
+          </a:xfrm>
+        </p:spPr>
+      </p:pic>
+      <p:sp>
+        <p:nvSpPr>
+          <p:cNvPr id="5" name="Прямоугольник 4">
+            <a:extLst>
+              <a:ext uri="{FF2B5EF4-FFF2-40B4-BE49-F238E27FC236}">
+                <a16:creationId xmlns:a16="http://schemas.microsoft.com/office/drawing/2014/main" id="{57AB90F5-C6B9-A371-CD39-EBDADC86CB4B}"/>
+              </a:ext>
+            </a:extLst>
+          </p:cNvPr>
+          <p:cNvSpPr/>
+          <p:nvPr/>
+        </p:nvSpPr>
+        <p:spPr>
+          <a:xfrm rot="2700000">
+            <a:off x="172141" y="-641689"/>
+            <a:ext cx="642257" cy="2298946"/>
+          </a:xfrm>
+          <a:prstGeom prst="rect">
+            <a:avLst/>
+          </a:prstGeom>
+          <a:ln>
+            <a:noFill/>
+          </a:ln>
+        </p:spPr>
+        <p:style>
+          <a:lnRef idx="2">
+            <a:schemeClr val="accent3">
+              <a:shade val="50000"/>
+            </a:schemeClr>
+          </a:lnRef>
+          <a:fillRef idx="1">
+            <a:schemeClr val="accent3"/>
+          </a:fillRef>
+          <a:effectRef idx="0">
+            <a:schemeClr val="accent3"/>
+          </a:effectRef>
+          <a:fontRef idx="minor">
+            <a:schemeClr val="lt1"/>
+          </a:fontRef>
+        </p:style>
+        <p:txBody>
+          <a:bodyPr rtlCol="0" anchor="ctr"/>
+          <a:lstStyle/>
+          <a:p>
+            <a:pPr algn="ctr"/>
+            <a:endParaRPr lang="ru-RU"/>
           </a:p>
         </p:txBody>
       </p:sp>
     </p:spTree>
     <p:extLst>
       <p:ext uri="{BB962C8B-B14F-4D97-AF65-F5344CB8AC3E}">
-        <p14:creationId xmlns:p14="http://schemas.microsoft.com/office/powerpoint/2010/main" val="2300410717"/>
+        <p14:creationId xmlns:p14="http://schemas.microsoft.com/office/powerpoint/2010/main" val="3691521762"/>
       </p:ext>
     </p:extLst>
   </p:cSld>
@@ -4125,7 +4369,7 @@
           <p:cNvPr id="2" name="Заголовок 1">
             <a:extLst>
               <a:ext uri="{FF2B5EF4-FFF2-40B4-BE49-F238E27FC236}">
-                <a16:creationId xmlns:a16="http://schemas.microsoft.com/office/drawing/2014/main" id="{3E10851A-69BE-3873-4CB5-6B27539ECCA7}"/>
+                <a16:creationId xmlns:a16="http://schemas.microsoft.com/office/drawing/2014/main" id="{E5369BBF-17FB-CFBC-9397-29EEDEBF7E5F}"/>
               </a:ext>
             </a:extLst>
           </p:cNvPr>
@@ -4143,11 +4387,7 @@
           <a:p>
             <a:r>
               <a:rPr lang="en-US" dirty="0"/>
-              <a:t>Switch to </a:t>
-            </a:r>
-            <a:r>
-              <a:rPr lang="en-US" dirty="0" err="1"/>
-              <a:t>logisim</a:t>
+              <a:t>C preprocessor	</a:t>
             </a:r>
             <a:endParaRPr lang="ru-RU" dirty="0"/>
           </a:p>
@@ -4158,7 +4398,7 @@
           <p:cNvPr id="3" name="Объект 2">
             <a:extLst>
               <a:ext uri="{FF2B5EF4-FFF2-40B4-BE49-F238E27FC236}">
-                <a16:creationId xmlns:a16="http://schemas.microsoft.com/office/drawing/2014/main" id="{39FB5322-CCEE-F2E2-5921-6A8A23A1DF57}"/>
+                <a16:creationId xmlns:a16="http://schemas.microsoft.com/office/drawing/2014/main" id="{90016320-AF29-4AB0-C394-E3F6D530397A}"/>
               </a:ext>
             </a:extLst>
           </p:cNvPr>
@@ -4174,6 +4414,104 @@
           <a:bodyPr/>
           <a:lstStyle/>
           <a:p>
+            <a:r>
+              <a:rPr lang="en-US" dirty="0"/>
+              <a:t>Common constants</a:t>
+            </a:r>
+          </a:p>
+          <a:p>
+            <a:r>
+              <a:rPr lang="en-US" dirty="0"/>
+              <a:t>Libraries</a:t>
+            </a:r>
+            <a:endParaRPr lang="ru-RU" dirty="0"/>
+          </a:p>
+        </p:txBody>
+      </p:sp>
+      <p:pic>
+        <p:nvPicPr>
+          <p:cNvPr id="4" name="Рисунок 3">
+            <a:extLst>
+              <a:ext uri="{FF2B5EF4-FFF2-40B4-BE49-F238E27FC236}">
+                <a16:creationId xmlns:a16="http://schemas.microsoft.com/office/drawing/2014/main" id="{DBA3E7D1-F405-F863-25FC-0D44F2D02384}"/>
+              </a:ext>
+            </a:extLst>
+          </p:cNvPr>
+          <p:cNvPicPr>
+            <a:picLocks noChangeAspect="1"/>
+          </p:cNvPicPr>
+          <p:nvPr/>
+        </p:nvPicPr>
+        <p:blipFill rotWithShape="1">
+          <a:blip r:embed="rId2"/>
+          <a:srcRect l="9079" b="20550"/>
+          <a:stretch/>
+        </p:blipFill>
+        <p:spPr>
+          <a:xfrm>
+            <a:off x="4430485" y="1664127"/>
+            <a:ext cx="7467603" cy="3529745"/>
+          </a:xfrm>
+          <a:prstGeom prst="rect">
+            <a:avLst/>
+          </a:prstGeom>
+          <a:ln>
+            <a:noFill/>
+          </a:ln>
+          <a:effectLst>
+            <a:outerShdw blurRad="292100" dist="139700" dir="2700000" algn="tl" rotWithShape="0">
+              <a:srgbClr val="333333">
+                <a:alpha val="65000"/>
+              </a:srgbClr>
+            </a:outerShdw>
+          </a:effectLst>
+        </p:spPr>
+      </p:pic>
+      <p:sp>
+        <p:nvSpPr>
+          <p:cNvPr id="6" name="Прямоугольник 5">
+            <a:extLst>
+              <a:ext uri="{FF2B5EF4-FFF2-40B4-BE49-F238E27FC236}">
+                <a16:creationId xmlns:a16="http://schemas.microsoft.com/office/drawing/2014/main" id="{A52713EA-B6B0-14F0-58EB-8C254F1B6A89}"/>
+              </a:ext>
+            </a:extLst>
+          </p:cNvPr>
+          <p:cNvSpPr/>
+          <p:nvPr/>
+        </p:nvSpPr>
+        <p:spPr>
+          <a:xfrm rot="2700000">
+            <a:off x="172141" y="-641689"/>
+            <a:ext cx="642257" cy="2298946"/>
+          </a:xfrm>
+          <a:prstGeom prst="rect">
+            <a:avLst/>
+          </a:prstGeom>
+          <a:ln>
+            <a:noFill/>
+          </a:ln>
+        </p:spPr>
+        <p:style>
+          <a:lnRef idx="2">
+            <a:schemeClr val="accent3">
+              <a:shade val="50000"/>
+            </a:schemeClr>
+          </a:lnRef>
+          <a:fillRef idx="1">
+            <a:schemeClr val="accent3"/>
+          </a:fillRef>
+          <a:effectRef idx="0">
+            <a:schemeClr val="accent3"/>
+          </a:effectRef>
+          <a:fontRef idx="minor">
+            <a:schemeClr val="lt1"/>
+          </a:fontRef>
+        </p:style>
+        <p:txBody>
+          <a:bodyPr rtlCol="0" anchor="ctr"/>
+          <a:lstStyle/>
+          <a:p>
+            <a:pPr algn="ctr"/>
             <a:endParaRPr lang="ru-RU"/>
           </a:p>
         </p:txBody>
@@ -4181,7 +4519,7 @@
     </p:spTree>
     <p:extLst>
       <p:ext uri="{BB962C8B-B14F-4D97-AF65-F5344CB8AC3E}">
-        <p14:creationId xmlns:p14="http://schemas.microsoft.com/office/powerpoint/2010/main" val="722721471"/>
+        <p14:creationId xmlns:p14="http://schemas.microsoft.com/office/powerpoint/2010/main" val="2540069007"/>
       </p:ext>
     </p:extLst>
   </p:cSld>
@@ -4213,7 +4551,7 @@
           <p:cNvPr id="2" name="Заголовок 1">
             <a:extLst>
               <a:ext uri="{FF2B5EF4-FFF2-40B4-BE49-F238E27FC236}">
-                <a16:creationId xmlns:a16="http://schemas.microsoft.com/office/drawing/2014/main" id="{5656E548-92E9-31CA-0260-A789155CE7F3}"/>
+                <a16:creationId xmlns:a16="http://schemas.microsoft.com/office/drawing/2014/main" id="{C8E8CF20-FD76-276E-C3CC-6DD5F95FB5DA}"/>
               </a:ext>
             </a:extLst>
           </p:cNvPr>
@@ -4231,7 +4569,7 @@
           <a:p>
             <a:r>
               <a:rPr lang="en-US" dirty="0"/>
-              <a:t>Conclusion</a:t>
+              <a:t>Code samples</a:t>
             </a:r>
             <a:endParaRPr lang="ru-RU" dirty="0"/>
           </a:p>
@@ -4242,7 +4580,7 @@
           <p:cNvPr id="3" name="Объект 2">
             <a:extLst>
               <a:ext uri="{FF2B5EF4-FFF2-40B4-BE49-F238E27FC236}">
-                <a16:creationId xmlns:a16="http://schemas.microsoft.com/office/drawing/2014/main" id="{9FBDF68F-597E-FE50-BF89-016AC4871FC3}"/>
+                <a16:creationId xmlns:a16="http://schemas.microsoft.com/office/drawing/2014/main" id="{10484030-C5C9-AE5D-92F1-A645820660BC}"/>
               </a:ext>
             </a:extLst>
           </p:cNvPr>
@@ -4258,18 +4596,258 @@
           <a:bodyPr/>
           <a:lstStyle/>
           <a:p>
-            <a:r>
-              <a:rPr lang="en-US" dirty="0"/>
-              <a:t>Great project</a:t>
-            </a:r>
             <a:endParaRPr lang="ru-RU" dirty="0"/>
+          </a:p>
+        </p:txBody>
+      </p:sp>
+      <p:pic>
+        <p:nvPicPr>
+          <p:cNvPr id="5" name="Рисунок 4">
+            <a:extLst>
+              <a:ext uri="{FF2B5EF4-FFF2-40B4-BE49-F238E27FC236}">
+                <a16:creationId xmlns:a16="http://schemas.microsoft.com/office/drawing/2014/main" id="{4CC54C9A-7F5B-BC95-3A87-7BE357705F59}"/>
+              </a:ext>
+            </a:extLst>
+          </p:cNvPr>
+          <p:cNvPicPr>
+            <a:picLocks noChangeAspect="1"/>
+          </p:cNvPicPr>
+          <p:nvPr/>
+        </p:nvPicPr>
+        <p:blipFill>
+          <a:blip r:embed="rId2"/>
+          <a:stretch>
+            <a:fillRect/>
+          </a:stretch>
+        </p:blipFill>
+        <p:spPr>
+          <a:xfrm>
+            <a:off x="4844143" y="677863"/>
+            <a:ext cx="7146536" cy="5415302"/>
+          </a:xfrm>
+          <a:prstGeom prst="rect">
+            <a:avLst/>
+          </a:prstGeom>
+          <a:ln>
+            <a:noFill/>
+          </a:ln>
+          <a:effectLst>
+            <a:outerShdw blurRad="292100" dist="139700" dir="2700000" algn="tl" rotWithShape="0">
+              <a:srgbClr val="333333">
+                <a:alpha val="65000"/>
+              </a:srgbClr>
+            </a:outerShdw>
+          </a:effectLst>
+        </p:spPr>
+      </p:pic>
+      <p:pic>
+        <p:nvPicPr>
+          <p:cNvPr id="7" name="Рисунок 6">
+            <a:extLst>
+              <a:ext uri="{FF2B5EF4-FFF2-40B4-BE49-F238E27FC236}">
+                <a16:creationId xmlns:a16="http://schemas.microsoft.com/office/drawing/2014/main" id="{B5065938-0017-94D6-66EA-EA48C9700FDB}"/>
+              </a:ext>
+            </a:extLst>
+          </p:cNvPr>
+          <p:cNvPicPr>
+            <a:picLocks noChangeAspect="1"/>
+          </p:cNvPicPr>
+          <p:nvPr/>
+        </p:nvPicPr>
+        <p:blipFill>
+          <a:blip r:embed="rId3"/>
+          <a:stretch>
+            <a:fillRect/>
+          </a:stretch>
+        </p:blipFill>
+        <p:spPr>
+          <a:xfrm>
+            <a:off x="378461" y="1828800"/>
+            <a:ext cx="4141540" cy="4029983"/>
+          </a:xfrm>
+          <a:prstGeom prst="rect">
+            <a:avLst/>
+          </a:prstGeom>
+          <a:ln>
+            <a:noFill/>
+          </a:ln>
+          <a:effectLst>
+            <a:outerShdw blurRad="292100" dist="139700" dir="2700000" algn="tl" rotWithShape="0">
+              <a:srgbClr val="333333">
+                <a:alpha val="65000"/>
+              </a:srgbClr>
+            </a:outerShdw>
+          </a:effectLst>
+        </p:spPr>
+      </p:pic>
+      <p:sp>
+        <p:nvSpPr>
+          <p:cNvPr id="6" name="Прямоугольник 5">
+            <a:extLst>
+              <a:ext uri="{FF2B5EF4-FFF2-40B4-BE49-F238E27FC236}">
+                <a16:creationId xmlns:a16="http://schemas.microsoft.com/office/drawing/2014/main" id="{D450995E-F90F-D829-3A5C-2BC6D1BC022D}"/>
+              </a:ext>
+            </a:extLst>
+          </p:cNvPr>
+          <p:cNvSpPr/>
+          <p:nvPr/>
+        </p:nvSpPr>
+        <p:spPr>
+          <a:xfrm rot="2700000">
+            <a:off x="172141" y="-641689"/>
+            <a:ext cx="642257" cy="2298946"/>
+          </a:xfrm>
+          <a:prstGeom prst="rect">
+            <a:avLst/>
+          </a:prstGeom>
+          <a:ln>
+            <a:noFill/>
+          </a:ln>
+        </p:spPr>
+        <p:style>
+          <a:lnRef idx="2">
+            <a:schemeClr val="accent3">
+              <a:shade val="50000"/>
+            </a:schemeClr>
+          </a:lnRef>
+          <a:fillRef idx="1">
+            <a:schemeClr val="accent3"/>
+          </a:fillRef>
+          <a:effectRef idx="0">
+            <a:schemeClr val="accent3"/>
+          </a:effectRef>
+          <a:fontRef idx="minor">
+            <a:schemeClr val="lt1"/>
+          </a:fontRef>
+        </p:style>
+        <p:txBody>
+          <a:bodyPr rtlCol="0" anchor="ctr"/>
+          <a:lstStyle/>
+          <a:p>
+            <a:pPr algn="ctr"/>
+            <a:endParaRPr lang="ru-RU"/>
           </a:p>
         </p:txBody>
       </p:sp>
     </p:spTree>
     <p:extLst>
       <p:ext uri="{BB962C8B-B14F-4D97-AF65-F5344CB8AC3E}">
-        <p14:creationId xmlns:p14="http://schemas.microsoft.com/office/powerpoint/2010/main" val="2057280299"/>
+        <p14:creationId xmlns:p14="http://schemas.microsoft.com/office/powerpoint/2010/main" val="2300410717"/>
+      </p:ext>
+    </p:extLst>
+  </p:cSld>
+  <p:clrMapOvr>
+    <a:masterClrMapping/>
+  </p:clrMapOvr>
+</p:sld>
+</file>
+
+<file path=ppt/slides/slide19.xml><?xml version="1.0" encoding="utf-8"?>
+<p:sld xmlns:a="http://schemas.openxmlformats.org/drawingml/2006/main" xmlns:r="http://schemas.openxmlformats.org/officeDocument/2006/relationships" xmlns:p="http://schemas.openxmlformats.org/presentationml/2006/main">
+  <p:cSld>
+    <p:spTree>
+      <p:nvGrpSpPr>
+        <p:cNvPr id="1" name=""/>
+        <p:cNvGrpSpPr/>
+        <p:nvPr/>
+      </p:nvGrpSpPr>
+      <p:grpSpPr>
+        <a:xfrm>
+          <a:off x="0" y="0"/>
+          <a:ext cx="0" cy="0"/>
+          <a:chOff x="0" y="0"/>
+          <a:chExt cx="0" cy="0"/>
+        </a:xfrm>
+      </p:grpSpPr>
+      <p:sp>
+        <p:nvSpPr>
+          <p:cNvPr id="2" name="Заголовок 1">
+            <a:extLst>
+              <a:ext uri="{FF2B5EF4-FFF2-40B4-BE49-F238E27FC236}">
+                <a16:creationId xmlns:a16="http://schemas.microsoft.com/office/drawing/2014/main" id="{3E10851A-69BE-3873-4CB5-6B27539ECCA7}"/>
+              </a:ext>
+            </a:extLst>
+          </p:cNvPr>
+          <p:cNvSpPr>
+            <a:spLocks noGrp="1"/>
+          </p:cNvSpPr>
+          <p:nvPr>
+            <p:ph type="title"/>
+          </p:nvPr>
+        </p:nvSpPr>
+        <p:spPr>
+          <a:xfrm>
+            <a:off x="3896273" y="2766219"/>
+            <a:ext cx="4776826" cy="1325562"/>
+          </a:xfrm>
+        </p:spPr>
+        <p:txBody>
+          <a:bodyPr>
+            <a:normAutofit fontScale="90000"/>
+          </a:bodyPr>
+          <a:lstStyle/>
+          <a:p>
+            <a:r>
+              <a:rPr lang="en-US" sz="4800" dirty="0"/>
+              <a:t>Let’s go to Logisim!</a:t>
+            </a:r>
+            <a:endParaRPr lang="ru-RU" sz="4800" dirty="0"/>
+          </a:p>
+        </p:txBody>
+      </p:sp>
+      <p:sp>
+        <p:nvSpPr>
+          <p:cNvPr id="5" name="Прямоугольник 4">
+            <a:extLst>
+              <a:ext uri="{FF2B5EF4-FFF2-40B4-BE49-F238E27FC236}">
+                <a16:creationId xmlns:a16="http://schemas.microsoft.com/office/drawing/2014/main" id="{61C8592F-A055-0665-489D-68456B1D91DD}"/>
+              </a:ext>
+            </a:extLst>
+          </p:cNvPr>
+          <p:cNvSpPr/>
+          <p:nvPr/>
+        </p:nvSpPr>
+        <p:spPr>
+          <a:xfrm>
+            <a:off x="234042" y="-43543"/>
+            <a:ext cx="642257" cy="6945086"/>
+          </a:xfrm>
+          <a:prstGeom prst="rect">
+            <a:avLst/>
+          </a:prstGeom>
+          <a:ln>
+            <a:noFill/>
+          </a:ln>
+        </p:spPr>
+        <p:style>
+          <a:lnRef idx="2">
+            <a:schemeClr val="accent3">
+              <a:shade val="50000"/>
+            </a:schemeClr>
+          </a:lnRef>
+          <a:fillRef idx="1">
+            <a:schemeClr val="accent3"/>
+          </a:fillRef>
+          <a:effectRef idx="0">
+            <a:schemeClr val="accent3"/>
+          </a:effectRef>
+          <a:fontRef idx="minor">
+            <a:schemeClr val="lt1"/>
+          </a:fontRef>
+        </p:style>
+        <p:txBody>
+          <a:bodyPr rtlCol="0" anchor="ctr"/>
+          <a:lstStyle/>
+          <a:p>
+            <a:pPr algn="ctr"/>
+            <a:endParaRPr lang="ru-RU"/>
+          </a:p>
+        </p:txBody>
+      </p:sp>
+    </p:spTree>
+    <p:extLst>
+      <p:ext uri="{BB962C8B-B14F-4D97-AF65-F5344CB8AC3E}">
+        <p14:creationId xmlns:p14="http://schemas.microsoft.com/office/powerpoint/2010/main" val="722721471"/>
       </p:ext>
     </p:extLst>
   </p:cSld>
@@ -4351,6 +4929,55 @@
               <a:t>In our project we deiced not to design proprietary devices, but to develop a universal platform, that have a lot of applications and can be configured to solve different tasks.</a:t>
             </a:r>
             <a:endParaRPr lang="ru-RU" dirty="0"/>
+          </a:p>
+        </p:txBody>
+      </p:sp>
+      <p:sp>
+        <p:nvSpPr>
+          <p:cNvPr id="6" name="Прямоугольник 5">
+            <a:extLst>
+              <a:ext uri="{FF2B5EF4-FFF2-40B4-BE49-F238E27FC236}">
+                <a16:creationId xmlns:a16="http://schemas.microsoft.com/office/drawing/2014/main" id="{EF53B7CA-EF02-8422-C77A-BE90A8C5E8A7}"/>
+              </a:ext>
+            </a:extLst>
+          </p:cNvPr>
+          <p:cNvSpPr/>
+          <p:nvPr/>
+        </p:nvSpPr>
+        <p:spPr>
+          <a:xfrm rot="2700000">
+            <a:off x="172141" y="-641689"/>
+            <a:ext cx="642257" cy="2298946"/>
+          </a:xfrm>
+          <a:prstGeom prst="rect">
+            <a:avLst/>
+          </a:prstGeom>
+          <a:ln>
+            <a:noFill/>
+          </a:ln>
+        </p:spPr>
+        <p:style>
+          <a:lnRef idx="2">
+            <a:schemeClr val="accent3">
+              <a:shade val="50000"/>
+            </a:schemeClr>
+          </a:lnRef>
+          <a:fillRef idx="1">
+            <a:schemeClr val="accent3"/>
+          </a:fillRef>
+          <a:effectRef idx="0">
+            <a:schemeClr val="accent3"/>
+          </a:effectRef>
+          <a:fontRef idx="minor">
+            <a:schemeClr val="lt1"/>
+          </a:fontRef>
+        </p:style>
+        <p:txBody>
+          <a:bodyPr rtlCol="0" anchor="ctr"/>
+          <a:lstStyle/>
+          <a:p>
+            <a:pPr algn="ctr"/>
+            <a:endParaRPr lang="ru-RU"/>
           </a:p>
         </p:txBody>
       </p:sp>
@@ -4484,6 +5111,55 @@
           </a:prstGeom>
         </p:spPr>
       </p:pic>
+      <p:sp>
+        <p:nvSpPr>
+          <p:cNvPr id="8" name="Прямоугольник 7">
+            <a:extLst>
+              <a:ext uri="{FF2B5EF4-FFF2-40B4-BE49-F238E27FC236}">
+                <a16:creationId xmlns:a16="http://schemas.microsoft.com/office/drawing/2014/main" id="{15026FD7-D6BD-59EB-FFD5-6AA8C502F10C}"/>
+              </a:ext>
+            </a:extLst>
+          </p:cNvPr>
+          <p:cNvSpPr/>
+          <p:nvPr/>
+        </p:nvSpPr>
+        <p:spPr>
+          <a:xfrm rot="2700000">
+            <a:off x="172141" y="-641689"/>
+            <a:ext cx="642257" cy="2298946"/>
+          </a:xfrm>
+          <a:prstGeom prst="rect">
+            <a:avLst/>
+          </a:prstGeom>
+          <a:ln>
+            <a:noFill/>
+          </a:ln>
+        </p:spPr>
+        <p:style>
+          <a:lnRef idx="2">
+            <a:schemeClr val="accent3">
+              <a:shade val="50000"/>
+            </a:schemeClr>
+          </a:lnRef>
+          <a:fillRef idx="1">
+            <a:schemeClr val="accent3"/>
+          </a:fillRef>
+          <a:effectRef idx="0">
+            <a:schemeClr val="accent3"/>
+          </a:effectRef>
+          <a:fontRef idx="minor">
+            <a:schemeClr val="lt1"/>
+          </a:fontRef>
+        </p:style>
+        <p:txBody>
+          <a:bodyPr rtlCol="0" anchor="ctr"/>
+          <a:lstStyle/>
+          <a:p>
+            <a:pPr algn="ctr"/>
+            <a:endParaRPr lang="ru-RU"/>
+          </a:p>
+        </p:txBody>
+      </p:sp>
     </p:spTree>
     <p:extLst>
       <p:ext uri="{BB962C8B-B14F-4D97-AF65-F5344CB8AC3E}">
@@ -4633,6 +5309,55 @@
           </a:p>
         </p:txBody>
       </p:sp>
+      <p:sp>
+        <p:nvSpPr>
+          <p:cNvPr id="6" name="Прямоугольник 5">
+            <a:extLst>
+              <a:ext uri="{FF2B5EF4-FFF2-40B4-BE49-F238E27FC236}">
+                <a16:creationId xmlns:a16="http://schemas.microsoft.com/office/drawing/2014/main" id="{0A321B08-084D-AC01-8AB9-89D841CEAD52}"/>
+              </a:ext>
+            </a:extLst>
+          </p:cNvPr>
+          <p:cNvSpPr/>
+          <p:nvPr/>
+        </p:nvSpPr>
+        <p:spPr>
+          <a:xfrm rot="2700000">
+            <a:off x="172141" y="-641689"/>
+            <a:ext cx="642257" cy="2298946"/>
+          </a:xfrm>
+          <a:prstGeom prst="rect">
+            <a:avLst/>
+          </a:prstGeom>
+          <a:ln>
+            <a:noFill/>
+          </a:ln>
+        </p:spPr>
+        <p:style>
+          <a:lnRef idx="2">
+            <a:schemeClr val="accent3">
+              <a:shade val="50000"/>
+            </a:schemeClr>
+          </a:lnRef>
+          <a:fillRef idx="1">
+            <a:schemeClr val="accent3"/>
+          </a:fillRef>
+          <a:effectRef idx="0">
+            <a:schemeClr val="accent3"/>
+          </a:effectRef>
+          <a:fontRef idx="minor">
+            <a:schemeClr val="lt1"/>
+          </a:fontRef>
+        </p:style>
+        <p:txBody>
+          <a:bodyPr rtlCol="0" anchor="ctr"/>
+          <a:lstStyle/>
+          <a:p>
+            <a:pPr algn="ctr"/>
+            <a:endParaRPr lang="ru-RU"/>
+          </a:p>
+        </p:txBody>
+      </p:sp>
     </p:spTree>
     <p:extLst>
       <p:ext uri="{BB962C8B-B14F-4D97-AF65-F5344CB8AC3E}">
@@ -4708,26 +5433,25 @@
             <p:ph idx="1"/>
           </p:nvPr>
         </p:nvSpPr>
-        <p:spPr/>
+        <p:spPr>
+          <a:xfrm>
+            <a:off x="838200" y="1825625"/>
+            <a:ext cx="4419600" cy="4351338"/>
+          </a:xfrm>
+        </p:spPr>
         <p:txBody>
           <a:bodyPr/>
           <a:lstStyle/>
           <a:p>
             <a:r>
               <a:rPr lang="en-US" dirty="0"/>
-              <a:t>32x32/30x32 pixels</a:t>
+              <a:t>32x32 or 30x32 pixels</a:t>
             </a:r>
           </a:p>
           <a:p>
             <a:r>
               <a:rPr lang="en-US" dirty="0"/>
-              <a:t>1/8 colors</a:t>
-            </a:r>
-          </a:p>
-          <a:p>
-            <a:r>
-              <a:rPr lang="en-US" dirty="0"/>
-              <a:t>Double buffer ???</a:t>
+              <a:t>1 or 8 colors</a:t>
             </a:r>
           </a:p>
           <a:p>
@@ -4774,6 +5498,55 @@
           </a:prstGeom>
         </p:spPr>
       </p:pic>
+      <p:sp>
+        <p:nvSpPr>
+          <p:cNvPr id="8" name="Прямоугольник 7">
+            <a:extLst>
+              <a:ext uri="{FF2B5EF4-FFF2-40B4-BE49-F238E27FC236}">
+                <a16:creationId xmlns:a16="http://schemas.microsoft.com/office/drawing/2014/main" id="{AFD3975F-792A-7F0B-B39A-4EF374927E0B}"/>
+              </a:ext>
+            </a:extLst>
+          </p:cNvPr>
+          <p:cNvSpPr/>
+          <p:nvPr/>
+        </p:nvSpPr>
+        <p:spPr>
+          <a:xfrm rot="2700000">
+            <a:off x="172141" y="-641689"/>
+            <a:ext cx="642257" cy="2298946"/>
+          </a:xfrm>
+          <a:prstGeom prst="rect">
+            <a:avLst/>
+          </a:prstGeom>
+          <a:ln>
+            <a:noFill/>
+          </a:ln>
+        </p:spPr>
+        <p:style>
+          <a:lnRef idx="2">
+            <a:schemeClr val="accent3">
+              <a:shade val="50000"/>
+            </a:schemeClr>
+          </a:lnRef>
+          <a:fillRef idx="1">
+            <a:schemeClr val="accent3"/>
+          </a:fillRef>
+          <a:effectRef idx="0">
+            <a:schemeClr val="accent3"/>
+          </a:effectRef>
+          <a:fontRef idx="minor">
+            <a:schemeClr val="lt1"/>
+          </a:fontRef>
+        </p:style>
+        <p:txBody>
+          <a:bodyPr rtlCol="0" anchor="ctr"/>
+          <a:lstStyle/>
+          <a:p>
+            <a:pPr algn="ctr"/>
+            <a:endParaRPr lang="ru-RU"/>
+          </a:p>
+        </p:txBody>
+      </p:sp>
     </p:spTree>
     <p:extLst>
       <p:ext uri="{BB962C8B-B14F-4D97-AF65-F5344CB8AC3E}">
@@ -4804,89 +5577,6 @@
           <a:chExt cx="0" cy="0"/>
         </a:xfrm>
       </p:grpSpPr>
-      <p:sp>
-        <p:nvSpPr>
-          <p:cNvPr id="2" name="Заголовок 1">
-            <a:extLst>
-              <a:ext uri="{FF2B5EF4-FFF2-40B4-BE49-F238E27FC236}">
-                <a16:creationId xmlns:a16="http://schemas.microsoft.com/office/drawing/2014/main" id="{8026CC67-26A5-F49D-A59D-211FC94E1DD3}"/>
-              </a:ext>
-            </a:extLst>
-          </p:cNvPr>
-          <p:cNvSpPr>
-            <a:spLocks noGrp="1"/>
-          </p:cNvSpPr>
-          <p:nvPr>
-            <p:ph type="title"/>
-          </p:nvPr>
-        </p:nvSpPr>
-        <p:spPr/>
-        <p:txBody>
-          <a:bodyPr/>
-          <a:lstStyle/>
-          <a:p>
-            <a:r>
-              <a:rPr lang="en-US" dirty="0"/>
-              <a:t>Our approach to memory banks</a:t>
-            </a:r>
-            <a:endParaRPr lang="ru-RU" dirty="0"/>
-          </a:p>
-        </p:txBody>
-      </p:sp>
-      <p:sp>
-        <p:nvSpPr>
-          <p:cNvPr id="3" name="Объект 2">
-            <a:extLst>
-              <a:ext uri="{FF2B5EF4-FFF2-40B4-BE49-F238E27FC236}">
-                <a16:creationId xmlns:a16="http://schemas.microsoft.com/office/drawing/2014/main" id="{85DBA9EB-2D89-D40A-906B-BB024ECFDFE8}"/>
-              </a:ext>
-            </a:extLst>
-          </p:cNvPr>
-          <p:cNvSpPr>
-            <a:spLocks noGrp="1"/>
-          </p:cNvSpPr>
-          <p:nvPr>
-            <p:ph idx="1"/>
-          </p:nvPr>
-        </p:nvSpPr>
-        <p:spPr>
-          <a:xfrm>
-            <a:off x="838200" y="1825625"/>
-            <a:ext cx="3363686" cy="4351338"/>
-          </a:xfrm>
-        </p:spPr>
-        <p:txBody>
-          <a:bodyPr>
-            <a:normAutofit fontScale="92500" lnSpcReduction="20000"/>
-          </a:bodyPr>
-          <a:lstStyle/>
-          <a:p>
-            <a:r>
-              <a:rPr lang="en-US" dirty="0"/>
-              <a:t>Banks are independent 256 bytes sections of ROM</a:t>
-            </a:r>
-          </a:p>
-          <a:p>
-            <a:r>
-              <a:rPr lang="en-US" dirty="0"/>
-              <a:t>We can jump from random place of one bank to random place of other bank</a:t>
-            </a:r>
-          </a:p>
-          <a:p>
-            <a:r>
-              <a:rPr lang="en-US" dirty="0"/>
-              <a:t>We can return from bank to the place where we had been before</a:t>
-            </a:r>
-          </a:p>
-          <a:p>
-            <a:r>
-              <a:rPr lang="en-US" dirty="0"/>
-              <a:t>Recursive calls</a:t>
-            </a:r>
-            <a:endParaRPr lang="ru-RU" dirty="0"/>
-          </a:p>
-        </p:txBody>
-      </p:sp>
       <p:pic>
         <p:nvPicPr>
           <p:cNvPr id="5" name="Рисунок 4">
@@ -4915,7 +5605,7 @@
         </p:blipFill>
         <p:spPr>
           <a:xfrm>
-            <a:off x="6606948" y="0"/>
+            <a:off x="6943725" y="276225"/>
             <a:ext cx="5248275" cy="6581775"/>
           </a:xfrm>
           <a:prstGeom prst="rect">
@@ -4923,6 +5613,143 @@
           </a:prstGeom>
         </p:spPr>
       </p:pic>
+      <p:sp>
+        <p:nvSpPr>
+          <p:cNvPr id="2" name="Заголовок 1">
+            <a:extLst>
+              <a:ext uri="{FF2B5EF4-FFF2-40B4-BE49-F238E27FC236}">
+                <a16:creationId xmlns:a16="http://schemas.microsoft.com/office/drawing/2014/main" id="{8026CC67-26A5-F49D-A59D-211FC94E1DD3}"/>
+              </a:ext>
+            </a:extLst>
+          </p:cNvPr>
+          <p:cNvSpPr>
+            <a:spLocks noGrp="1"/>
+          </p:cNvSpPr>
+          <p:nvPr>
+            <p:ph type="title"/>
+          </p:nvPr>
+        </p:nvSpPr>
+        <p:spPr>
+          <a:xfrm>
+            <a:off x="838200" y="365125"/>
+            <a:ext cx="9481457" cy="1325563"/>
+          </a:xfrm>
+        </p:spPr>
+        <p:txBody>
+          <a:bodyPr/>
+          <a:lstStyle/>
+          <a:p>
+            <a:r>
+              <a:rPr lang="en-US" dirty="0"/>
+              <a:t>Our approach to memory banks</a:t>
+            </a:r>
+            <a:endParaRPr lang="ru-RU" dirty="0"/>
+          </a:p>
+        </p:txBody>
+      </p:sp>
+      <p:sp>
+        <p:nvSpPr>
+          <p:cNvPr id="3" name="Объект 2">
+            <a:extLst>
+              <a:ext uri="{FF2B5EF4-FFF2-40B4-BE49-F238E27FC236}">
+                <a16:creationId xmlns:a16="http://schemas.microsoft.com/office/drawing/2014/main" id="{85DBA9EB-2D89-D40A-906B-BB024ECFDFE8}"/>
+              </a:ext>
+            </a:extLst>
+          </p:cNvPr>
+          <p:cNvSpPr>
+            <a:spLocks noGrp="1"/>
+          </p:cNvSpPr>
+          <p:nvPr>
+            <p:ph idx="1"/>
+          </p:nvPr>
+        </p:nvSpPr>
+        <p:spPr>
+          <a:xfrm>
+            <a:off x="838200" y="1825625"/>
+            <a:ext cx="5932714" cy="4351338"/>
+          </a:xfrm>
+        </p:spPr>
+        <p:txBody>
+          <a:bodyPr>
+            <a:normAutofit/>
+          </a:bodyPr>
+          <a:lstStyle/>
+          <a:p>
+            <a:r>
+              <a:rPr lang="en-US" dirty="0"/>
+              <a:t>Banks are independent 256 bytes sections of ROM</a:t>
+            </a:r>
+          </a:p>
+          <a:p>
+            <a:r>
+              <a:rPr lang="en-US" dirty="0"/>
+              <a:t>We can jump from random place of one bank to random place of other bank</a:t>
+            </a:r>
+          </a:p>
+          <a:p>
+            <a:r>
+              <a:rPr lang="en-US" dirty="0"/>
+              <a:t>We can return from bank to the place where we had been before</a:t>
+            </a:r>
+          </a:p>
+          <a:p>
+            <a:r>
+              <a:rPr lang="en-US" dirty="0"/>
+              <a:t>Supports recursive calls</a:t>
+            </a:r>
+            <a:endParaRPr lang="ru-RU" dirty="0"/>
+          </a:p>
+        </p:txBody>
+      </p:sp>
+      <p:sp>
+        <p:nvSpPr>
+          <p:cNvPr id="8" name="Прямоугольник 7">
+            <a:extLst>
+              <a:ext uri="{FF2B5EF4-FFF2-40B4-BE49-F238E27FC236}">
+                <a16:creationId xmlns:a16="http://schemas.microsoft.com/office/drawing/2014/main" id="{136A9397-88FB-A5BC-5480-B06C18BC5F4B}"/>
+              </a:ext>
+            </a:extLst>
+          </p:cNvPr>
+          <p:cNvSpPr/>
+          <p:nvPr/>
+        </p:nvSpPr>
+        <p:spPr>
+          <a:xfrm rot="2700000">
+            <a:off x="172141" y="-641689"/>
+            <a:ext cx="642257" cy="2298946"/>
+          </a:xfrm>
+          <a:prstGeom prst="rect">
+            <a:avLst/>
+          </a:prstGeom>
+          <a:ln>
+            <a:noFill/>
+          </a:ln>
+        </p:spPr>
+        <p:style>
+          <a:lnRef idx="2">
+            <a:schemeClr val="accent3">
+              <a:shade val="50000"/>
+            </a:schemeClr>
+          </a:lnRef>
+          <a:fillRef idx="1">
+            <a:schemeClr val="accent3"/>
+          </a:fillRef>
+          <a:effectRef idx="0">
+            <a:schemeClr val="accent3"/>
+          </a:effectRef>
+          <a:fontRef idx="minor">
+            <a:schemeClr val="lt1"/>
+          </a:fontRef>
+        </p:style>
+        <p:txBody>
+          <a:bodyPr rtlCol="0" anchor="ctr"/>
+          <a:lstStyle/>
+          <a:p>
+            <a:pPr algn="ctr"/>
+            <a:endParaRPr lang="ru-RU"/>
+          </a:p>
+        </p:txBody>
+      </p:sp>
     </p:spTree>
     <p:extLst>
       <p:ext uri="{BB962C8B-B14F-4D97-AF65-F5344CB8AC3E}">
@@ -4974,6 +5801,10 @@
           <a:bodyPr/>
           <a:lstStyle/>
           <a:p>
+            <a:r>
+              <a:rPr lang="en-US" dirty="0"/>
+              <a:t>Problem</a:t>
+            </a:r>
             <a:endParaRPr lang="ru-RU" dirty="0"/>
           </a:p>
         </p:txBody>
@@ -5001,17 +5832,6 @@
           <a:p>
             <a:r>
               <a:rPr lang="en-US" dirty="0"/>
-              <a:t>We need to produce big images -&gt; </a:t>
-            </a:r>
-            <a:r>
-              <a:rPr lang="en-US" dirty="0" err="1"/>
-              <a:t>cocomake</a:t>
-            </a:r>
-            <a:endParaRPr lang="en-US" dirty="0"/>
-          </a:p>
-          <a:p>
-            <a:r>
-              <a:rPr lang="en-US" dirty="0"/>
               <a:t>ROM image consists of continuous</a:t>
             </a:r>
             <a:r>
@@ -5033,16 +5853,54 @@
               <a:t> (standard linker) can’t generate images larger than 256 bytes.</a:t>
             </a:r>
           </a:p>
-          <a:p>
-            <a:r>
-              <a:rPr lang="en-US" dirty="0"/>
-              <a:t>That’s why we developed </a:t>
-            </a:r>
-            <a:r>
-              <a:rPr lang="en-US" dirty="0" err="1"/>
-              <a:t>cocomake</a:t>
-            </a:r>
-            <a:endParaRPr lang="ru-RU" dirty="0"/>
+        </p:txBody>
+      </p:sp>
+      <p:sp>
+        <p:nvSpPr>
+          <p:cNvPr id="6" name="Прямоугольник 5">
+            <a:extLst>
+              <a:ext uri="{FF2B5EF4-FFF2-40B4-BE49-F238E27FC236}">
+                <a16:creationId xmlns:a16="http://schemas.microsoft.com/office/drawing/2014/main" id="{DD6DE97C-52A3-D6F4-8ED0-02D51881D56D}"/>
+              </a:ext>
+            </a:extLst>
+          </p:cNvPr>
+          <p:cNvSpPr/>
+          <p:nvPr/>
+        </p:nvSpPr>
+        <p:spPr>
+          <a:xfrm rot="2700000">
+            <a:off x="172141" y="-641689"/>
+            <a:ext cx="642257" cy="2298946"/>
+          </a:xfrm>
+          <a:prstGeom prst="rect">
+            <a:avLst/>
+          </a:prstGeom>
+          <a:ln>
+            <a:noFill/>
+          </a:ln>
+        </p:spPr>
+        <p:style>
+          <a:lnRef idx="2">
+            <a:schemeClr val="accent3">
+              <a:shade val="50000"/>
+            </a:schemeClr>
+          </a:lnRef>
+          <a:fillRef idx="1">
+            <a:schemeClr val="accent3"/>
+          </a:fillRef>
+          <a:effectRef idx="0">
+            <a:schemeClr val="accent3"/>
+          </a:effectRef>
+          <a:fontRef idx="minor">
+            <a:schemeClr val="lt1"/>
+          </a:fontRef>
+        </p:style>
+        <p:txBody>
+          <a:bodyPr rtlCol="0" anchor="ctr"/>
+          <a:lstStyle/>
+          <a:p>
+            <a:pPr algn="ctr"/>
+            <a:endParaRPr lang="ru-RU"/>
           </a:p>
         </p:txBody>
       </p:sp>
@@ -5076,72 +5934,6 @@
           <a:chExt cx="0" cy="0"/>
         </a:xfrm>
       </p:grpSpPr>
-      <p:sp>
-        <p:nvSpPr>
-          <p:cNvPr id="2" name="Заголовок 1">
-            <a:extLst>
-              <a:ext uri="{FF2B5EF4-FFF2-40B4-BE49-F238E27FC236}">
-                <a16:creationId xmlns:a16="http://schemas.microsoft.com/office/drawing/2014/main" id="{3D9B5570-5D2E-CDD5-99C2-48E18F8ACFF6}"/>
-              </a:ext>
-            </a:extLst>
-          </p:cNvPr>
-          <p:cNvSpPr>
-            <a:spLocks noGrp="1"/>
-          </p:cNvSpPr>
-          <p:nvPr>
-            <p:ph type="title"/>
-          </p:nvPr>
-        </p:nvSpPr>
-        <p:spPr/>
-        <p:txBody>
-          <a:bodyPr/>
-          <a:lstStyle/>
-          <a:p>
-            <a:r>
-              <a:rPr lang="en-US" dirty="0" err="1"/>
-              <a:t>cocomake</a:t>
-            </a:r>
-            <a:endParaRPr lang="ru-RU" dirty="0"/>
-          </a:p>
-        </p:txBody>
-      </p:sp>
-      <p:sp>
-        <p:nvSpPr>
-          <p:cNvPr id="3" name="Объект 2">
-            <a:extLst>
-              <a:ext uri="{FF2B5EF4-FFF2-40B4-BE49-F238E27FC236}">
-                <a16:creationId xmlns:a16="http://schemas.microsoft.com/office/drawing/2014/main" id="{A8B7F97E-F273-6E9D-8D34-E2F072BED5B4}"/>
-              </a:ext>
-            </a:extLst>
-          </p:cNvPr>
-          <p:cNvSpPr>
-            <a:spLocks noGrp="1"/>
-          </p:cNvSpPr>
-          <p:nvPr>
-            <p:ph idx="1"/>
-          </p:nvPr>
-        </p:nvSpPr>
-        <p:spPr/>
-        <p:txBody>
-          <a:bodyPr/>
-          <a:lstStyle/>
-          <a:p>
-            <a:r>
-              <a:rPr lang="en-US" dirty="0"/>
-              <a:t>Configurable build system that can produce imager larger that 256 bytes</a:t>
-            </a:r>
-          </a:p>
-          <a:p>
-            <a:r>
-              <a:rPr lang="en-US" dirty="0"/>
-              <a:t>Incremental</a:t>
-            </a:r>
-          </a:p>
-          <a:p>
-            <a:endParaRPr lang="ru-RU" dirty="0"/>
-          </a:p>
-        </p:txBody>
-      </p:sp>
       <p:pic>
         <p:nvPicPr>
           <p:cNvPr id="5" name="Рисунок 4">
@@ -5170,7 +5962,7 @@
         </p:blipFill>
         <p:spPr>
           <a:xfrm>
-            <a:off x="4533900" y="2276475"/>
+            <a:off x="5034643" y="1595438"/>
             <a:ext cx="6819900" cy="4581525"/>
           </a:xfrm>
           <a:prstGeom prst="rect">
@@ -5178,6 +5970,130 @@
           </a:prstGeom>
         </p:spPr>
       </p:pic>
+      <p:sp>
+        <p:nvSpPr>
+          <p:cNvPr id="2" name="Заголовок 1">
+            <a:extLst>
+              <a:ext uri="{FF2B5EF4-FFF2-40B4-BE49-F238E27FC236}">
+                <a16:creationId xmlns:a16="http://schemas.microsoft.com/office/drawing/2014/main" id="{3D9B5570-5D2E-CDD5-99C2-48E18F8ACFF6}"/>
+              </a:ext>
+            </a:extLst>
+          </p:cNvPr>
+          <p:cNvSpPr>
+            <a:spLocks noGrp="1"/>
+          </p:cNvSpPr>
+          <p:nvPr>
+            <p:ph type="title"/>
+          </p:nvPr>
+        </p:nvSpPr>
+        <p:spPr/>
+        <p:txBody>
+          <a:bodyPr/>
+          <a:lstStyle/>
+          <a:p>
+            <a:r>
+              <a:rPr lang="en-US" dirty="0"/>
+              <a:t>Solution: </a:t>
+            </a:r>
+            <a:r>
+              <a:rPr lang="en-US" dirty="0" err="1"/>
+              <a:t>cocomake</a:t>
+            </a:r>
+            <a:endParaRPr lang="ru-RU" dirty="0"/>
+          </a:p>
+        </p:txBody>
+      </p:sp>
+      <p:sp>
+        <p:nvSpPr>
+          <p:cNvPr id="3" name="Объект 2">
+            <a:extLst>
+              <a:ext uri="{FF2B5EF4-FFF2-40B4-BE49-F238E27FC236}">
+                <a16:creationId xmlns:a16="http://schemas.microsoft.com/office/drawing/2014/main" id="{A8B7F97E-F273-6E9D-8D34-E2F072BED5B4}"/>
+              </a:ext>
+            </a:extLst>
+          </p:cNvPr>
+          <p:cNvSpPr>
+            <a:spLocks noGrp="1"/>
+          </p:cNvSpPr>
+          <p:nvPr>
+            <p:ph idx="1"/>
+          </p:nvPr>
+        </p:nvSpPr>
+        <p:spPr>
+          <a:xfrm>
+            <a:off x="838200" y="1825625"/>
+            <a:ext cx="3918857" cy="4351338"/>
+          </a:xfrm>
+        </p:spPr>
+        <p:txBody>
+          <a:bodyPr/>
+          <a:lstStyle/>
+          <a:p>
+            <a:r>
+              <a:rPr lang="en-US" dirty="0"/>
+              <a:t>Configurable build system that can produce imager larger that 256 bytes</a:t>
+            </a:r>
+          </a:p>
+          <a:p>
+            <a:r>
+              <a:rPr lang="en-US" dirty="0"/>
+              <a:t>Incremental</a:t>
+            </a:r>
+          </a:p>
+          <a:p>
+            <a:endParaRPr lang="ru-RU" dirty="0"/>
+          </a:p>
+        </p:txBody>
+      </p:sp>
+      <p:sp>
+        <p:nvSpPr>
+          <p:cNvPr id="8" name="Прямоугольник 7">
+            <a:extLst>
+              <a:ext uri="{FF2B5EF4-FFF2-40B4-BE49-F238E27FC236}">
+                <a16:creationId xmlns:a16="http://schemas.microsoft.com/office/drawing/2014/main" id="{526BFC1E-4F57-EA4E-1926-0B847420FFB0}"/>
+              </a:ext>
+            </a:extLst>
+          </p:cNvPr>
+          <p:cNvSpPr/>
+          <p:nvPr/>
+        </p:nvSpPr>
+        <p:spPr>
+          <a:xfrm rot="2700000">
+            <a:off x="172141" y="-641689"/>
+            <a:ext cx="642257" cy="2298946"/>
+          </a:xfrm>
+          <a:prstGeom prst="rect">
+            <a:avLst/>
+          </a:prstGeom>
+          <a:ln>
+            <a:noFill/>
+          </a:ln>
+        </p:spPr>
+        <p:style>
+          <a:lnRef idx="2">
+            <a:schemeClr val="accent3">
+              <a:shade val="50000"/>
+            </a:schemeClr>
+          </a:lnRef>
+          <a:fillRef idx="1">
+            <a:schemeClr val="accent3"/>
+          </a:fillRef>
+          <a:effectRef idx="0">
+            <a:schemeClr val="accent3"/>
+          </a:effectRef>
+          <a:fontRef idx="minor">
+            <a:schemeClr val="lt1"/>
+          </a:fontRef>
+        </p:style>
+        <p:txBody>
+          <a:bodyPr rtlCol="0" anchor="ctr"/>
+          <a:lstStyle/>
+          <a:p>
+            <a:pPr algn="ctr"/>
+            <a:endParaRPr lang="ru-RU"/>
+          </a:p>
+        </p:txBody>
+      </p:sp>
     </p:spTree>
     <p:extLst>
       <p:ext uri="{BB962C8B-B14F-4D97-AF65-F5344CB8AC3E}">
@@ -5213,7 +6129,7 @@
           <p:cNvPr id="2" name="Заголовок 1">
             <a:extLst>
               <a:ext uri="{FF2B5EF4-FFF2-40B4-BE49-F238E27FC236}">
-                <a16:creationId xmlns:a16="http://schemas.microsoft.com/office/drawing/2014/main" id="{553F2F79-37D5-5E80-57BA-2B68936B086F}"/>
+                <a16:creationId xmlns:a16="http://schemas.microsoft.com/office/drawing/2014/main" id="{AB5B5DCF-0BFF-2C2F-5634-7816B28AFC0D}"/>
               </a:ext>
             </a:extLst>
           </p:cNvPr>
@@ -5230,34 +6146,106 @@
           <a:lstStyle/>
           <a:p>
             <a:r>
-              <a:rPr lang="en-US" dirty="0" err="1"/>
-              <a:t>Demostation</a:t>
+              <a:rPr lang="en-US" dirty="0"/>
+              <a:t>Incremental building</a:t>
             </a:r>
             <a:endParaRPr lang="ru-RU" dirty="0"/>
           </a:p>
         </p:txBody>
       </p:sp>
-      <p:sp>
-        <p:nvSpPr>
-          <p:cNvPr id="3" name="Объект 2">
+      <p:pic>
+        <p:nvPicPr>
+          <p:cNvPr id="5" name="Объект 4">
             <a:extLst>
               <a:ext uri="{FF2B5EF4-FFF2-40B4-BE49-F238E27FC236}">
-                <a16:creationId xmlns:a16="http://schemas.microsoft.com/office/drawing/2014/main" id="{C1E7D821-0E45-A305-B21C-538FC6BA38D9}"/>
+                <a16:creationId xmlns:a16="http://schemas.microsoft.com/office/drawing/2014/main" id="{7550FC19-E74A-E5E8-9C51-6D15F994DA66}"/>
               </a:ext>
             </a:extLst>
           </p:cNvPr>
-          <p:cNvSpPr>
-            <a:spLocks noGrp="1"/>
-          </p:cNvSpPr>
+          <p:cNvPicPr>
+            <a:picLocks noGrp="1" noChangeAspect="1"/>
+          </p:cNvPicPr>
           <p:nvPr>
             <p:ph idx="1"/>
           </p:nvPr>
-        </p:nvSpPr>
-        <p:spPr/>
-        <p:txBody>
-          <a:bodyPr/>
-          <a:lstStyle/>
-          <a:p>
+        </p:nvPicPr>
+        <p:blipFill>
+          <a:blip r:embed="rId2">
+            <a:extLst>
+              <a:ext uri="{28A0092B-C50C-407E-A947-70E740481C1C}">
+                <a14:useLocalDpi xmlns:a14="http://schemas.microsoft.com/office/drawing/2010/main" val="0"/>
+              </a:ext>
+            </a:extLst>
+          </a:blip>
+          <a:stretch>
+            <a:fillRect/>
+          </a:stretch>
+        </p:blipFill>
+        <p:spPr>
+          <a:xfrm>
+            <a:off x="845127" y="2404152"/>
+            <a:ext cx="10636696" cy="3114906"/>
+          </a:xfrm>
+          <a:prstGeom prst="rect">
+            <a:avLst/>
+          </a:prstGeom>
+          <a:ln>
+            <a:noFill/>
+          </a:ln>
+          <a:effectLst>
+            <a:outerShdw blurRad="292100" dist="139700" dir="2700000" algn="tl" rotWithShape="0">
+              <a:srgbClr val="333333">
+                <a:alpha val="65000"/>
+              </a:srgbClr>
+            </a:outerShdw>
+          </a:effectLst>
+        </p:spPr>
+      </p:pic>
+      <p:sp>
+        <p:nvSpPr>
+          <p:cNvPr id="7" name="Прямоугольник 6">
+            <a:extLst>
+              <a:ext uri="{FF2B5EF4-FFF2-40B4-BE49-F238E27FC236}">
+                <a16:creationId xmlns:a16="http://schemas.microsoft.com/office/drawing/2014/main" id="{FFD6DE36-5AE5-99E1-901F-2CBF1EFDDDF2}"/>
+              </a:ext>
+            </a:extLst>
+          </p:cNvPr>
+          <p:cNvSpPr/>
+          <p:nvPr/>
+        </p:nvSpPr>
+        <p:spPr>
+          <a:xfrm rot="2700000">
+            <a:off x="172141" y="-641689"/>
+            <a:ext cx="642257" cy="2298946"/>
+          </a:xfrm>
+          <a:prstGeom prst="rect">
+            <a:avLst/>
+          </a:prstGeom>
+          <a:ln>
+            <a:noFill/>
+          </a:ln>
+        </p:spPr>
+        <p:style>
+          <a:lnRef idx="2">
+            <a:schemeClr val="accent3">
+              <a:shade val="50000"/>
+            </a:schemeClr>
+          </a:lnRef>
+          <a:fillRef idx="1">
+            <a:schemeClr val="accent3"/>
+          </a:fillRef>
+          <a:effectRef idx="0">
+            <a:schemeClr val="accent3"/>
+          </a:effectRef>
+          <a:fontRef idx="minor">
+            <a:schemeClr val="lt1"/>
+          </a:fontRef>
+        </p:style>
+        <p:txBody>
+          <a:bodyPr rtlCol="0" anchor="ctr"/>
+          <a:lstStyle/>
+          <a:p>
+            <a:pPr algn="ctr"/>
             <a:endParaRPr lang="ru-RU"/>
           </a:p>
         </p:txBody>
@@ -5265,7 +6253,7 @@
     </p:spTree>
     <p:extLst>
       <p:ext uri="{BB962C8B-B14F-4D97-AF65-F5344CB8AC3E}">
-        <p14:creationId xmlns:p14="http://schemas.microsoft.com/office/powerpoint/2010/main" val="3201190602"/>
+        <p14:creationId xmlns:p14="http://schemas.microsoft.com/office/powerpoint/2010/main" val="64462061"/>
       </p:ext>
     </p:extLst>
   </p:cSld>
@@ -5276,7 +6264,7 @@
 </file>
 
 <file path=ppt/theme/theme1.xml><?xml version="1.0" encoding="utf-8"?>
-<a:theme xmlns:a="http://schemas.openxmlformats.org/drawingml/2006/main" name="Тема Office">
+<a:theme xmlns:a="http://schemas.openxmlformats.org/drawingml/2006/main" name="HDOfficeLightV0">
   <a:themeElements>
     <a:clrScheme name="Стандартная">
       <a:dk1>
@@ -5292,7 +6280,7 @@
         <a:srgbClr val="E7E6E6"/>
       </a:lt2>
       <a:accent1>
-        <a:srgbClr val="4472C4"/>
+        <a:srgbClr val="5B9BD5"/>
       </a:accent1>
       <a:accent2>
         <a:srgbClr val="ED7D31"/>
@@ -5304,7 +6292,7 @@
         <a:srgbClr val="FFC000"/>
       </a:accent4>
       <a:accent5>
-        <a:srgbClr val="5B9BD5"/>
+        <a:srgbClr val="4472C4"/>
       </a:accent5>
       <a:accent6>
         <a:srgbClr val="70AD47"/>
@@ -5318,12 +6306,12 @@
     </a:clrScheme>
     <a:fontScheme name="Стандартная">
       <a:majorFont>
-        <a:latin typeface="Calibri Light" panose="020F0302020204030204"/>
+        <a:latin typeface="Calibri Light"/>
         <a:ea typeface=""/>
         <a:cs typeface=""/>
-        <a:font script="Jpan" typeface="游ゴシック Light"/>
+        <a:font script="Jpan" typeface="ＭＳ Ｐゴシック"/>
         <a:font script="Hang" typeface="맑은 고딕"/>
-        <a:font script="Hans" typeface="等线 Light"/>
+        <a:font script="Hans" typeface="宋体"/>
         <a:font script="Hant" typeface="新細明體"/>
         <a:font script="Arab" typeface="Times New Roman"/>
         <a:font script="Hebr" typeface="Times New Roman"/>
@@ -5351,31 +6339,14 @@
         <a:font script="Viet" typeface="Times New Roman"/>
         <a:font script="Uigh" typeface="Microsoft Uighur"/>
         <a:font script="Geor" typeface="Sylfaen"/>
-        <a:font script="Armn" typeface="Arial"/>
-        <a:font script="Bugi" typeface="Leelawadee UI"/>
-        <a:font script="Bopo" typeface="Microsoft JhengHei"/>
-        <a:font script="Java" typeface="Javanese Text"/>
-        <a:font script="Lisu" typeface="Segoe UI"/>
-        <a:font script="Mymr" typeface="Myanmar Text"/>
-        <a:font script="Nkoo" typeface="Ebrima"/>
-        <a:font script="Olck" typeface="Nirmala UI"/>
-        <a:font script="Osma" typeface="Ebrima"/>
-        <a:font script="Phag" typeface="Phagspa"/>
-        <a:font script="Syrn" typeface="Estrangelo Edessa"/>
-        <a:font script="Syrj" typeface="Estrangelo Edessa"/>
-        <a:font script="Syre" typeface="Estrangelo Edessa"/>
-        <a:font script="Sora" typeface="Nirmala UI"/>
-        <a:font script="Tale" typeface="Microsoft Tai Le"/>
-        <a:font script="Talu" typeface="Microsoft New Tai Lue"/>
-        <a:font script="Tfng" typeface="Ebrima"/>
       </a:majorFont>
       <a:minorFont>
-        <a:latin typeface="Calibri" panose="020F0502020204030204"/>
+        <a:latin typeface="Calibri"/>
         <a:ea typeface=""/>
         <a:cs typeface=""/>
-        <a:font script="Jpan" typeface="游ゴシック"/>
+        <a:font script="Jpan" typeface="ＭＳ Ｐゴシック"/>
         <a:font script="Hang" typeface="맑은 고딕"/>
-        <a:font script="Hans" typeface="等线"/>
+        <a:font script="Hans" typeface="宋体"/>
         <a:font script="Hant" typeface="新細明體"/>
         <a:font script="Arab" typeface="Arial"/>
         <a:font script="Hebr" typeface="Arial"/>
@@ -5403,23 +6374,6 @@
         <a:font script="Viet" typeface="Arial"/>
         <a:font script="Uigh" typeface="Microsoft Uighur"/>
         <a:font script="Geor" typeface="Sylfaen"/>
-        <a:font script="Armn" typeface="Arial"/>
-        <a:font script="Bugi" typeface="Leelawadee UI"/>
-        <a:font script="Bopo" typeface="Microsoft JhengHei"/>
-        <a:font script="Java" typeface="Javanese Text"/>
-        <a:font script="Lisu" typeface="Segoe UI"/>
-        <a:font script="Mymr" typeface="Myanmar Text"/>
-        <a:font script="Nkoo" typeface="Ebrima"/>
-        <a:font script="Olck" typeface="Nirmala UI"/>
-        <a:font script="Osma" typeface="Ebrima"/>
-        <a:font script="Phag" typeface="Phagspa"/>
-        <a:font script="Syrn" typeface="Estrangelo Edessa"/>
-        <a:font script="Syrj" typeface="Estrangelo Edessa"/>
-        <a:font script="Syre" typeface="Estrangelo Edessa"/>
-        <a:font script="Sora" typeface="Nirmala UI"/>
-        <a:font script="Tale" typeface="Microsoft Tai Le"/>
-        <a:font script="Talu" typeface="Microsoft New Tai Lue"/>
-        <a:font script="Tfng" typeface="Ebrima"/>
       </a:minorFont>
     </a:fontScheme>
     <a:fmtScheme name="Стандартная">
@@ -5431,23 +6385,23 @@
           <a:gsLst>
             <a:gs pos="0">
               <a:schemeClr val="phClr">
+                <a:tint val="67000"/>
+                <a:satMod val="105000"/>
                 <a:lumMod val="110000"/>
-                <a:satMod val="105000"/>
-                <a:tint val="67000"/>
               </a:schemeClr>
             </a:gs>
             <a:gs pos="50000">
               <a:schemeClr val="phClr">
+                <a:tint val="73000"/>
+                <a:satMod val="103000"/>
                 <a:lumMod val="105000"/>
-                <a:satMod val="103000"/>
-                <a:tint val="73000"/>
               </a:schemeClr>
             </a:gs>
             <a:gs pos="100000">
               <a:schemeClr val="phClr">
+                <a:tint val="81000"/>
+                <a:satMod val="109000"/>
                 <a:lumMod val="105000"/>
-                <a:satMod val="109000"/>
-                <a:tint val="81000"/>
               </a:schemeClr>
             </a:gs>
           </a:gsLst>
@@ -5457,23 +6411,23 @@
           <a:gsLst>
             <a:gs pos="0">
               <a:schemeClr val="phClr">
+                <a:tint val="94000"/>
                 <a:satMod val="103000"/>
                 <a:lumMod val="102000"/>
-                <a:tint val="94000"/>
               </a:schemeClr>
             </a:gs>
             <a:gs pos="50000">
               <a:schemeClr val="phClr">
+                <a:shade val="100000"/>
                 <a:satMod val="110000"/>
                 <a:lumMod val="100000"/>
-                <a:shade val="100000"/>
               </a:schemeClr>
             </a:gs>
             <a:gs pos="100000">
               <a:schemeClr val="phClr">
+                <a:shade val="78000"/>
+                <a:satMod val="120000"/>
                 <a:lumMod val="99000"/>
-                <a:satMod val="120000"/>
-                <a:shade val="78000"/>
               </a:schemeClr>
             </a:gs>
           </a:gsLst>
@@ -5486,21 +6440,18 @@
             <a:schemeClr val="phClr"/>
           </a:solidFill>
           <a:prstDash val="solid"/>
-          <a:miter lim="800000"/>
         </a:ln>
         <a:ln w="12700" cap="flat" cmpd="sng" algn="ctr">
           <a:solidFill>
             <a:schemeClr val="phClr"/>
           </a:solidFill>
           <a:prstDash val="solid"/>
-          <a:miter lim="800000"/>
         </a:ln>
         <a:ln w="19050" cap="flat" cmpd="sng" algn="ctr">
           <a:solidFill>
             <a:schemeClr val="phClr"/>
           </a:solidFill>
           <a:prstDash val="solid"/>
-          <a:miter lim="800000"/>
         </a:ln>
       </a:lnStyleLst>
       <a:effectStyleLst>
@@ -5535,16 +6486,16 @@
             <a:gs pos="0">
               <a:schemeClr val="phClr">
                 <a:tint val="93000"/>
+                <a:shade val="98000"/>
                 <a:satMod val="150000"/>
-                <a:shade val="98000"/>
                 <a:lumMod val="102000"/>
               </a:schemeClr>
             </a:gs>
             <a:gs pos="50000">
               <a:schemeClr val="phClr">
                 <a:tint val="98000"/>
+                <a:shade val="90000"/>
                 <a:satMod val="130000"/>
-                <a:shade val="90000"/>
                 <a:lumMod val="103000"/>
               </a:schemeClr>
             </a:gs>
@@ -5562,10 +6513,5 @@
   </a:themeElements>
   <a:objectDefaults/>
   <a:extraClrSchemeLst/>
-  <a:extLst>
-    <a:ext uri="{05A4C25C-085E-4340-85A3-A5531E510DB2}">
-      <thm15:themeFamily xmlns:thm15="http://schemas.microsoft.com/office/thememl/2012/main" name="Office Theme" id="{62F939B6-93AF-4DB8-9C6B-D6C7DFDC589F}" vid="{4A3C46E8-61CC-4603-A589-7422A47A8E4A}"/>
-    </a:ext>
-  </a:extLst>
 </a:theme>
 </file>